--- a/Documentation/VoIP UserAgent - Presentation.pptx
+++ b/Documentation/VoIP UserAgent - Presentation.pptx
@@ -1,6 +1,6 @@
 
 <file path=ppt/presentation.xml><?xml version="1.0" encoding="utf-8"?>
-<p:presentation xmlns:a="http://schemas.openxmlformats.org/drawingml/2006/main" xmlns:r="http://schemas.openxmlformats.org/officeDocument/2006/relationships" xmlns:mc="http://schemas.openxmlformats.org/markup-compatibility/2006" xmlns:mv="urn:schemas-microsoft-com:mac:vml" xmlns:p="http://schemas.openxmlformats.org/presentationml/2006/main" xmlns:c="http://schemas.openxmlformats.org/drawingml/2006/chart" xmlns:dgm="http://schemas.openxmlformats.org/drawingml/2006/diagram" xmlns:o="urn:schemas-microsoft-com:office:office" xmlns:v="urn:schemas-microsoft-com:vml" xmlns:pvml="urn:schemas-microsoft-com:office:powerpoint" xmlns:com="http://schemas.openxmlformats.org/drawingml/2006/compatibility" xmlns:p14="http://schemas.microsoft.com/office/powerpoint/2010/main" xmlns:p15="http://schemas.microsoft.com/office/powerpoint/2012/main" autoCompressPictures="0" embedTrueTypeFonts="1" strictFirstAndLastChars="0" saveSubsetFonts="1">
+<p:presentation xmlns:a="http://schemas.openxmlformats.org/drawingml/2006/main" xmlns:r="http://schemas.openxmlformats.org/officeDocument/2006/relationships" xmlns:mc="http://schemas.openxmlformats.org/markup-compatibility/2006" xmlns:mv="urn:schemas-microsoft-com:mac:vml" xmlns:p="http://schemas.openxmlformats.org/presentationml/2006/main" xmlns:c="http://schemas.openxmlformats.org/drawingml/2006/chart" xmlns:dgm="http://schemas.openxmlformats.org/drawingml/2006/diagram" xmlns:o="urn:schemas-microsoft-com:office:office" xmlns:v="urn:schemas-microsoft-com:vml" xmlns:pvml="urn:schemas-microsoft-com:office:powerpoint" xmlns:com="http://schemas.openxmlformats.org/drawingml/2006/compatibility" xmlns:p14="http://schemas.microsoft.com/office/powerpoint/2010/main" xmlns:p15="http://schemas.microsoft.com/office/powerpoint/2012/main" xmlns:ahyp="http://schemas.microsoft.com/office/drawing/2018/hyperlinkcolor" autoCompressPictures="0" embedTrueTypeFonts="1" strictFirstAndLastChars="0" saveSubsetFonts="1">
   <p:sldMasterIdLst>
     <p:sldMasterId id="2147483659" r:id="rId4"/>
   </p:sldMasterIdLst>
@@ -21,16 +21,25 @@
     <p:sldId id="266" r:id="rId16"/>
     <p:sldId id="267" r:id="rId17"/>
     <p:sldId id="268" r:id="rId18"/>
+    <p:sldId id="269" r:id="rId19"/>
+    <p:sldId id="270" r:id="rId20"/>
+    <p:sldId id="271" r:id="rId21"/>
+    <p:sldId id="272" r:id="rId22"/>
+    <p:sldId id="273" r:id="rId23"/>
+    <p:sldId id="274" r:id="rId24"/>
+    <p:sldId id="275" r:id="rId25"/>
+    <p:sldId id="276" r:id="rId26"/>
+    <p:sldId id="277" r:id="rId27"/>
   </p:sldIdLst>
   <p:sldSz cy="5143500" cx="9144000"/>
   <p:notesSz cx="6858000" cy="9144000"/>
   <p:embeddedFontLst>
     <p:embeddedFont>
       <p:font typeface="Roboto"/>
-      <p:regular r:id="rId19"/>
-      <p:bold r:id="rId20"/>
-      <p:italic r:id="rId21"/>
-      <p:boldItalic r:id="rId22"/>
+      <p:regular r:id="rId28"/>
+      <p:bold r:id="rId29"/>
+      <p:italic r:id="rId30"/>
+      <p:boldItalic r:id="rId31"/>
     </p:embeddedFont>
   </p:embeddedFontLst>
   <p:defaultTextStyle>
@@ -282,7 +291,7 @@
 </file>
 
 <file path=ppt/notesMasters/notesMaster1.xml><?xml version="1.0" encoding="utf-8"?>
-<p:notesMaster xmlns:a="http://schemas.openxmlformats.org/drawingml/2006/main" xmlns:r="http://schemas.openxmlformats.org/officeDocument/2006/relationships" xmlns:mc="http://schemas.openxmlformats.org/markup-compatibility/2006" xmlns:mv="urn:schemas-microsoft-com:mac:vml" xmlns:p="http://schemas.openxmlformats.org/presentationml/2006/main" xmlns:c="http://schemas.openxmlformats.org/drawingml/2006/chart" xmlns:dgm="http://schemas.openxmlformats.org/drawingml/2006/diagram" xmlns:o="urn:schemas-microsoft-com:office:office" xmlns:v="urn:schemas-microsoft-com:vml" xmlns:pvml="urn:schemas-microsoft-com:office:powerpoint" xmlns:com="http://schemas.openxmlformats.org/drawingml/2006/compatibility" xmlns:p14="http://schemas.microsoft.com/office/powerpoint/2010/main" xmlns:p15="http://schemas.microsoft.com/office/powerpoint/2012/main">
+<p:notesMaster xmlns:a="http://schemas.openxmlformats.org/drawingml/2006/main" xmlns:r="http://schemas.openxmlformats.org/officeDocument/2006/relationships" xmlns:mc="http://schemas.openxmlformats.org/markup-compatibility/2006" xmlns:mv="urn:schemas-microsoft-com:mac:vml" xmlns:p="http://schemas.openxmlformats.org/presentationml/2006/main" xmlns:c="http://schemas.openxmlformats.org/drawingml/2006/chart" xmlns:dgm="http://schemas.openxmlformats.org/drawingml/2006/diagram" xmlns:o="urn:schemas-microsoft-com:office:office" xmlns:v="urn:schemas-microsoft-com:vml" xmlns:pvml="urn:schemas-microsoft-com:office:powerpoint" xmlns:com="http://schemas.openxmlformats.org/drawingml/2006/compatibility" xmlns:p14="http://schemas.microsoft.com/office/powerpoint/2010/main" xmlns:p15="http://schemas.microsoft.com/office/powerpoint/2012/main" xmlns:ahyp="http://schemas.microsoft.com/office/drawing/2018/hyperlinkcolor">
   <p:cSld>
     <p:spTree>
       <p:nvGrpSpPr>
@@ -708,7 +717,7 @@
 </file>
 
 <file path=ppt/notesSlides/notesSlide1.xml><?xml version="1.0" encoding="utf-8"?>
-<p:notes xmlns:a="http://schemas.openxmlformats.org/drawingml/2006/main" xmlns:r="http://schemas.openxmlformats.org/officeDocument/2006/relationships" xmlns:mc="http://schemas.openxmlformats.org/markup-compatibility/2006" xmlns:mv="urn:schemas-microsoft-com:mac:vml" xmlns:p="http://schemas.openxmlformats.org/presentationml/2006/main" xmlns:c="http://schemas.openxmlformats.org/drawingml/2006/chart" xmlns:dgm="http://schemas.openxmlformats.org/drawingml/2006/diagram" xmlns:o="urn:schemas-microsoft-com:office:office" xmlns:v="urn:schemas-microsoft-com:vml" xmlns:pvml="urn:schemas-microsoft-com:office:powerpoint" xmlns:com="http://schemas.openxmlformats.org/drawingml/2006/compatibility" xmlns:p14="http://schemas.microsoft.com/office/powerpoint/2010/main" xmlns:p15="http://schemas.microsoft.com/office/powerpoint/2012/main" showMasterPhAnim="0" showMasterSp="0">
+<p:notes xmlns:a="http://schemas.openxmlformats.org/drawingml/2006/main" xmlns:r="http://schemas.openxmlformats.org/officeDocument/2006/relationships" xmlns:mc="http://schemas.openxmlformats.org/markup-compatibility/2006" xmlns:mv="urn:schemas-microsoft-com:mac:vml" xmlns:p="http://schemas.openxmlformats.org/presentationml/2006/main" xmlns:c="http://schemas.openxmlformats.org/drawingml/2006/chart" xmlns:dgm="http://schemas.openxmlformats.org/drawingml/2006/diagram" xmlns:o="urn:schemas-microsoft-com:office:office" xmlns:v="urn:schemas-microsoft-com:vml" xmlns:pvml="urn:schemas-microsoft-com:office:powerpoint" xmlns:com="http://schemas.openxmlformats.org/drawingml/2006/compatibility" xmlns:p14="http://schemas.microsoft.com/office/powerpoint/2010/main" xmlns:p15="http://schemas.microsoft.com/office/powerpoint/2012/main" xmlns:ahyp="http://schemas.microsoft.com/office/drawing/2018/hyperlinkcolor" showMasterPhAnim="0" showMasterSp="0">
   <p:cSld>
     <p:spTree>
       <p:nvGrpSpPr>
@@ -807,11 +816,11 @@
 </file>
 
 <file path=ppt/notesSlides/notesSlide10.xml><?xml version="1.0" encoding="utf-8"?>
-<p:notes xmlns:a="http://schemas.openxmlformats.org/drawingml/2006/main" xmlns:r="http://schemas.openxmlformats.org/officeDocument/2006/relationships" xmlns:mc="http://schemas.openxmlformats.org/markup-compatibility/2006" xmlns:mv="urn:schemas-microsoft-com:mac:vml" xmlns:p="http://schemas.openxmlformats.org/presentationml/2006/main" xmlns:c="http://schemas.openxmlformats.org/drawingml/2006/chart" xmlns:dgm="http://schemas.openxmlformats.org/drawingml/2006/diagram" xmlns:o="urn:schemas-microsoft-com:office:office" xmlns:v="urn:schemas-microsoft-com:vml" xmlns:pvml="urn:schemas-microsoft-com:office:powerpoint" xmlns:com="http://schemas.openxmlformats.org/drawingml/2006/compatibility" xmlns:p14="http://schemas.microsoft.com/office/powerpoint/2010/main" xmlns:p15="http://schemas.microsoft.com/office/powerpoint/2012/main" showMasterPhAnim="0" showMasterSp="0">
+<p:notes xmlns:a="http://schemas.openxmlformats.org/drawingml/2006/main" xmlns:r="http://schemas.openxmlformats.org/officeDocument/2006/relationships" xmlns:mc="http://schemas.openxmlformats.org/markup-compatibility/2006" xmlns:mv="urn:schemas-microsoft-com:mac:vml" xmlns:p="http://schemas.openxmlformats.org/presentationml/2006/main" xmlns:c="http://schemas.openxmlformats.org/drawingml/2006/chart" xmlns:dgm="http://schemas.openxmlformats.org/drawingml/2006/diagram" xmlns:o="urn:schemas-microsoft-com:office:office" xmlns:v="urn:schemas-microsoft-com:vml" xmlns:pvml="urn:schemas-microsoft-com:office:powerpoint" xmlns:com="http://schemas.openxmlformats.org/drawingml/2006/compatibility" xmlns:p14="http://schemas.microsoft.com/office/powerpoint/2010/main" xmlns:p15="http://schemas.microsoft.com/office/powerpoint/2012/main" xmlns:ahyp="http://schemas.microsoft.com/office/drawing/2018/hyperlinkcolor" showMasterPhAnim="0" showMasterSp="0">
   <p:cSld>
     <p:spTree>
       <p:nvGrpSpPr>
-        <p:cNvPr id="117" name="Shape 117"/>
+        <p:cNvPr id="127" name="Shape 127"/>
         <p:cNvGrpSpPr/>
         <p:nvPr/>
       </p:nvGrpSpPr>
@@ -825,7 +834,7 @@
       </p:grpSpPr>
       <p:sp>
         <p:nvSpPr>
-          <p:cNvPr id="118" name="Google Shape;118;g7f51a219db_0_11:notes"/>
+          <p:cNvPr id="128" name="Google Shape;128;g52d9e6541b_5_32:notes"/>
           <p:cNvSpPr/>
           <p:nvPr>
             <p:ph idx="2" type="sldImg"/>
@@ -860,7 +869,7 @@
       </p:sp>
       <p:sp>
         <p:nvSpPr>
-          <p:cNvPr id="119" name="Google Shape;119;g7f51a219db_0_11:notes"/>
+          <p:cNvPr id="129" name="Google Shape;129;g52d9e6541b_5_32:notes"/>
           <p:cNvSpPr txBox="1"/>
           <p:nvPr>
             <p:ph idx="1" type="body"/>
@@ -906,11 +915,11 @@
 </file>
 
 <file path=ppt/notesSlides/notesSlide11.xml><?xml version="1.0" encoding="utf-8"?>
-<p:notes xmlns:a="http://schemas.openxmlformats.org/drawingml/2006/main" xmlns:r="http://schemas.openxmlformats.org/officeDocument/2006/relationships" xmlns:mc="http://schemas.openxmlformats.org/markup-compatibility/2006" xmlns:mv="urn:schemas-microsoft-com:mac:vml" xmlns:p="http://schemas.openxmlformats.org/presentationml/2006/main" xmlns:c="http://schemas.openxmlformats.org/drawingml/2006/chart" xmlns:dgm="http://schemas.openxmlformats.org/drawingml/2006/diagram" xmlns:o="urn:schemas-microsoft-com:office:office" xmlns:v="urn:schemas-microsoft-com:vml" xmlns:pvml="urn:schemas-microsoft-com:office:powerpoint" xmlns:com="http://schemas.openxmlformats.org/drawingml/2006/compatibility" xmlns:p14="http://schemas.microsoft.com/office/powerpoint/2010/main" xmlns:p15="http://schemas.microsoft.com/office/powerpoint/2012/main" showMasterPhAnim="0" showMasterSp="0">
+<p:notes xmlns:a="http://schemas.openxmlformats.org/drawingml/2006/main" xmlns:r="http://schemas.openxmlformats.org/officeDocument/2006/relationships" xmlns:mc="http://schemas.openxmlformats.org/markup-compatibility/2006" xmlns:mv="urn:schemas-microsoft-com:mac:vml" xmlns:p="http://schemas.openxmlformats.org/presentationml/2006/main" xmlns:c="http://schemas.openxmlformats.org/drawingml/2006/chart" xmlns:dgm="http://schemas.openxmlformats.org/drawingml/2006/diagram" xmlns:o="urn:schemas-microsoft-com:office:office" xmlns:v="urn:schemas-microsoft-com:vml" xmlns:pvml="urn:schemas-microsoft-com:office:powerpoint" xmlns:com="http://schemas.openxmlformats.org/drawingml/2006/compatibility" xmlns:p14="http://schemas.microsoft.com/office/powerpoint/2010/main" xmlns:p15="http://schemas.microsoft.com/office/powerpoint/2012/main" xmlns:ahyp="http://schemas.microsoft.com/office/drawing/2018/hyperlinkcolor" showMasterPhAnim="0" showMasterSp="0">
   <p:cSld>
     <p:spTree>
       <p:nvGrpSpPr>
-        <p:cNvPr id="124" name="Shape 124"/>
+        <p:cNvPr id="133" name="Shape 133"/>
         <p:cNvGrpSpPr/>
         <p:nvPr/>
       </p:nvGrpSpPr>
@@ -924,7 +933,7 @@
       </p:grpSpPr>
       <p:sp>
         <p:nvSpPr>
-          <p:cNvPr id="125" name="Google Shape;125;g7f51a219db_1_2:notes"/>
+          <p:cNvPr id="134" name="Google Shape;134;g52d9e6541b_5_9:notes"/>
           <p:cNvSpPr/>
           <p:nvPr>
             <p:ph idx="2" type="sldImg"/>
@@ -959,7 +968,7 @@
       </p:sp>
       <p:sp>
         <p:nvSpPr>
-          <p:cNvPr id="126" name="Google Shape;126;g7f51a219db_1_2:notes"/>
+          <p:cNvPr id="135" name="Google Shape;135;g52d9e6541b_5_9:notes"/>
           <p:cNvSpPr txBox="1"/>
           <p:nvPr>
             <p:ph idx="1" type="body"/>
@@ -1005,11 +1014,11 @@
 </file>
 
 <file path=ppt/notesSlides/notesSlide12.xml><?xml version="1.0" encoding="utf-8"?>
-<p:notes xmlns:a="http://schemas.openxmlformats.org/drawingml/2006/main" xmlns:r="http://schemas.openxmlformats.org/officeDocument/2006/relationships" xmlns:mc="http://schemas.openxmlformats.org/markup-compatibility/2006" xmlns:mv="urn:schemas-microsoft-com:mac:vml" xmlns:p="http://schemas.openxmlformats.org/presentationml/2006/main" xmlns:c="http://schemas.openxmlformats.org/drawingml/2006/chart" xmlns:dgm="http://schemas.openxmlformats.org/drawingml/2006/diagram" xmlns:o="urn:schemas-microsoft-com:office:office" xmlns:v="urn:schemas-microsoft-com:vml" xmlns:pvml="urn:schemas-microsoft-com:office:powerpoint" xmlns:com="http://schemas.openxmlformats.org/drawingml/2006/compatibility" xmlns:p14="http://schemas.microsoft.com/office/powerpoint/2010/main" xmlns:p15="http://schemas.microsoft.com/office/powerpoint/2012/main" showMasterPhAnim="0" showMasterSp="0">
+<p:notes xmlns:a="http://schemas.openxmlformats.org/drawingml/2006/main" xmlns:r="http://schemas.openxmlformats.org/officeDocument/2006/relationships" xmlns:mc="http://schemas.openxmlformats.org/markup-compatibility/2006" xmlns:mv="urn:schemas-microsoft-com:mac:vml" xmlns:p="http://schemas.openxmlformats.org/presentationml/2006/main" xmlns:c="http://schemas.openxmlformats.org/drawingml/2006/chart" xmlns:dgm="http://schemas.openxmlformats.org/drawingml/2006/diagram" xmlns:o="urn:schemas-microsoft-com:office:office" xmlns:v="urn:schemas-microsoft-com:vml" xmlns:pvml="urn:schemas-microsoft-com:office:powerpoint" xmlns:com="http://schemas.openxmlformats.org/drawingml/2006/compatibility" xmlns:p14="http://schemas.microsoft.com/office/powerpoint/2010/main" xmlns:p15="http://schemas.microsoft.com/office/powerpoint/2012/main" xmlns:ahyp="http://schemas.microsoft.com/office/drawing/2018/hyperlinkcolor" showMasterPhAnim="0" showMasterSp="0">
   <p:cSld>
     <p:spTree>
       <p:nvGrpSpPr>
-        <p:cNvPr id="131" name="Shape 131"/>
+        <p:cNvPr id="142" name="Shape 142"/>
         <p:cNvGrpSpPr/>
         <p:nvPr/>
       </p:nvGrpSpPr>
@@ -1023,7 +1032,7 @@
       </p:grpSpPr>
       <p:sp>
         <p:nvSpPr>
-          <p:cNvPr id="132" name="Google Shape;132;g7f51a219db_1_10:notes"/>
+          <p:cNvPr id="143" name="Google Shape;143;g52d9e6541b_5_19:notes"/>
           <p:cNvSpPr/>
           <p:nvPr>
             <p:ph idx="2" type="sldImg"/>
@@ -1058,7 +1067,7 @@
       </p:sp>
       <p:sp>
         <p:nvSpPr>
-          <p:cNvPr id="133" name="Google Shape;133;g7f51a219db_1_10:notes"/>
+          <p:cNvPr id="144" name="Google Shape;144;g52d9e6541b_5_19:notes"/>
           <p:cNvSpPr txBox="1"/>
           <p:nvPr>
             <p:ph idx="1" type="body"/>
@@ -1104,11 +1113,11 @@
 </file>
 
 <file path=ppt/notesSlides/notesSlide13.xml><?xml version="1.0" encoding="utf-8"?>
-<p:notes xmlns:a="http://schemas.openxmlformats.org/drawingml/2006/main" xmlns:r="http://schemas.openxmlformats.org/officeDocument/2006/relationships" xmlns:mc="http://schemas.openxmlformats.org/markup-compatibility/2006" xmlns:mv="urn:schemas-microsoft-com:mac:vml" xmlns:p="http://schemas.openxmlformats.org/presentationml/2006/main" xmlns:c="http://schemas.openxmlformats.org/drawingml/2006/chart" xmlns:dgm="http://schemas.openxmlformats.org/drawingml/2006/diagram" xmlns:o="urn:schemas-microsoft-com:office:office" xmlns:v="urn:schemas-microsoft-com:vml" xmlns:pvml="urn:schemas-microsoft-com:office:powerpoint" xmlns:com="http://schemas.openxmlformats.org/drawingml/2006/compatibility" xmlns:p14="http://schemas.microsoft.com/office/powerpoint/2010/main" xmlns:p15="http://schemas.microsoft.com/office/powerpoint/2012/main" showMasterPhAnim="0" showMasterSp="0">
+<p:notes xmlns:a="http://schemas.openxmlformats.org/drawingml/2006/main" xmlns:r="http://schemas.openxmlformats.org/officeDocument/2006/relationships" xmlns:mc="http://schemas.openxmlformats.org/markup-compatibility/2006" xmlns:mv="urn:schemas-microsoft-com:mac:vml" xmlns:p="http://schemas.openxmlformats.org/presentationml/2006/main" xmlns:c="http://schemas.openxmlformats.org/drawingml/2006/chart" xmlns:dgm="http://schemas.openxmlformats.org/drawingml/2006/diagram" xmlns:o="urn:schemas-microsoft-com:office:office" xmlns:v="urn:schemas-microsoft-com:vml" xmlns:pvml="urn:schemas-microsoft-com:office:powerpoint" xmlns:com="http://schemas.openxmlformats.org/drawingml/2006/compatibility" xmlns:p14="http://schemas.microsoft.com/office/powerpoint/2010/main" xmlns:p15="http://schemas.microsoft.com/office/powerpoint/2012/main" xmlns:ahyp="http://schemas.microsoft.com/office/drawing/2018/hyperlinkcolor" showMasterPhAnim="0" showMasterSp="0">
   <p:cSld>
     <p:spTree>
       <p:nvGrpSpPr>
-        <p:cNvPr id="137" name="Shape 137"/>
+        <p:cNvPr id="151" name="Shape 151"/>
         <p:cNvGrpSpPr/>
         <p:nvPr/>
       </p:nvGrpSpPr>
@@ -1122,7 +1131,7 @@
       </p:grpSpPr>
       <p:sp>
         <p:nvSpPr>
-          <p:cNvPr id="138" name="Google Shape;138;g7f51a219db_1_16:notes"/>
+          <p:cNvPr id="152" name="Google Shape;152;g52d9e6541b_5_36:notes"/>
           <p:cNvSpPr/>
           <p:nvPr>
             <p:ph idx="2" type="sldImg"/>
@@ -1157,7 +1166,7 @@
       </p:sp>
       <p:sp>
         <p:nvSpPr>
-          <p:cNvPr id="139" name="Google Shape;139;g7f51a219db_1_16:notes"/>
+          <p:cNvPr id="153" name="Google Shape;153;g52d9e6541b_5_36:notes"/>
           <p:cNvSpPr txBox="1"/>
           <p:nvPr>
             <p:ph idx="1" type="body"/>
@@ -1202,12 +1211,12 @@
 </p:notes>
 </file>
 
-<file path=ppt/notesSlides/notesSlide2.xml><?xml version="1.0" encoding="utf-8"?>
-<p:notes xmlns:a="http://schemas.openxmlformats.org/drawingml/2006/main" xmlns:r="http://schemas.openxmlformats.org/officeDocument/2006/relationships" xmlns:mc="http://schemas.openxmlformats.org/markup-compatibility/2006" xmlns:mv="urn:schemas-microsoft-com:mac:vml" xmlns:p="http://schemas.openxmlformats.org/presentationml/2006/main" xmlns:c="http://schemas.openxmlformats.org/drawingml/2006/chart" xmlns:dgm="http://schemas.openxmlformats.org/drawingml/2006/diagram" xmlns:o="urn:schemas-microsoft-com:office:office" xmlns:v="urn:schemas-microsoft-com:vml" xmlns:pvml="urn:schemas-microsoft-com:office:powerpoint" xmlns:com="http://schemas.openxmlformats.org/drawingml/2006/compatibility" xmlns:p14="http://schemas.microsoft.com/office/powerpoint/2010/main" xmlns:p15="http://schemas.microsoft.com/office/powerpoint/2012/main" showMasterPhAnim="0" showMasterSp="0">
+<file path=ppt/notesSlides/notesSlide14.xml><?xml version="1.0" encoding="utf-8"?>
+<p:notes xmlns:a="http://schemas.openxmlformats.org/drawingml/2006/main" xmlns:r="http://schemas.openxmlformats.org/officeDocument/2006/relationships" xmlns:mc="http://schemas.openxmlformats.org/markup-compatibility/2006" xmlns:mv="urn:schemas-microsoft-com:mac:vml" xmlns:p="http://schemas.openxmlformats.org/presentationml/2006/main" xmlns:c="http://schemas.openxmlformats.org/drawingml/2006/chart" xmlns:dgm="http://schemas.openxmlformats.org/drawingml/2006/diagram" xmlns:o="urn:schemas-microsoft-com:office:office" xmlns:v="urn:schemas-microsoft-com:vml" xmlns:pvml="urn:schemas-microsoft-com:office:powerpoint" xmlns:com="http://schemas.openxmlformats.org/drawingml/2006/compatibility" xmlns:p14="http://schemas.microsoft.com/office/powerpoint/2010/main" xmlns:p15="http://schemas.microsoft.com/office/powerpoint/2012/main" xmlns:ahyp="http://schemas.microsoft.com/office/drawing/2018/hyperlinkcolor" showMasterPhAnim="0" showMasterSp="0">
   <p:cSld>
     <p:spTree>
       <p:nvGrpSpPr>
-        <p:cNvPr id="70" name="Shape 70"/>
+        <p:cNvPr id="157" name="Shape 157"/>
         <p:cNvGrpSpPr/>
         <p:nvPr/>
       </p:nvGrpSpPr>
@@ -1221,7 +1230,7 @@
       </p:grpSpPr>
       <p:sp>
         <p:nvSpPr>
-          <p:cNvPr id="71" name="Google Shape;71;g7f4fed24fb_0_891:notes"/>
+          <p:cNvPr id="158" name="Google Shape;158;g7f4fed24fb_0_915:notes"/>
           <p:cNvSpPr/>
           <p:nvPr>
             <p:ph idx="2" type="sldImg"/>
@@ -1256,7 +1265,7 @@
       </p:sp>
       <p:sp>
         <p:nvSpPr>
-          <p:cNvPr id="72" name="Google Shape;72;g7f4fed24fb_0_891:notes"/>
+          <p:cNvPr id="159" name="Google Shape;159;g7f4fed24fb_0_915:notes"/>
           <p:cNvSpPr txBox="1"/>
           <p:nvPr>
             <p:ph idx="1" type="body"/>
@@ -1301,12 +1310,12 @@
 </p:notes>
 </file>
 
-<file path=ppt/notesSlides/notesSlide3.xml><?xml version="1.0" encoding="utf-8"?>
-<p:notes xmlns:a="http://schemas.openxmlformats.org/drawingml/2006/main" xmlns:r="http://schemas.openxmlformats.org/officeDocument/2006/relationships" xmlns:mc="http://schemas.openxmlformats.org/markup-compatibility/2006" xmlns:mv="urn:schemas-microsoft-com:mac:vml" xmlns:p="http://schemas.openxmlformats.org/presentationml/2006/main" xmlns:c="http://schemas.openxmlformats.org/drawingml/2006/chart" xmlns:dgm="http://schemas.openxmlformats.org/drawingml/2006/diagram" xmlns:o="urn:schemas-microsoft-com:office:office" xmlns:v="urn:schemas-microsoft-com:vml" xmlns:pvml="urn:schemas-microsoft-com:office:powerpoint" xmlns:com="http://schemas.openxmlformats.org/drawingml/2006/compatibility" xmlns:p14="http://schemas.microsoft.com/office/powerpoint/2010/main" xmlns:p15="http://schemas.microsoft.com/office/powerpoint/2012/main" showMasterPhAnim="0" showMasterSp="0">
+<file path=ppt/notesSlides/notesSlide15.xml><?xml version="1.0" encoding="utf-8"?>
+<p:notes xmlns:a="http://schemas.openxmlformats.org/drawingml/2006/main" xmlns:r="http://schemas.openxmlformats.org/officeDocument/2006/relationships" xmlns:mc="http://schemas.openxmlformats.org/markup-compatibility/2006" xmlns:mv="urn:schemas-microsoft-com:mac:vml" xmlns:p="http://schemas.openxmlformats.org/presentationml/2006/main" xmlns:c="http://schemas.openxmlformats.org/drawingml/2006/chart" xmlns:dgm="http://schemas.openxmlformats.org/drawingml/2006/diagram" xmlns:o="urn:schemas-microsoft-com:office:office" xmlns:v="urn:schemas-microsoft-com:vml" xmlns:pvml="urn:schemas-microsoft-com:office:powerpoint" xmlns:com="http://schemas.openxmlformats.org/drawingml/2006/compatibility" xmlns:p14="http://schemas.microsoft.com/office/powerpoint/2010/main" xmlns:p15="http://schemas.microsoft.com/office/powerpoint/2012/main" xmlns:ahyp="http://schemas.microsoft.com/office/drawing/2018/hyperlinkcolor" showMasterPhAnim="0" showMasterSp="0">
   <p:cSld>
     <p:spTree>
       <p:nvGrpSpPr>
-        <p:cNvPr id="77" name="Shape 77"/>
+        <p:cNvPr id="164" name="Shape 164"/>
         <p:cNvGrpSpPr/>
         <p:nvPr/>
       </p:nvGrpSpPr>
@@ -1320,7 +1329,7 @@
       </p:grpSpPr>
       <p:sp>
         <p:nvSpPr>
-          <p:cNvPr id="78" name="Google Shape;78;g7f4fed24fb_0_896:notes"/>
+          <p:cNvPr id="165" name="Google Shape;165;g7f4fed24fb_0_924:notes"/>
           <p:cNvSpPr/>
           <p:nvPr>
             <p:ph idx="2" type="sldImg"/>
@@ -1355,7 +1364,7 @@
       </p:sp>
       <p:sp>
         <p:nvSpPr>
-          <p:cNvPr id="79" name="Google Shape;79;g7f4fed24fb_0_896:notes"/>
+          <p:cNvPr id="166" name="Google Shape;166;g7f4fed24fb_0_924:notes"/>
           <p:cNvSpPr txBox="1"/>
           <p:nvPr>
             <p:ph idx="1" type="body"/>
@@ -1400,12 +1409,12 @@
 </p:notes>
 </file>
 
-<file path=ppt/notesSlides/notesSlide4.xml><?xml version="1.0" encoding="utf-8"?>
-<p:notes xmlns:a="http://schemas.openxmlformats.org/drawingml/2006/main" xmlns:r="http://schemas.openxmlformats.org/officeDocument/2006/relationships" xmlns:mc="http://schemas.openxmlformats.org/markup-compatibility/2006" xmlns:mv="urn:schemas-microsoft-com:mac:vml" xmlns:p="http://schemas.openxmlformats.org/presentationml/2006/main" xmlns:c="http://schemas.openxmlformats.org/drawingml/2006/chart" xmlns:dgm="http://schemas.openxmlformats.org/drawingml/2006/diagram" xmlns:o="urn:schemas-microsoft-com:office:office" xmlns:v="urn:schemas-microsoft-com:vml" xmlns:pvml="urn:schemas-microsoft-com:office:powerpoint" xmlns:com="http://schemas.openxmlformats.org/drawingml/2006/compatibility" xmlns:p14="http://schemas.microsoft.com/office/powerpoint/2010/main" xmlns:p15="http://schemas.microsoft.com/office/powerpoint/2012/main" showMasterPhAnim="0" showMasterSp="0">
+<file path=ppt/notesSlides/notesSlide16.xml><?xml version="1.0" encoding="utf-8"?>
+<p:notes xmlns:a="http://schemas.openxmlformats.org/drawingml/2006/main" xmlns:r="http://schemas.openxmlformats.org/officeDocument/2006/relationships" xmlns:mc="http://schemas.openxmlformats.org/markup-compatibility/2006" xmlns:mv="urn:schemas-microsoft-com:mac:vml" xmlns:p="http://schemas.openxmlformats.org/presentationml/2006/main" xmlns:c="http://schemas.openxmlformats.org/drawingml/2006/chart" xmlns:dgm="http://schemas.openxmlformats.org/drawingml/2006/diagram" xmlns:o="urn:schemas-microsoft-com:office:office" xmlns:v="urn:schemas-microsoft-com:vml" xmlns:pvml="urn:schemas-microsoft-com:office:powerpoint" xmlns:com="http://schemas.openxmlformats.org/drawingml/2006/compatibility" xmlns:p14="http://schemas.microsoft.com/office/powerpoint/2010/main" xmlns:p15="http://schemas.microsoft.com/office/powerpoint/2012/main" xmlns:ahyp="http://schemas.microsoft.com/office/drawing/2018/hyperlinkcolor" showMasterPhAnim="0" showMasterSp="0">
   <p:cSld>
     <p:spTree>
       <p:nvGrpSpPr>
-        <p:cNvPr id="83" name="Shape 83"/>
+        <p:cNvPr id="170" name="Shape 170"/>
         <p:cNvGrpSpPr/>
         <p:nvPr/>
       </p:nvGrpSpPr>
@@ -1419,7 +1428,7 @@
       </p:grpSpPr>
       <p:sp>
         <p:nvSpPr>
-          <p:cNvPr id="84" name="Google Shape;84;g7f4fed24fb_0_901:notes"/>
+          <p:cNvPr id="171" name="Google Shape;171;g7f51a219db_0_0:notes"/>
           <p:cNvSpPr/>
           <p:nvPr>
             <p:ph idx="2" type="sldImg"/>
@@ -1454,7 +1463,7 @@
       </p:sp>
       <p:sp>
         <p:nvSpPr>
-          <p:cNvPr id="85" name="Google Shape;85;g7f4fed24fb_0_901:notes"/>
+          <p:cNvPr id="172" name="Google Shape;172;g7f51a219db_0_0:notes"/>
           <p:cNvSpPr txBox="1"/>
           <p:nvPr>
             <p:ph idx="1" type="body"/>
@@ -1499,12 +1508,12 @@
 </p:notes>
 </file>
 
-<file path=ppt/notesSlides/notesSlide5.xml><?xml version="1.0" encoding="utf-8"?>
-<p:notes xmlns:a="http://schemas.openxmlformats.org/drawingml/2006/main" xmlns:r="http://schemas.openxmlformats.org/officeDocument/2006/relationships" xmlns:mc="http://schemas.openxmlformats.org/markup-compatibility/2006" xmlns:mv="urn:schemas-microsoft-com:mac:vml" xmlns:p="http://schemas.openxmlformats.org/presentationml/2006/main" xmlns:c="http://schemas.openxmlformats.org/drawingml/2006/chart" xmlns:dgm="http://schemas.openxmlformats.org/drawingml/2006/diagram" xmlns:o="urn:schemas-microsoft-com:office:office" xmlns:v="urn:schemas-microsoft-com:vml" xmlns:pvml="urn:schemas-microsoft-com:office:powerpoint" xmlns:com="http://schemas.openxmlformats.org/drawingml/2006/compatibility" xmlns:p14="http://schemas.microsoft.com/office/powerpoint/2010/main" xmlns:p15="http://schemas.microsoft.com/office/powerpoint/2012/main" showMasterPhAnim="0" showMasterSp="0">
+<file path=ppt/notesSlides/notesSlide17.xml><?xml version="1.0" encoding="utf-8"?>
+<p:notes xmlns:a="http://schemas.openxmlformats.org/drawingml/2006/main" xmlns:r="http://schemas.openxmlformats.org/officeDocument/2006/relationships" xmlns:mc="http://schemas.openxmlformats.org/markup-compatibility/2006" xmlns:mv="urn:schemas-microsoft-com:mac:vml" xmlns:p="http://schemas.openxmlformats.org/presentationml/2006/main" xmlns:c="http://schemas.openxmlformats.org/drawingml/2006/chart" xmlns:dgm="http://schemas.openxmlformats.org/drawingml/2006/diagram" xmlns:o="urn:schemas-microsoft-com:office:office" xmlns:v="urn:schemas-microsoft-com:vml" xmlns:pvml="urn:schemas-microsoft-com:office:powerpoint" xmlns:com="http://schemas.openxmlformats.org/drawingml/2006/compatibility" xmlns:p14="http://schemas.microsoft.com/office/powerpoint/2010/main" xmlns:p15="http://schemas.microsoft.com/office/powerpoint/2012/main" xmlns:ahyp="http://schemas.microsoft.com/office/drawing/2018/hyperlinkcolor" showMasterPhAnim="0" showMasterSp="0">
   <p:cSld>
     <p:spTree>
       <p:nvGrpSpPr>
-        <p:cNvPr id="89" name="Shape 89"/>
+        <p:cNvPr id="178" name="Shape 178"/>
         <p:cNvGrpSpPr/>
         <p:nvPr/>
       </p:nvGrpSpPr>
@@ -1518,7 +1527,7 @@
       </p:grpSpPr>
       <p:sp>
         <p:nvSpPr>
-          <p:cNvPr id="90" name="Google Shape;90;g7f4fed24fb_0_907:notes"/>
+          <p:cNvPr id="179" name="Google Shape;179;g7f51a219db_0_6:notes"/>
           <p:cNvSpPr/>
           <p:nvPr>
             <p:ph idx="2" type="sldImg"/>
@@ -1553,7 +1562,7 @@
       </p:sp>
       <p:sp>
         <p:nvSpPr>
-          <p:cNvPr id="91" name="Google Shape;91;g7f4fed24fb_0_907:notes"/>
+          <p:cNvPr id="180" name="Google Shape;180;g7f51a219db_0_6:notes"/>
           <p:cNvSpPr txBox="1"/>
           <p:nvPr>
             <p:ph idx="1" type="body"/>
@@ -1598,12 +1607,12 @@
 </p:notes>
 </file>
 
-<file path=ppt/notesSlides/notesSlide6.xml><?xml version="1.0" encoding="utf-8"?>
-<p:notes xmlns:a="http://schemas.openxmlformats.org/drawingml/2006/main" xmlns:r="http://schemas.openxmlformats.org/officeDocument/2006/relationships" xmlns:mc="http://schemas.openxmlformats.org/markup-compatibility/2006" xmlns:mv="urn:schemas-microsoft-com:mac:vml" xmlns:p="http://schemas.openxmlformats.org/presentationml/2006/main" xmlns:c="http://schemas.openxmlformats.org/drawingml/2006/chart" xmlns:dgm="http://schemas.openxmlformats.org/drawingml/2006/diagram" xmlns:o="urn:schemas-microsoft-com:office:office" xmlns:v="urn:schemas-microsoft-com:vml" xmlns:pvml="urn:schemas-microsoft-com:office:powerpoint" xmlns:com="http://schemas.openxmlformats.org/drawingml/2006/compatibility" xmlns:p14="http://schemas.microsoft.com/office/powerpoint/2010/main" xmlns:p15="http://schemas.microsoft.com/office/powerpoint/2012/main" showMasterPhAnim="0" showMasterSp="0">
+<file path=ppt/notesSlides/notesSlide18.xml><?xml version="1.0" encoding="utf-8"?>
+<p:notes xmlns:a="http://schemas.openxmlformats.org/drawingml/2006/main" xmlns:r="http://schemas.openxmlformats.org/officeDocument/2006/relationships" xmlns:mc="http://schemas.openxmlformats.org/markup-compatibility/2006" xmlns:mv="urn:schemas-microsoft-com:mac:vml" xmlns:p="http://schemas.openxmlformats.org/presentationml/2006/main" xmlns:c="http://schemas.openxmlformats.org/drawingml/2006/chart" xmlns:dgm="http://schemas.openxmlformats.org/drawingml/2006/diagram" xmlns:o="urn:schemas-microsoft-com:office:office" xmlns:v="urn:schemas-microsoft-com:vml" xmlns:pvml="urn:schemas-microsoft-com:office:powerpoint" xmlns:com="http://schemas.openxmlformats.org/drawingml/2006/compatibility" xmlns:p14="http://schemas.microsoft.com/office/powerpoint/2010/main" xmlns:p15="http://schemas.microsoft.com/office/powerpoint/2012/main" xmlns:ahyp="http://schemas.microsoft.com/office/drawing/2018/hyperlinkcolor" showMasterPhAnim="0" showMasterSp="0">
   <p:cSld>
     <p:spTree>
       <p:nvGrpSpPr>
-        <p:cNvPr id="95" name="Shape 95"/>
+        <p:cNvPr id="185" name="Shape 185"/>
         <p:cNvGrpSpPr/>
         <p:nvPr/>
       </p:nvGrpSpPr>
@@ -1617,7 +1626,7 @@
       </p:grpSpPr>
       <p:sp>
         <p:nvSpPr>
-          <p:cNvPr id="96" name="Google Shape;96;g7f4fed24fb_0_915:notes"/>
+          <p:cNvPr id="186" name="Google Shape;186;g7f51a219db_0_11:notes"/>
           <p:cNvSpPr/>
           <p:nvPr>
             <p:ph idx="2" type="sldImg"/>
@@ -1652,7 +1661,7 @@
       </p:sp>
       <p:sp>
         <p:nvSpPr>
-          <p:cNvPr id="97" name="Google Shape;97;g7f4fed24fb_0_915:notes"/>
+          <p:cNvPr id="187" name="Google Shape;187;g7f51a219db_0_11:notes"/>
           <p:cNvSpPr txBox="1"/>
           <p:nvPr>
             <p:ph idx="1" type="body"/>
@@ -1697,12 +1706,12 @@
 </p:notes>
 </file>
 
-<file path=ppt/notesSlides/notesSlide7.xml><?xml version="1.0" encoding="utf-8"?>
-<p:notes xmlns:a="http://schemas.openxmlformats.org/drawingml/2006/main" xmlns:r="http://schemas.openxmlformats.org/officeDocument/2006/relationships" xmlns:mc="http://schemas.openxmlformats.org/markup-compatibility/2006" xmlns:mv="urn:schemas-microsoft-com:mac:vml" xmlns:p="http://schemas.openxmlformats.org/presentationml/2006/main" xmlns:c="http://schemas.openxmlformats.org/drawingml/2006/chart" xmlns:dgm="http://schemas.openxmlformats.org/drawingml/2006/diagram" xmlns:o="urn:schemas-microsoft-com:office:office" xmlns:v="urn:schemas-microsoft-com:vml" xmlns:pvml="urn:schemas-microsoft-com:office:powerpoint" xmlns:com="http://schemas.openxmlformats.org/drawingml/2006/compatibility" xmlns:p14="http://schemas.microsoft.com/office/powerpoint/2010/main" xmlns:p15="http://schemas.microsoft.com/office/powerpoint/2012/main" showMasterPhAnim="0" showMasterSp="0">
+<file path=ppt/notesSlides/notesSlide19.xml><?xml version="1.0" encoding="utf-8"?>
+<p:notes xmlns:a="http://schemas.openxmlformats.org/drawingml/2006/main" xmlns:r="http://schemas.openxmlformats.org/officeDocument/2006/relationships" xmlns:mc="http://schemas.openxmlformats.org/markup-compatibility/2006" xmlns:mv="urn:schemas-microsoft-com:mac:vml" xmlns:p="http://schemas.openxmlformats.org/presentationml/2006/main" xmlns:c="http://schemas.openxmlformats.org/drawingml/2006/chart" xmlns:dgm="http://schemas.openxmlformats.org/drawingml/2006/diagram" xmlns:o="urn:schemas-microsoft-com:office:office" xmlns:v="urn:schemas-microsoft-com:vml" xmlns:pvml="urn:schemas-microsoft-com:office:powerpoint" xmlns:com="http://schemas.openxmlformats.org/drawingml/2006/compatibility" xmlns:p14="http://schemas.microsoft.com/office/powerpoint/2010/main" xmlns:p15="http://schemas.microsoft.com/office/powerpoint/2012/main" xmlns:ahyp="http://schemas.microsoft.com/office/drawing/2018/hyperlinkcolor" showMasterPhAnim="0" showMasterSp="0">
   <p:cSld>
     <p:spTree>
       <p:nvGrpSpPr>
-        <p:cNvPr id="101" name="Shape 101"/>
+        <p:cNvPr id="193" name="Shape 193"/>
         <p:cNvGrpSpPr/>
         <p:nvPr/>
       </p:nvGrpSpPr>
@@ -1716,7 +1725,7 @@
       </p:grpSpPr>
       <p:sp>
         <p:nvSpPr>
-          <p:cNvPr id="102" name="Google Shape;102;g7f4fed24fb_0_924:notes"/>
+          <p:cNvPr id="194" name="Google Shape;194;g7f51a219db_1_2:notes"/>
           <p:cNvSpPr/>
           <p:nvPr>
             <p:ph idx="2" type="sldImg"/>
@@ -1751,7 +1760,7 @@
       </p:sp>
       <p:sp>
         <p:nvSpPr>
-          <p:cNvPr id="103" name="Google Shape;103;g7f4fed24fb_0_924:notes"/>
+          <p:cNvPr id="195" name="Google Shape;195;g7f51a219db_1_2:notes"/>
           <p:cNvSpPr txBox="1"/>
           <p:nvPr>
             <p:ph idx="1" type="body"/>
@@ -1796,12 +1805,12 @@
 </p:notes>
 </file>
 
-<file path=ppt/notesSlides/notesSlide8.xml><?xml version="1.0" encoding="utf-8"?>
-<p:notes xmlns:a="http://schemas.openxmlformats.org/drawingml/2006/main" xmlns:r="http://schemas.openxmlformats.org/officeDocument/2006/relationships" xmlns:mc="http://schemas.openxmlformats.org/markup-compatibility/2006" xmlns:mv="urn:schemas-microsoft-com:mac:vml" xmlns:p="http://schemas.openxmlformats.org/presentationml/2006/main" xmlns:c="http://schemas.openxmlformats.org/drawingml/2006/chart" xmlns:dgm="http://schemas.openxmlformats.org/drawingml/2006/diagram" xmlns:o="urn:schemas-microsoft-com:office:office" xmlns:v="urn:schemas-microsoft-com:vml" xmlns:pvml="urn:schemas-microsoft-com:office:powerpoint" xmlns:com="http://schemas.openxmlformats.org/drawingml/2006/compatibility" xmlns:p14="http://schemas.microsoft.com/office/powerpoint/2010/main" xmlns:p15="http://schemas.microsoft.com/office/powerpoint/2012/main" showMasterPhAnim="0" showMasterSp="0">
+<file path=ppt/notesSlides/notesSlide2.xml><?xml version="1.0" encoding="utf-8"?>
+<p:notes xmlns:a="http://schemas.openxmlformats.org/drawingml/2006/main" xmlns:r="http://schemas.openxmlformats.org/officeDocument/2006/relationships" xmlns:mc="http://schemas.openxmlformats.org/markup-compatibility/2006" xmlns:mv="urn:schemas-microsoft-com:mac:vml" xmlns:p="http://schemas.openxmlformats.org/presentationml/2006/main" xmlns:c="http://schemas.openxmlformats.org/drawingml/2006/chart" xmlns:dgm="http://schemas.openxmlformats.org/drawingml/2006/diagram" xmlns:o="urn:schemas-microsoft-com:office:office" xmlns:v="urn:schemas-microsoft-com:vml" xmlns:pvml="urn:schemas-microsoft-com:office:powerpoint" xmlns:com="http://schemas.openxmlformats.org/drawingml/2006/compatibility" xmlns:p14="http://schemas.microsoft.com/office/powerpoint/2010/main" xmlns:p15="http://schemas.microsoft.com/office/powerpoint/2012/main" xmlns:ahyp="http://schemas.microsoft.com/office/drawing/2018/hyperlinkcolor" showMasterPhAnim="0" showMasterSp="0">
   <p:cSld>
     <p:spTree>
       <p:nvGrpSpPr>
-        <p:cNvPr id="106" name="Shape 106"/>
+        <p:cNvPr id="71" name="Shape 71"/>
         <p:cNvGrpSpPr/>
         <p:nvPr/>
       </p:nvGrpSpPr>
@@ -1815,7 +1824,7 @@
       </p:grpSpPr>
       <p:sp>
         <p:nvSpPr>
-          <p:cNvPr id="107" name="Google Shape;107;g7f51a219db_0_0:notes"/>
+          <p:cNvPr id="72" name="Google Shape;72;g52d9e6541b_0_2:notes"/>
           <p:cNvSpPr/>
           <p:nvPr>
             <p:ph idx="2" type="sldImg"/>
@@ -1850,7 +1859,7 @@
       </p:sp>
       <p:sp>
         <p:nvSpPr>
-          <p:cNvPr id="108" name="Google Shape;108;g7f51a219db_0_0:notes"/>
+          <p:cNvPr id="73" name="Google Shape;73;g52d9e6541b_0_2:notes"/>
           <p:cNvSpPr txBox="1"/>
           <p:nvPr>
             <p:ph idx="1" type="body"/>
@@ -1895,12 +1904,12 @@
 </p:notes>
 </file>
 
-<file path=ppt/notesSlides/notesSlide9.xml><?xml version="1.0" encoding="utf-8"?>
-<p:notes xmlns:a="http://schemas.openxmlformats.org/drawingml/2006/main" xmlns:r="http://schemas.openxmlformats.org/officeDocument/2006/relationships" xmlns:mc="http://schemas.openxmlformats.org/markup-compatibility/2006" xmlns:mv="urn:schemas-microsoft-com:mac:vml" xmlns:p="http://schemas.openxmlformats.org/presentationml/2006/main" xmlns:c="http://schemas.openxmlformats.org/drawingml/2006/chart" xmlns:dgm="http://schemas.openxmlformats.org/drawingml/2006/diagram" xmlns:o="urn:schemas-microsoft-com:office:office" xmlns:v="urn:schemas-microsoft-com:vml" xmlns:pvml="urn:schemas-microsoft-com:office:powerpoint" xmlns:com="http://schemas.openxmlformats.org/drawingml/2006/compatibility" xmlns:p14="http://schemas.microsoft.com/office/powerpoint/2010/main" xmlns:p15="http://schemas.microsoft.com/office/powerpoint/2012/main" showMasterPhAnim="0" showMasterSp="0">
+<file path=ppt/notesSlides/notesSlide20.xml><?xml version="1.0" encoding="utf-8"?>
+<p:notes xmlns:a="http://schemas.openxmlformats.org/drawingml/2006/main" xmlns:r="http://schemas.openxmlformats.org/officeDocument/2006/relationships" xmlns:mc="http://schemas.openxmlformats.org/markup-compatibility/2006" xmlns:mv="urn:schemas-microsoft-com:mac:vml" xmlns:p="http://schemas.openxmlformats.org/presentationml/2006/main" xmlns:c="http://schemas.openxmlformats.org/drawingml/2006/chart" xmlns:dgm="http://schemas.openxmlformats.org/drawingml/2006/diagram" xmlns:o="urn:schemas-microsoft-com:office:office" xmlns:v="urn:schemas-microsoft-com:vml" xmlns:pvml="urn:schemas-microsoft-com:office:powerpoint" xmlns:com="http://schemas.openxmlformats.org/drawingml/2006/compatibility" xmlns:p14="http://schemas.microsoft.com/office/powerpoint/2010/main" xmlns:p15="http://schemas.microsoft.com/office/powerpoint/2012/main" xmlns:ahyp="http://schemas.microsoft.com/office/drawing/2018/hyperlinkcolor" showMasterPhAnim="0" showMasterSp="0">
   <p:cSld>
     <p:spTree>
       <p:nvGrpSpPr>
-        <p:cNvPr id="112" name="Shape 112"/>
+        <p:cNvPr id="201" name="Shape 201"/>
         <p:cNvGrpSpPr/>
         <p:nvPr/>
       </p:nvGrpSpPr>
@@ -1914,7 +1923,7 @@
       </p:grpSpPr>
       <p:sp>
         <p:nvSpPr>
-          <p:cNvPr id="113" name="Google Shape;113;g7f51a219db_0_6:notes"/>
+          <p:cNvPr id="202" name="Google Shape;202;g7f51a219db_1_10:notes"/>
           <p:cNvSpPr/>
           <p:nvPr>
             <p:ph idx="2" type="sldImg"/>
@@ -1949,7 +1958,898 @@
       </p:sp>
       <p:sp>
         <p:nvSpPr>
-          <p:cNvPr id="114" name="Google Shape;114;g7f51a219db_0_6:notes"/>
+          <p:cNvPr id="203" name="Google Shape;203;g7f51a219db_1_10:notes"/>
+          <p:cNvSpPr txBox="1"/>
+          <p:nvPr>
+            <p:ph idx="1" type="body"/>
+          </p:nvPr>
+        </p:nvSpPr>
+        <p:spPr>
+          <a:xfrm>
+            <a:off x="685800" y="4343400"/>
+            <a:ext cx="5486400" cy="4114800"/>
+          </a:xfrm>
+          <a:prstGeom prst="rect">
+            <a:avLst/>
+          </a:prstGeom>
+        </p:spPr>
+        <p:txBody>
+          <a:bodyPr anchorCtr="0" anchor="t" bIns="91425" lIns="91425" spcFirstLastPara="1" rIns="91425" wrap="square" tIns="91425">
+            <a:noAutofit/>
+          </a:bodyPr>
+          <a:lstStyle/>
+          <a:p>
+            <a:pPr indent="0" lvl="0" marL="0" rtl="0" algn="l">
+              <a:spcBef>
+                <a:spcPts val="0"/>
+              </a:spcBef>
+              <a:spcAft>
+                <a:spcPts val="0"/>
+              </a:spcAft>
+              <a:buNone/>
+            </a:pPr>
+            <a:r>
+              <a:t/>
+            </a:r>
+            <a:endParaRPr/>
+          </a:p>
+        </p:txBody>
+      </p:sp>
+    </p:spTree>
+  </p:cSld>
+  <p:clrMapOvr>
+    <a:masterClrMapping/>
+  </p:clrMapOvr>
+</p:notes>
+</file>
+
+<file path=ppt/notesSlides/notesSlide21.xml><?xml version="1.0" encoding="utf-8"?>
+<p:notes xmlns:a="http://schemas.openxmlformats.org/drawingml/2006/main" xmlns:r="http://schemas.openxmlformats.org/officeDocument/2006/relationships" xmlns:mc="http://schemas.openxmlformats.org/markup-compatibility/2006" xmlns:mv="urn:schemas-microsoft-com:mac:vml" xmlns:p="http://schemas.openxmlformats.org/presentationml/2006/main" xmlns:c="http://schemas.openxmlformats.org/drawingml/2006/chart" xmlns:dgm="http://schemas.openxmlformats.org/drawingml/2006/diagram" xmlns:o="urn:schemas-microsoft-com:office:office" xmlns:v="urn:schemas-microsoft-com:vml" xmlns:pvml="urn:schemas-microsoft-com:office:powerpoint" xmlns:com="http://schemas.openxmlformats.org/drawingml/2006/compatibility" xmlns:p14="http://schemas.microsoft.com/office/powerpoint/2010/main" xmlns:p15="http://schemas.microsoft.com/office/powerpoint/2012/main" xmlns:ahyp="http://schemas.microsoft.com/office/drawing/2018/hyperlinkcolor" showMasterPhAnim="0" showMasterSp="0">
+  <p:cSld>
+    <p:spTree>
+      <p:nvGrpSpPr>
+        <p:cNvPr id="208" name="Shape 208"/>
+        <p:cNvGrpSpPr/>
+        <p:nvPr/>
+      </p:nvGrpSpPr>
+      <p:grpSpPr>
+        <a:xfrm>
+          <a:off x="0" y="0"/>
+          <a:ext cx="0" cy="0"/>
+          <a:chOff x="0" y="0"/>
+          <a:chExt cx="0" cy="0"/>
+        </a:xfrm>
+      </p:grpSpPr>
+      <p:sp>
+        <p:nvSpPr>
+          <p:cNvPr id="209" name="Google Shape;209;g52d9e6541b_0_32:notes"/>
+          <p:cNvSpPr/>
+          <p:nvPr>
+            <p:ph idx="2" type="sldImg"/>
+          </p:nvPr>
+        </p:nvSpPr>
+        <p:spPr>
+          <a:xfrm>
+            <a:off x="381300" y="685800"/>
+            <a:ext cx="6096000" cy="3429000"/>
+          </a:xfrm>
+          <a:custGeom>
+            <a:rect b="b" l="l" r="r" t="t"/>
+            <a:pathLst>
+              <a:path extrusionOk="0" h="120000" w="120000">
+                <a:moveTo>
+                  <a:pt x="0" y="0"/>
+                </a:moveTo>
+                <a:lnTo>
+                  <a:pt x="120000" y="0"/>
+                </a:lnTo>
+                <a:lnTo>
+                  <a:pt x="120000" y="120000"/>
+                </a:lnTo>
+                <a:lnTo>
+                  <a:pt x="0" y="120000"/>
+                </a:lnTo>
+                <a:close/>
+              </a:path>
+            </a:pathLst>
+          </a:custGeom>
+        </p:spPr>
+      </p:sp>
+      <p:sp>
+        <p:nvSpPr>
+          <p:cNvPr id="210" name="Google Shape;210;g52d9e6541b_0_32:notes"/>
+          <p:cNvSpPr txBox="1"/>
+          <p:nvPr>
+            <p:ph idx="1" type="body"/>
+          </p:nvPr>
+        </p:nvSpPr>
+        <p:spPr>
+          <a:xfrm>
+            <a:off x="685800" y="4343400"/>
+            <a:ext cx="5486400" cy="4114800"/>
+          </a:xfrm>
+          <a:prstGeom prst="rect">
+            <a:avLst/>
+          </a:prstGeom>
+        </p:spPr>
+        <p:txBody>
+          <a:bodyPr anchorCtr="0" anchor="t" bIns="91425" lIns="91425" spcFirstLastPara="1" rIns="91425" wrap="square" tIns="91425">
+            <a:noAutofit/>
+          </a:bodyPr>
+          <a:lstStyle/>
+          <a:p>
+            <a:pPr indent="0" lvl="0" marL="0" rtl="0" algn="l">
+              <a:spcBef>
+                <a:spcPts val="0"/>
+              </a:spcBef>
+              <a:spcAft>
+                <a:spcPts val="0"/>
+              </a:spcAft>
+              <a:buNone/>
+            </a:pPr>
+            <a:r>
+              <a:t/>
+            </a:r>
+            <a:endParaRPr/>
+          </a:p>
+        </p:txBody>
+      </p:sp>
+    </p:spTree>
+  </p:cSld>
+  <p:clrMapOvr>
+    <a:masterClrMapping/>
+  </p:clrMapOvr>
+</p:notes>
+</file>
+
+<file path=ppt/notesSlides/notesSlide22.xml><?xml version="1.0" encoding="utf-8"?>
+<p:notes xmlns:a="http://schemas.openxmlformats.org/drawingml/2006/main" xmlns:r="http://schemas.openxmlformats.org/officeDocument/2006/relationships" xmlns:mc="http://schemas.openxmlformats.org/markup-compatibility/2006" xmlns:mv="urn:schemas-microsoft-com:mac:vml" xmlns:p="http://schemas.openxmlformats.org/presentationml/2006/main" xmlns:c="http://schemas.openxmlformats.org/drawingml/2006/chart" xmlns:dgm="http://schemas.openxmlformats.org/drawingml/2006/diagram" xmlns:o="urn:schemas-microsoft-com:office:office" xmlns:v="urn:schemas-microsoft-com:vml" xmlns:pvml="urn:schemas-microsoft-com:office:powerpoint" xmlns:com="http://schemas.openxmlformats.org/drawingml/2006/compatibility" xmlns:p14="http://schemas.microsoft.com/office/powerpoint/2010/main" xmlns:p15="http://schemas.microsoft.com/office/powerpoint/2012/main" xmlns:ahyp="http://schemas.microsoft.com/office/drawing/2018/hyperlinkcolor" showMasterPhAnim="0" showMasterSp="0">
+  <p:cSld>
+    <p:spTree>
+      <p:nvGrpSpPr>
+        <p:cNvPr id="215" name="Shape 215"/>
+        <p:cNvGrpSpPr/>
+        <p:nvPr/>
+      </p:nvGrpSpPr>
+      <p:grpSpPr>
+        <a:xfrm>
+          <a:off x="0" y="0"/>
+          <a:ext cx="0" cy="0"/>
+          <a:chOff x="0" y="0"/>
+          <a:chExt cx="0" cy="0"/>
+        </a:xfrm>
+      </p:grpSpPr>
+      <p:sp>
+        <p:nvSpPr>
+          <p:cNvPr id="216" name="Google Shape;216;g52d9e6541b_4_8:notes"/>
+          <p:cNvSpPr/>
+          <p:nvPr>
+            <p:ph idx="2" type="sldImg"/>
+          </p:nvPr>
+        </p:nvSpPr>
+        <p:spPr>
+          <a:xfrm>
+            <a:off x="381300" y="685800"/>
+            <a:ext cx="6096000" cy="3429000"/>
+          </a:xfrm>
+          <a:custGeom>
+            <a:rect b="b" l="l" r="r" t="t"/>
+            <a:pathLst>
+              <a:path extrusionOk="0" h="120000" w="120000">
+                <a:moveTo>
+                  <a:pt x="0" y="0"/>
+                </a:moveTo>
+                <a:lnTo>
+                  <a:pt x="120000" y="0"/>
+                </a:lnTo>
+                <a:lnTo>
+                  <a:pt x="120000" y="120000"/>
+                </a:lnTo>
+                <a:lnTo>
+                  <a:pt x="0" y="120000"/>
+                </a:lnTo>
+                <a:close/>
+              </a:path>
+            </a:pathLst>
+          </a:custGeom>
+        </p:spPr>
+      </p:sp>
+      <p:sp>
+        <p:nvSpPr>
+          <p:cNvPr id="217" name="Google Shape;217;g52d9e6541b_4_8:notes"/>
+          <p:cNvSpPr txBox="1"/>
+          <p:nvPr>
+            <p:ph idx="1" type="body"/>
+          </p:nvPr>
+        </p:nvSpPr>
+        <p:spPr>
+          <a:xfrm>
+            <a:off x="685800" y="4343400"/>
+            <a:ext cx="5486400" cy="4114800"/>
+          </a:xfrm>
+          <a:prstGeom prst="rect">
+            <a:avLst/>
+          </a:prstGeom>
+        </p:spPr>
+        <p:txBody>
+          <a:bodyPr anchorCtr="0" anchor="t" bIns="91425" lIns="91425" spcFirstLastPara="1" rIns="91425" wrap="square" tIns="91425">
+            <a:noAutofit/>
+          </a:bodyPr>
+          <a:lstStyle/>
+          <a:p>
+            <a:pPr indent="0" lvl="0" marL="0" rtl="0" algn="l">
+              <a:spcBef>
+                <a:spcPts val="0"/>
+              </a:spcBef>
+              <a:spcAft>
+                <a:spcPts val="0"/>
+              </a:spcAft>
+              <a:buNone/>
+            </a:pPr>
+            <a:r>
+              <a:t/>
+            </a:r>
+            <a:endParaRPr/>
+          </a:p>
+        </p:txBody>
+      </p:sp>
+    </p:spTree>
+  </p:cSld>
+  <p:clrMapOvr>
+    <a:masterClrMapping/>
+  </p:clrMapOvr>
+</p:notes>
+</file>
+
+<file path=ppt/notesSlides/notesSlide3.xml><?xml version="1.0" encoding="utf-8"?>
+<p:notes xmlns:a="http://schemas.openxmlformats.org/drawingml/2006/main" xmlns:r="http://schemas.openxmlformats.org/officeDocument/2006/relationships" xmlns:mc="http://schemas.openxmlformats.org/markup-compatibility/2006" xmlns:mv="urn:schemas-microsoft-com:mac:vml" xmlns:p="http://schemas.openxmlformats.org/presentationml/2006/main" xmlns:c="http://schemas.openxmlformats.org/drawingml/2006/chart" xmlns:dgm="http://schemas.openxmlformats.org/drawingml/2006/diagram" xmlns:o="urn:schemas-microsoft-com:office:office" xmlns:v="urn:schemas-microsoft-com:vml" xmlns:pvml="urn:schemas-microsoft-com:office:powerpoint" xmlns:com="http://schemas.openxmlformats.org/drawingml/2006/compatibility" xmlns:p14="http://schemas.microsoft.com/office/powerpoint/2010/main" xmlns:p15="http://schemas.microsoft.com/office/powerpoint/2012/main" xmlns:ahyp="http://schemas.microsoft.com/office/drawing/2018/hyperlinkcolor" showMasterPhAnim="0" showMasterSp="0">
+  <p:cSld>
+    <p:spTree>
+      <p:nvGrpSpPr>
+        <p:cNvPr id="78" name="Shape 78"/>
+        <p:cNvGrpSpPr/>
+        <p:nvPr/>
+      </p:nvGrpSpPr>
+      <p:grpSpPr>
+        <a:xfrm>
+          <a:off x="0" y="0"/>
+          <a:ext cx="0" cy="0"/>
+          <a:chOff x="0" y="0"/>
+          <a:chExt cx="0" cy="0"/>
+        </a:xfrm>
+      </p:grpSpPr>
+      <p:sp>
+        <p:nvSpPr>
+          <p:cNvPr id="79" name="Google Shape;79;g7f4fed24fb_0_891:notes"/>
+          <p:cNvSpPr/>
+          <p:nvPr>
+            <p:ph idx="2" type="sldImg"/>
+          </p:nvPr>
+        </p:nvSpPr>
+        <p:spPr>
+          <a:xfrm>
+            <a:off x="381300" y="685800"/>
+            <a:ext cx="6096000" cy="3429000"/>
+          </a:xfrm>
+          <a:custGeom>
+            <a:rect b="b" l="l" r="r" t="t"/>
+            <a:pathLst>
+              <a:path extrusionOk="0" h="120000" w="120000">
+                <a:moveTo>
+                  <a:pt x="0" y="0"/>
+                </a:moveTo>
+                <a:lnTo>
+                  <a:pt x="120000" y="0"/>
+                </a:lnTo>
+                <a:lnTo>
+                  <a:pt x="120000" y="120000"/>
+                </a:lnTo>
+                <a:lnTo>
+                  <a:pt x="0" y="120000"/>
+                </a:lnTo>
+                <a:close/>
+              </a:path>
+            </a:pathLst>
+          </a:custGeom>
+        </p:spPr>
+      </p:sp>
+      <p:sp>
+        <p:nvSpPr>
+          <p:cNvPr id="80" name="Google Shape;80;g7f4fed24fb_0_891:notes"/>
+          <p:cNvSpPr txBox="1"/>
+          <p:nvPr>
+            <p:ph idx="1" type="body"/>
+          </p:nvPr>
+        </p:nvSpPr>
+        <p:spPr>
+          <a:xfrm>
+            <a:off x="685800" y="4343400"/>
+            <a:ext cx="5486400" cy="4114800"/>
+          </a:xfrm>
+          <a:prstGeom prst="rect">
+            <a:avLst/>
+          </a:prstGeom>
+        </p:spPr>
+        <p:txBody>
+          <a:bodyPr anchorCtr="0" anchor="t" bIns="91425" lIns="91425" spcFirstLastPara="1" rIns="91425" wrap="square" tIns="91425">
+            <a:noAutofit/>
+          </a:bodyPr>
+          <a:lstStyle/>
+          <a:p>
+            <a:pPr indent="0" lvl="0" marL="0" rtl="0" algn="l">
+              <a:spcBef>
+                <a:spcPts val="0"/>
+              </a:spcBef>
+              <a:spcAft>
+                <a:spcPts val="0"/>
+              </a:spcAft>
+              <a:buNone/>
+            </a:pPr>
+            <a:r>
+              <a:t/>
+            </a:r>
+            <a:endParaRPr/>
+          </a:p>
+        </p:txBody>
+      </p:sp>
+    </p:spTree>
+  </p:cSld>
+  <p:clrMapOvr>
+    <a:masterClrMapping/>
+  </p:clrMapOvr>
+</p:notes>
+</file>
+
+<file path=ppt/notesSlides/notesSlide4.xml><?xml version="1.0" encoding="utf-8"?>
+<p:notes xmlns:a="http://schemas.openxmlformats.org/drawingml/2006/main" xmlns:r="http://schemas.openxmlformats.org/officeDocument/2006/relationships" xmlns:mc="http://schemas.openxmlformats.org/markup-compatibility/2006" xmlns:mv="urn:schemas-microsoft-com:mac:vml" xmlns:p="http://schemas.openxmlformats.org/presentationml/2006/main" xmlns:c="http://schemas.openxmlformats.org/drawingml/2006/chart" xmlns:dgm="http://schemas.openxmlformats.org/drawingml/2006/diagram" xmlns:o="urn:schemas-microsoft-com:office:office" xmlns:v="urn:schemas-microsoft-com:vml" xmlns:pvml="urn:schemas-microsoft-com:office:powerpoint" xmlns:com="http://schemas.openxmlformats.org/drawingml/2006/compatibility" xmlns:p14="http://schemas.microsoft.com/office/powerpoint/2010/main" xmlns:p15="http://schemas.microsoft.com/office/powerpoint/2012/main" xmlns:ahyp="http://schemas.microsoft.com/office/drawing/2018/hyperlinkcolor" showMasterPhAnim="0" showMasterSp="0">
+  <p:cSld>
+    <p:spTree>
+      <p:nvGrpSpPr>
+        <p:cNvPr id="85" name="Shape 85"/>
+        <p:cNvGrpSpPr/>
+        <p:nvPr/>
+      </p:nvGrpSpPr>
+      <p:grpSpPr>
+        <a:xfrm>
+          <a:off x="0" y="0"/>
+          <a:ext cx="0" cy="0"/>
+          <a:chOff x="0" y="0"/>
+          <a:chExt cx="0" cy="0"/>
+        </a:xfrm>
+      </p:grpSpPr>
+      <p:sp>
+        <p:nvSpPr>
+          <p:cNvPr id="86" name="Google Shape;86;g52d9e6541b_4_18:notes"/>
+          <p:cNvSpPr/>
+          <p:nvPr>
+            <p:ph idx="2" type="sldImg"/>
+          </p:nvPr>
+        </p:nvSpPr>
+        <p:spPr>
+          <a:xfrm>
+            <a:off x="381300" y="685800"/>
+            <a:ext cx="6096000" cy="3429000"/>
+          </a:xfrm>
+          <a:custGeom>
+            <a:rect b="b" l="l" r="r" t="t"/>
+            <a:pathLst>
+              <a:path extrusionOk="0" h="120000" w="120000">
+                <a:moveTo>
+                  <a:pt x="0" y="0"/>
+                </a:moveTo>
+                <a:lnTo>
+                  <a:pt x="120000" y="0"/>
+                </a:lnTo>
+                <a:lnTo>
+                  <a:pt x="120000" y="120000"/>
+                </a:lnTo>
+                <a:lnTo>
+                  <a:pt x="0" y="120000"/>
+                </a:lnTo>
+                <a:close/>
+              </a:path>
+            </a:pathLst>
+          </a:custGeom>
+        </p:spPr>
+      </p:sp>
+      <p:sp>
+        <p:nvSpPr>
+          <p:cNvPr id="87" name="Google Shape;87;g52d9e6541b_4_18:notes"/>
+          <p:cNvSpPr txBox="1"/>
+          <p:nvPr>
+            <p:ph idx="1" type="body"/>
+          </p:nvPr>
+        </p:nvSpPr>
+        <p:spPr>
+          <a:xfrm>
+            <a:off x="685800" y="4343400"/>
+            <a:ext cx="5486400" cy="4114800"/>
+          </a:xfrm>
+          <a:prstGeom prst="rect">
+            <a:avLst/>
+          </a:prstGeom>
+        </p:spPr>
+        <p:txBody>
+          <a:bodyPr anchorCtr="0" anchor="t" bIns="91425" lIns="91425" spcFirstLastPara="1" rIns="91425" wrap="square" tIns="91425">
+            <a:noAutofit/>
+          </a:bodyPr>
+          <a:lstStyle/>
+          <a:p>
+            <a:pPr indent="0" lvl="0" marL="0" rtl="0" algn="l">
+              <a:spcBef>
+                <a:spcPts val="0"/>
+              </a:spcBef>
+              <a:spcAft>
+                <a:spcPts val="0"/>
+              </a:spcAft>
+              <a:buNone/>
+            </a:pPr>
+            <a:r>
+              <a:t/>
+            </a:r>
+            <a:endParaRPr/>
+          </a:p>
+        </p:txBody>
+      </p:sp>
+    </p:spTree>
+  </p:cSld>
+  <p:clrMapOvr>
+    <a:masterClrMapping/>
+  </p:clrMapOvr>
+</p:notes>
+</file>
+
+<file path=ppt/notesSlides/notesSlide5.xml><?xml version="1.0" encoding="utf-8"?>
+<p:notes xmlns:a="http://schemas.openxmlformats.org/drawingml/2006/main" xmlns:r="http://schemas.openxmlformats.org/officeDocument/2006/relationships" xmlns:mc="http://schemas.openxmlformats.org/markup-compatibility/2006" xmlns:mv="urn:schemas-microsoft-com:mac:vml" xmlns:p="http://schemas.openxmlformats.org/presentationml/2006/main" xmlns:c="http://schemas.openxmlformats.org/drawingml/2006/chart" xmlns:dgm="http://schemas.openxmlformats.org/drawingml/2006/diagram" xmlns:o="urn:schemas-microsoft-com:office:office" xmlns:v="urn:schemas-microsoft-com:vml" xmlns:pvml="urn:schemas-microsoft-com:office:powerpoint" xmlns:com="http://schemas.openxmlformats.org/drawingml/2006/compatibility" xmlns:p14="http://schemas.microsoft.com/office/powerpoint/2010/main" xmlns:p15="http://schemas.microsoft.com/office/powerpoint/2012/main" xmlns:ahyp="http://schemas.microsoft.com/office/drawing/2018/hyperlinkcolor" showMasterPhAnim="0" showMasterSp="0">
+  <p:cSld>
+    <p:spTree>
+      <p:nvGrpSpPr>
+        <p:cNvPr id="94" name="Shape 94"/>
+        <p:cNvGrpSpPr/>
+        <p:nvPr/>
+      </p:nvGrpSpPr>
+      <p:grpSpPr>
+        <a:xfrm>
+          <a:off x="0" y="0"/>
+          <a:ext cx="0" cy="0"/>
+          <a:chOff x="0" y="0"/>
+          <a:chExt cx="0" cy="0"/>
+        </a:xfrm>
+      </p:grpSpPr>
+      <p:sp>
+        <p:nvSpPr>
+          <p:cNvPr id="95" name="Google Shape;95;g52d9e6541b_4_27:notes"/>
+          <p:cNvSpPr/>
+          <p:nvPr>
+            <p:ph idx="2" type="sldImg"/>
+          </p:nvPr>
+        </p:nvSpPr>
+        <p:spPr>
+          <a:xfrm>
+            <a:off x="381300" y="685800"/>
+            <a:ext cx="6096000" cy="3429000"/>
+          </a:xfrm>
+          <a:custGeom>
+            <a:rect b="b" l="l" r="r" t="t"/>
+            <a:pathLst>
+              <a:path extrusionOk="0" h="120000" w="120000">
+                <a:moveTo>
+                  <a:pt x="0" y="0"/>
+                </a:moveTo>
+                <a:lnTo>
+                  <a:pt x="120000" y="0"/>
+                </a:lnTo>
+                <a:lnTo>
+                  <a:pt x="120000" y="120000"/>
+                </a:lnTo>
+                <a:lnTo>
+                  <a:pt x="0" y="120000"/>
+                </a:lnTo>
+                <a:close/>
+              </a:path>
+            </a:pathLst>
+          </a:custGeom>
+        </p:spPr>
+      </p:sp>
+      <p:sp>
+        <p:nvSpPr>
+          <p:cNvPr id="96" name="Google Shape;96;g52d9e6541b_4_27:notes"/>
+          <p:cNvSpPr txBox="1"/>
+          <p:nvPr>
+            <p:ph idx="1" type="body"/>
+          </p:nvPr>
+        </p:nvSpPr>
+        <p:spPr>
+          <a:xfrm>
+            <a:off x="685800" y="4343400"/>
+            <a:ext cx="5486400" cy="4114800"/>
+          </a:xfrm>
+          <a:prstGeom prst="rect">
+            <a:avLst/>
+          </a:prstGeom>
+        </p:spPr>
+        <p:txBody>
+          <a:bodyPr anchorCtr="0" anchor="t" bIns="91425" lIns="91425" spcFirstLastPara="1" rIns="91425" wrap="square" tIns="91425">
+            <a:noAutofit/>
+          </a:bodyPr>
+          <a:lstStyle/>
+          <a:p>
+            <a:pPr indent="0" lvl="0" marL="0" rtl="0" algn="l">
+              <a:spcBef>
+                <a:spcPts val="0"/>
+              </a:spcBef>
+              <a:spcAft>
+                <a:spcPts val="0"/>
+              </a:spcAft>
+              <a:buNone/>
+            </a:pPr>
+            <a:r>
+              <a:t/>
+            </a:r>
+            <a:endParaRPr/>
+          </a:p>
+        </p:txBody>
+      </p:sp>
+    </p:spTree>
+  </p:cSld>
+  <p:clrMapOvr>
+    <a:masterClrMapping/>
+  </p:clrMapOvr>
+</p:notes>
+</file>
+
+<file path=ppt/notesSlides/notesSlide6.xml><?xml version="1.0" encoding="utf-8"?>
+<p:notes xmlns:a="http://schemas.openxmlformats.org/drawingml/2006/main" xmlns:r="http://schemas.openxmlformats.org/officeDocument/2006/relationships" xmlns:mc="http://schemas.openxmlformats.org/markup-compatibility/2006" xmlns:mv="urn:schemas-microsoft-com:mac:vml" xmlns:p="http://schemas.openxmlformats.org/presentationml/2006/main" xmlns:c="http://schemas.openxmlformats.org/drawingml/2006/chart" xmlns:dgm="http://schemas.openxmlformats.org/drawingml/2006/diagram" xmlns:o="urn:schemas-microsoft-com:office:office" xmlns:v="urn:schemas-microsoft-com:vml" xmlns:pvml="urn:schemas-microsoft-com:office:powerpoint" xmlns:com="http://schemas.openxmlformats.org/drawingml/2006/compatibility" xmlns:p14="http://schemas.microsoft.com/office/powerpoint/2010/main" xmlns:p15="http://schemas.microsoft.com/office/powerpoint/2012/main" xmlns:ahyp="http://schemas.microsoft.com/office/drawing/2018/hyperlinkcolor" showMasterPhAnim="0" showMasterSp="0">
+  <p:cSld>
+    <p:spTree>
+      <p:nvGrpSpPr>
+        <p:cNvPr id="103" name="Shape 103"/>
+        <p:cNvGrpSpPr/>
+        <p:nvPr/>
+      </p:nvGrpSpPr>
+      <p:grpSpPr>
+        <a:xfrm>
+          <a:off x="0" y="0"/>
+          <a:ext cx="0" cy="0"/>
+          <a:chOff x="0" y="0"/>
+          <a:chExt cx="0" cy="0"/>
+        </a:xfrm>
+      </p:grpSpPr>
+      <p:sp>
+        <p:nvSpPr>
+          <p:cNvPr id="104" name="Google Shape;104;g52d9e6541b_5_42:notes"/>
+          <p:cNvSpPr/>
+          <p:nvPr>
+            <p:ph idx="2" type="sldImg"/>
+          </p:nvPr>
+        </p:nvSpPr>
+        <p:spPr>
+          <a:xfrm>
+            <a:off x="381300" y="685800"/>
+            <a:ext cx="6096000" cy="3429000"/>
+          </a:xfrm>
+          <a:custGeom>
+            <a:rect b="b" l="l" r="r" t="t"/>
+            <a:pathLst>
+              <a:path extrusionOk="0" h="120000" w="120000">
+                <a:moveTo>
+                  <a:pt x="0" y="0"/>
+                </a:moveTo>
+                <a:lnTo>
+                  <a:pt x="120000" y="0"/>
+                </a:lnTo>
+                <a:lnTo>
+                  <a:pt x="120000" y="120000"/>
+                </a:lnTo>
+                <a:lnTo>
+                  <a:pt x="0" y="120000"/>
+                </a:lnTo>
+                <a:close/>
+              </a:path>
+            </a:pathLst>
+          </a:custGeom>
+        </p:spPr>
+      </p:sp>
+      <p:sp>
+        <p:nvSpPr>
+          <p:cNvPr id="105" name="Google Shape;105;g52d9e6541b_5_42:notes"/>
+          <p:cNvSpPr txBox="1"/>
+          <p:nvPr>
+            <p:ph idx="1" type="body"/>
+          </p:nvPr>
+        </p:nvSpPr>
+        <p:spPr>
+          <a:xfrm>
+            <a:off x="685800" y="4343400"/>
+            <a:ext cx="5486400" cy="4114800"/>
+          </a:xfrm>
+          <a:prstGeom prst="rect">
+            <a:avLst/>
+          </a:prstGeom>
+        </p:spPr>
+        <p:txBody>
+          <a:bodyPr anchorCtr="0" anchor="t" bIns="91425" lIns="91425" spcFirstLastPara="1" rIns="91425" wrap="square" tIns="91425">
+            <a:noAutofit/>
+          </a:bodyPr>
+          <a:lstStyle/>
+          <a:p>
+            <a:pPr indent="0" lvl="0" marL="0" rtl="0" algn="l">
+              <a:spcBef>
+                <a:spcPts val="0"/>
+              </a:spcBef>
+              <a:spcAft>
+                <a:spcPts val="0"/>
+              </a:spcAft>
+              <a:buNone/>
+            </a:pPr>
+            <a:r>
+              <a:t/>
+            </a:r>
+            <a:endParaRPr/>
+          </a:p>
+        </p:txBody>
+      </p:sp>
+    </p:spTree>
+  </p:cSld>
+  <p:clrMapOvr>
+    <a:masterClrMapping/>
+  </p:clrMapOvr>
+</p:notes>
+</file>
+
+<file path=ppt/notesSlides/notesSlide7.xml><?xml version="1.0" encoding="utf-8"?>
+<p:notes xmlns:a="http://schemas.openxmlformats.org/drawingml/2006/main" xmlns:r="http://schemas.openxmlformats.org/officeDocument/2006/relationships" xmlns:mc="http://schemas.openxmlformats.org/markup-compatibility/2006" xmlns:mv="urn:schemas-microsoft-com:mac:vml" xmlns:p="http://schemas.openxmlformats.org/presentationml/2006/main" xmlns:c="http://schemas.openxmlformats.org/drawingml/2006/chart" xmlns:dgm="http://schemas.openxmlformats.org/drawingml/2006/diagram" xmlns:o="urn:schemas-microsoft-com:office:office" xmlns:v="urn:schemas-microsoft-com:vml" xmlns:pvml="urn:schemas-microsoft-com:office:powerpoint" xmlns:com="http://schemas.openxmlformats.org/drawingml/2006/compatibility" xmlns:p14="http://schemas.microsoft.com/office/powerpoint/2010/main" xmlns:p15="http://schemas.microsoft.com/office/powerpoint/2012/main" xmlns:ahyp="http://schemas.microsoft.com/office/drawing/2018/hyperlinkcolor" showMasterPhAnim="0" showMasterSp="0">
+  <p:cSld>
+    <p:spTree>
+      <p:nvGrpSpPr>
+        <p:cNvPr id="109" name="Shape 109"/>
+        <p:cNvGrpSpPr/>
+        <p:nvPr/>
+      </p:nvGrpSpPr>
+      <p:grpSpPr>
+        <a:xfrm>
+          <a:off x="0" y="0"/>
+          <a:ext cx="0" cy="0"/>
+          <a:chOff x="0" y="0"/>
+          <a:chExt cx="0" cy="0"/>
+        </a:xfrm>
+      </p:grpSpPr>
+      <p:sp>
+        <p:nvSpPr>
+          <p:cNvPr id="110" name="Google Shape;110;g7f4fed24fb_0_896:notes"/>
+          <p:cNvSpPr/>
+          <p:nvPr>
+            <p:ph idx="2" type="sldImg"/>
+          </p:nvPr>
+        </p:nvSpPr>
+        <p:spPr>
+          <a:xfrm>
+            <a:off x="381300" y="685800"/>
+            <a:ext cx="6096000" cy="3429000"/>
+          </a:xfrm>
+          <a:custGeom>
+            <a:rect b="b" l="l" r="r" t="t"/>
+            <a:pathLst>
+              <a:path extrusionOk="0" h="120000" w="120000">
+                <a:moveTo>
+                  <a:pt x="0" y="0"/>
+                </a:moveTo>
+                <a:lnTo>
+                  <a:pt x="120000" y="0"/>
+                </a:lnTo>
+                <a:lnTo>
+                  <a:pt x="120000" y="120000"/>
+                </a:lnTo>
+                <a:lnTo>
+                  <a:pt x="0" y="120000"/>
+                </a:lnTo>
+                <a:close/>
+              </a:path>
+            </a:pathLst>
+          </a:custGeom>
+        </p:spPr>
+      </p:sp>
+      <p:sp>
+        <p:nvSpPr>
+          <p:cNvPr id="111" name="Google Shape;111;g7f4fed24fb_0_896:notes"/>
+          <p:cNvSpPr txBox="1"/>
+          <p:nvPr>
+            <p:ph idx="1" type="body"/>
+          </p:nvPr>
+        </p:nvSpPr>
+        <p:spPr>
+          <a:xfrm>
+            <a:off x="685800" y="4343400"/>
+            <a:ext cx="5486400" cy="4114800"/>
+          </a:xfrm>
+          <a:prstGeom prst="rect">
+            <a:avLst/>
+          </a:prstGeom>
+        </p:spPr>
+        <p:txBody>
+          <a:bodyPr anchorCtr="0" anchor="t" bIns="91425" lIns="91425" spcFirstLastPara="1" rIns="91425" wrap="square" tIns="91425">
+            <a:noAutofit/>
+          </a:bodyPr>
+          <a:lstStyle/>
+          <a:p>
+            <a:pPr indent="0" lvl="0" marL="0" rtl="0" algn="l">
+              <a:spcBef>
+                <a:spcPts val="0"/>
+              </a:spcBef>
+              <a:spcAft>
+                <a:spcPts val="0"/>
+              </a:spcAft>
+              <a:buNone/>
+            </a:pPr>
+            <a:r>
+              <a:t/>
+            </a:r>
+            <a:endParaRPr/>
+          </a:p>
+        </p:txBody>
+      </p:sp>
+    </p:spTree>
+  </p:cSld>
+  <p:clrMapOvr>
+    <a:masterClrMapping/>
+  </p:clrMapOvr>
+</p:notes>
+</file>
+
+<file path=ppt/notesSlides/notesSlide8.xml><?xml version="1.0" encoding="utf-8"?>
+<p:notes xmlns:a="http://schemas.openxmlformats.org/drawingml/2006/main" xmlns:r="http://schemas.openxmlformats.org/officeDocument/2006/relationships" xmlns:mc="http://schemas.openxmlformats.org/markup-compatibility/2006" xmlns:mv="urn:schemas-microsoft-com:mac:vml" xmlns:p="http://schemas.openxmlformats.org/presentationml/2006/main" xmlns:c="http://schemas.openxmlformats.org/drawingml/2006/chart" xmlns:dgm="http://schemas.openxmlformats.org/drawingml/2006/diagram" xmlns:o="urn:schemas-microsoft-com:office:office" xmlns:v="urn:schemas-microsoft-com:vml" xmlns:pvml="urn:schemas-microsoft-com:office:powerpoint" xmlns:com="http://schemas.openxmlformats.org/drawingml/2006/compatibility" xmlns:p14="http://schemas.microsoft.com/office/powerpoint/2010/main" xmlns:p15="http://schemas.microsoft.com/office/powerpoint/2012/main" xmlns:ahyp="http://schemas.microsoft.com/office/drawing/2018/hyperlinkcolor" showMasterPhAnim="0" showMasterSp="0">
+  <p:cSld>
+    <p:spTree>
+      <p:nvGrpSpPr>
+        <p:cNvPr id="115" name="Shape 115"/>
+        <p:cNvGrpSpPr/>
+        <p:nvPr/>
+      </p:nvGrpSpPr>
+      <p:grpSpPr>
+        <a:xfrm>
+          <a:off x="0" y="0"/>
+          <a:ext cx="0" cy="0"/>
+          <a:chOff x="0" y="0"/>
+          <a:chExt cx="0" cy="0"/>
+        </a:xfrm>
+      </p:grpSpPr>
+      <p:sp>
+        <p:nvSpPr>
+          <p:cNvPr id="116" name="Google Shape;116;g7f4fed24fb_0_901:notes"/>
+          <p:cNvSpPr/>
+          <p:nvPr>
+            <p:ph idx="2" type="sldImg"/>
+          </p:nvPr>
+        </p:nvSpPr>
+        <p:spPr>
+          <a:xfrm>
+            <a:off x="381300" y="685800"/>
+            <a:ext cx="6096000" cy="3429000"/>
+          </a:xfrm>
+          <a:custGeom>
+            <a:rect b="b" l="l" r="r" t="t"/>
+            <a:pathLst>
+              <a:path extrusionOk="0" h="120000" w="120000">
+                <a:moveTo>
+                  <a:pt x="0" y="0"/>
+                </a:moveTo>
+                <a:lnTo>
+                  <a:pt x="120000" y="0"/>
+                </a:lnTo>
+                <a:lnTo>
+                  <a:pt x="120000" y="120000"/>
+                </a:lnTo>
+                <a:lnTo>
+                  <a:pt x="0" y="120000"/>
+                </a:lnTo>
+                <a:close/>
+              </a:path>
+            </a:pathLst>
+          </a:custGeom>
+        </p:spPr>
+      </p:sp>
+      <p:sp>
+        <p:nvSpPr>
+          <p:cNvPr id="117" name="Google Shape;117;g7f4fed24fb_0_901:notes"/>
+          <p:cNvSpPr txBox="1"/>
+          <p:nvPr>
+            <p:ph idx="1" type="body"/>
+          </p:nvPr>
+        </p:nvSpPr>
+        <p:spPr>
+          <a:xfrm>
+            <a:off x="685800" y="4343400"/>
+            <a:ext cx="5486400" cy="4114800"/>
+          </a:xfrm>
+          <a:prstGeom prst="rect">
+            <a:avLst/>
+          </a:prstGeom>
+        </p:spPr>
+        <p:txBody>
+          <a:bodyPr anchorCtr="0" anchor="t" bIns="91425" lIns="91425" spcFirstLastPara="1" rIns="91425" wrap="square" tIns="91425">
+            <a:noAutofit/>
+          </a:bodyPr>
+          <a:lstStyle/>
+          <a:p>
+            <a:pPr indent="0" lvl="0" marL="0" rtl="0" algn="l">
+              <a:spcBef>
+                <a:spcPts val="0"/>
+              </a:spcBef>
+              <a:spcAft>
+                <a:spcPts val="0"/>
+              </a:spcAft>
+              <a:buNone/>
+            </a:pPr>
+            <a:r>
+              <a:t/>
+            </a:r>
+            <a:endParaRPr/>
+          </a:p>
+        </p:txBody>
+      </p:sp>
+    </p:spTree>
+  </p:cSld>
+  <p:clrMapOvr>
+    <a:masterClrMapping/>
+  </p:clrMapOvr>
+</p:notes>
+</file>
+
+<file path=ppt/notesSlides/notesSlide9.xml><?xml version="1.0" encoding="utf-8"?>
+<p:notes xmlns:a="http://schemas.openxmlformats.org/drawingml/2006/main" xmlns:r="http://schemas.openxmlformats.org/officeDocument/2006/relationships" xmlns:mc="http://schemas.openxmlformats.org/markup-compatibility/2006" xmlns:mv="urn:schemas-microsoft-com:mac:vml" xmlns:p="http://schemas.openxmlformats.org/presentationml/2006/main" xmlns:c="http://schemas.openxmlformats.org/drawingml/2006/chart" xmlns:dgm="http://schemas.openxmlformats.org/drawingml/2006/diagram" xmlns:o="urn:schemas-microsoft-com:office:office" xmlns:v="urn:schemas-microsoft-com:vml" xmlns:pvml="urn:schemas-microsoft-com:office:powerpoint" xmlns:com="http://schemas.openxmlformats.org/drawingml/2006/compatibility" xmlns:p14="http://schemas.microsoft.com/office/powerpoint/2010/main" xmlns:p15="http://schemas.microsoft.com/office/powerpoint/2012/main" xmlns:ahyp="http://schemas.microsoft.com/office/drawing/2018/hyperlinkcolor" showMasterPhAnim="0" showMasterSp="0">
+  <p:cSld>
+    <p:spTree>
+      <p:nvGrpSpPr>
+        <p:cNvPr id="121" name="Shape 121"/>
+        <p:cNvGrpSpPr/>
+        <p:nvPr/>
+      </p:nvGrpSpPr>
+      <p:grpSpPr>
+        <a:xfrm>
+          <a:off x="0" y="0"/>
+          <a:ext cx="0" cy="0"/>
+          <a:chOff x="0" y="0"/>
+          <a:chExt cx="0" cy="0"/>
+        </a:xfrm>
+      </p:grpSpPr>
+      <p:sp>
+        <p:nvSpPr>
+          <p:cNvPr id="122" name="Google Shape;122;g7f4fed24fb_0_907:notes"/>
+          <p:cNvSpPr/>
+          <p:nvPr>
+            <p:ph idx="2" type="sldImg"/>
+          </p:nvPr>
+        </p:nvSpPr>
+        <p:spPr>
+          <a:xfrm>
+            <a:off x="381300" y="685800"/>
+            <a:ext cx="6096000" cy="3429000"/>
+          </a:xfrm>
+          <a:custGeom>
+            <a:rect b="b" l="l" r="r" t="t"/>
+            <a:pathLst>
+              <a:path extrusionOk="0" h="120000" w="120000">
+                <a:moveTo>
+                  <a:pt x="0" y="0"/>
+                </a:moveTo>
+                <a:lnTo>
+                  <a:pt x="120000" y="0"/>
+                </a:lnTo>
+                <a:lnTo>
+                  <a:pt x="120000" y="120000"/>
+                </a:lnTo>
+                <a:lnTo>
+                  <a:pt x="0" y="120000"/>
+                </a:lnTo>
+                <a:close/>
+              </a:path>
+            </a:pathLst>
+          </a:custGeom>
+        </p:spPr>
+      </p:sp>
+      <p:sp>
+        <p:nvSpPr>
+          <p:cNvPr id="123" name="Google Shape;123;g7f4fed24fb_0_907:notes"/>
           <p:cNvSpPr txBox="1"/>
           <p:nvPr>
             <p:ph idx="1" type="body"/>
@@ -1995,7 +2895,7 @@
 </file>
 
 <file path=ppt/slideLayouts/slideLayout1.xml><?xml version="1.0" encoding="utf-8"?>
-<p:sldLayout xmlns:a="http://schemas.openxmlformats.org/drawingml/2006/main" xmlns:r="http://schemas.openxmlformats.org/officeDocument/2006/relationships" xmlns:mc="http://schemas.openxmlformats.org/markup-compatibility/2006" xmlns:mv="urn:schemas-microsoft-com:mac:vml" xmlns:p="http://schemas.openxmlformats.org/presentationml/2006/main" xmlns:c="http://schemas.openxmlformats.org/drawingml/2006/chart" xmlns:dgm="http://schemas.openxmlformats.org/drawingml/2006/diagram" xmlns:o="urn:schemas-microsoft-com:office:office" xmlns:v="urn:schemas-microsoft-com:vml" xmlns:pvml="urn:schemas-microsoft-com:office:powerpoint" xmlns:com="http://schemas.openxmlformats.org/drawingml/2006/compatibility" xmlns:p14="http://schemas.microsoft.com/office/powerpoint/2010/main" xmlns:p15="http://schemas.microsoft.com/office/powerpoint/2012/main" matchingName="Title slide" type="title">
+<p:sldLayout xmlns:a="http://schemas.openxmlformats.org/drawingml/2006/main" xmlns:r="http://schemas.openxmlformats.org/officeDocument/2006/relationships" xmlns:mc="http://schemas.openxmlformats.org/markup-compatibility/2006" xmlns:mv="urn:schemas-microsoft-com:mac:vml" xmlns:p="http://schemas.openxmlformats.org/presentationml/2006/main" xmlns:c="http://schemas.openxmlformats.org/drawingml/2006/chart" xmlns:dgm="http://schemas.openxmlformats.org/drawingml/2006/diagram" xmlns:o="urn:schemas-microsoft-com:office:office" xmlns:v="urn:schemas-microsoft-com:vml" xmlns:pvml="urn:schemas-microsoft-com:office:powerpoint" xmlns:com="http://schemas.openxmlformats.org/drawingml/2006/compatibility" xmlns:p14="http://schemas.microsoft.com/office/powerpoint/2010/main" xmlns:p15="http://schemas.microsoft.com/office/powerpoint/2012/main" xmlns:ahyp="http://schemas.microsoft.com/office/drawing/2018/hyperlinkcolor" matchingName="Title slide" type="title">
   <p:cSld name="TITLE">
     <p:spTree>
       <p:nvGrpSpPr>
@@ -2527,7 +3427,7 @@
 </file>
 
 <file path=ppt/slideLayouts/slideLayout10.xml><?xml version="1.0" encoding="utf-8"?>
-<p:sldLayout xmlns:a="http://schemas.openxmlformats.org/drawingml/2006/main" xmlns:r="http://schemas.openxmlformats.org/officeDocument/2006/relationships" xmlns:mc="http://schemas.openxmlformats.org/markup-compatibility/2006" xmlns:mv="urn:schemas-microsoft-com:mac:vml" xmlns:p="http://schemas.openxmlformats.org/presentationml/2006/main" xmlns:c="http://schemas.openxmlformats.org/drawingml/2006/chart" xmlns:dgm="http://schemas.openxmlformats.org/drawingml/2006/diagram" xmlns:o="urn:schemas-microsoft-com:office:office" xmlns:v="urn:schemas-microsoft-com:vml" xmlns:pvml="urn:schemas-microsoft-com:office:powerpoint" xmlns:com="http://schemas.openxmlformats.org/drawingml/2006/compatibility" xmlns:p14="http://schemas.microsoft.com/office/powerpoint/2010/main" xmlns:p15="http://schemas.microsoft.com/office/powerpoint/2012/main" matchingName="Big number">
+<p:sldLayout xmlns:a="http://schemas.openxmlformats.org/drawingml/2006/main" xmlns:r="http://schemas.openxmlformats.org/officeDocument/2006/relationships" xmlns:mc="http://schemas.openxmlformats.org/markup-compatibility/2006" xmlns:mv="urn:schemas-microsoft-com:mac:vml" xmlns:p="http://schemas.openxmlformats.org/presentationml/2006/main" xmlns:c="http://schemas.openxmlformats.org/drawingml/2006/chart" xmlns:dgm="http://schemas.openxmlformats.org/drawingml/2006/diagram" xmlns:o="urn:schemas-microsoft-com:office:office" xmlns:v="urn:schemas-microsoft-com:vml" xmlns:pvml="urn:schemas-microsoft-com:office:powerpoint" xmlns:com="http://schemas.openxmlformats.org/drawingml/2006/compatibility" xmlns:p14="http://schemas.microsoft.com/office/powerpoint/2010/main" xmlns:p15="http://schemas.microsoft.com/office/powerpoint/2012/main" xmlns:ahyp="http://schemas.microsoft.com/office/drawing/2018/hyperlinkcolor" matchingName="Big number">
   <p:cSld name="BIG_NUMBER">
     <p:spTree>
       <p:nvGrpSpPr>
@@ -2946,7 +3846,7 @@
 </file>
 
 <file path=ppt/slideLayouts/slideLayout11.xml><?xml version="1.0" encoding="utf-8"?>
-<p:sldLayout xmlns:a="http://schemas.openxmlformats.org/drawingml/2006/main" xmlns:r="http://schemas.openxmlformats.org/officeDocument/2006/relationships" xmlns:mc="http://schemas.openxmlformats.org/markup-compatibility/2006" xmlns:mv="urn:schemas-microsoft-com:mac:vml" xmlns:p="http://schemas.openxmlformats.org/presentationml/2006/main" xmlns:c="http://schemas.openxmlformats.org/drawingml/2006/chart" xmlns:dgm="http://schemas.openxmlformats.org/drawingml/2006/diagram" xmlns:o="urn:schemas-microsoft-com:office:office" xmlns:v="urn:schemas-microsoft-com:vml" xmlns:pvml="urn:schemas-microsoft-com:office:powerpoint" xmlns:com="http://schemas.openxmlformats.org/drawingml/2006/compatibility" xmlns:p14="http://schemas.microsoft.com/office/powerpoint/2010/main" xmlns:p15="http://schemas.microsoft.com/office/powerpoint/2012/main" matchingName="Blank" type="blank">
+<p:sldLayout xmlns:a="http://schemas.openxmlformats.org/drawingml/2006/main" xmlns:r="http://schemas.openxmlformats.org/officeDocument/2006/relationships" xmlns:mc="http://schemas.openxmlformats.org/markup-compatibility/2006" xmlns:mv="urn:schemas-microsoft-com:mac:vml" xmlns:p="http://schemas.openxmlformats.org/presentationml/2006/main" xmlns:c="http://schemas.openxmlformats.org/drawingml/2006/chart" xmlns:dgm="http://schemas.openxmlformats.org/drawingml/2006/diagram" xmlns:o="urn:schemas-microsoft-com:office:office" xmlns:v="urn:schemas-microsoft-com:vml" xmlns:pvml="urn:schemas-microsoft-com:office:powerpoint" xmlns:com="http://schemas.openxmlformats.org/drawingml/2006/compatibility" xmlns:p14="http://schemas.microsoft.com/office/powerpoint/2010/main" xmlns:p15="http://schemas.microsoft.com/office/powerpoint/2012/main" xmlns:ahyp="http://schemas.microsoft.com/office/drawing/2018/hyperlinkcolor" matchingName="Blank" type="blank">
   <p:cSld name="BLANK">
     <p:spTree>
       <p:nvGrpSpPr>
@@ -3048,7 +3948,7 @@
 </file>
 
 <file path=ppt/slideLayouts/slideLayout2.xml><?xml version="1.0" encoding="utf-8"?>
-<p:sldLayout xmlns:a="http://schemas.openxmlformats.org/drawingml/2006/main" xmlns:r="http://schemas.openxmlformats.org/officeDocument/2006/relationships" xmlns:mc="http://schemas.openxmlformats.org/markup-compatibility/2006" xmlns:mv="urn:schemas-microsoft-com:mac:vml" xmlns:p="http://schemas.openxmlformats.org/presentationml/2006/main" xmlns:c="http://schemas.openxmlformats.org/drawingml/2006/chart" xmlns:dgm="http://schemas.openxmlformats.org/drawingml/2006/diagram" xmlns:o="urn:schemas-microsoft-com:office:office" xmlns:v="urn:schemas-microsoft-com:vml" xmlns:pvml="urn:schemas-microsoft-com:office:powerpoint" xmlns:com="http://schemas.openxmlformats.org/drawingml/2006/compatibility" xmlns:p14="http://schemas.microsoft.com/office/powerpoint/2010/main" xmlns:p15="http://schemas.microsoft.com/office/powerpoint/2012/main" matchingName="Section header" type="secHead">
+<p:sldLayout xmlns:a="http://schemas.openxmlformats.org/drawingml/2006/main" xmlns:r="http://schemas.openxmlformats.org/officeDocument/2006/relationships" xmlns:mc="http://schemas.openxmlformats.org/markup-compatibility/2006" xmlns:mv="urn:schemas-microsoft-com:mac:vml" xmlns:p="http://schemas.openxmlformats.org/presentationml/2006/main" xmlns:c="http://schemas.openxmlformats.org/drawingml/2006/chart" xmlns:dgm="http://schemas.openxmlformats.org/drawingml/2006/diagram" xmlns:o="urn:schemas-microsoft-com:office:office" xmlns:v="urn:schemas-microsoft-com:vml" xmlns:pvml="urn:schemas-microsoft-com:office:powerpoint" xmlns:com="http://schemas.openxmlformats.org/drawingml/2006/compatibility" xmlns:p14="http://schemas.microsoft.com/office/powerpoint/2010/main" xmlns:p15="http://schemas.microsoft.com/office/powerpoint/2012/main" xmlns:ahyp="http://schemas.microsoft.com/office/drawing/2018/hyperlinkcolor" matchingName="Section header" type="secHead">
   <p:cSld name="SECTION_HEADER">
     <p:spTree>
       <p:nvGrpSpPr>
@@ -3311,7 +4211,7 @@
 </file>
 
 <file path=ppt/slideLayouts/slideLayout3.xml><?xml version="1.0" encoding="utf-8"?>
-<p:sldLayout xmlns:a="http://schemas.openxmlformats.org/drawingml/2006/main" xmlns:r="http://schemas.openxmlformats.org/officeDocument/2006/relationships" xmlns:mc="http://schemas.openxmlformats.org/markup-compatibility/2006" xmlns:mv="urn:schemas-microsoft-com:mac:vml" xmlns:p="http://schemas.openxmlformats.org/presentationml/2006/main" xmlns:c="http://schemas.openxmlformats.org/drawingml/2006/chart" xmlns:dgm="http://schemas.openxmlformats.org/drawingml/2006/diagram" xmlns:o="urn:schemas-microsoft-com:office:office" xmlns:v="urn:schemas-microsoft-com:vml" xmlns:pvml="urn:schemas-microsoft-com:office:powerpoint" xmlns:com="http://schemas.openxmlformats.org/drawingml/2006/compatibility" xmlns:p14="http://schemas.microsoft.com/office/powerpoint/2010/main" xmlns:p15="http://schemas.microsoft.com/office/powerpoint/2012/main" matchingName="Title and body" type="tx">
+<p:sldLayout xmlns:a="http://schemas.openxmlformats.org/drawingml/2006/main" xmlns:r="http://schemas.openxmlformats.org/officeDocument/2006/relationships" xmlns:mc="http://schemas.openxmlformats.org/markup-compatibility/2006" xmlns:mv="urn:schemas-microsoft-com:mac:vml" xmlns:p="http://schemas.openxmlformats.org/presentationml/2006/main" xmlns:c="http://schemas.openxmlformats.org/drawingml/2006/chart" xmlns:dgm="http://schemas.openxmlformats.org/drawingml/2006/diagram" xmlns:o="urn:schemas-microsoft-com:office:office" xmlns:v="urn:schemas-microsoft-com:vml" xmlns:pvml="urn:schemas-microsoft-com:office:powerpoint" xmlns:com="http://schemas.openxmlformats.org/drawingml/2006/compatibility" xmlns:p14="http://schemas.microsoft.com/office/powerpoint/2010/main" xmlns:p15="http://schemas.microsoft.com/office/powerpoint/2012/main" xmlns:ahyp="http://schemas.microsoft.com/office/drawing/2018/hyperlinkcolor" matchingName="Title and body" type="tx">
   <p:cSld name="TITLE_AND_BODY">
     <p:spTree>
       <p:nvGrpSpPr>
@@ -3763,7 +4663,7 @@
 </file>
 
 <file path=ppt/slideLayouts/slideLayout4.xml><?xml version="1.0" encoding="utf-8"?>
-<p:sldLayout xmlns:a="http://schemas.openxmlformats.org/drawingml/2006/main" xmlns:r="http://schemas.openxmlformats.org/officeDocument/2006/relationships" xmlns:mc="http://schemas.openxmlformats.org/markup-compatibility/2006" xmlns:mv="urn:schemas-microsoft-com:mac:vml" xmlns:p="http://schemas.openxmlformats.org/presentationml/2006/main" xmlns:c="http://schemas.openxmlformats.org/drawingml/2006/chart" xmlns:dgm="http://schemas.openxmlformats.org/drawingml/2006/diagram" xmlns:o="urn:schemas-microsoft-com:office:office" xmlns:v="urn:schemas-microsoft-com:vml" xmlns:pvml="urn:schemas-microsoft-com:office:powerpoint" xmlns:com="http://schemas.openxmlformats.org/drawingml/2006/compatibility" xmlns:p14="http://schemas.microsoft.com/office/powerpoint/2010/main" xmlns:p15="http://schemas.microsoft.com/office/powerpoint/2012/main" matchingName="Title and two columns" type="twoColTx">
+<p:sldLayout xmlns:a="http://schemas.openxmlformats.org/drawingml/2006/main" xmlns:r="http://schemas.openxmlformats.org/officeDocument/2006/relationships" xmlns:mc="http://schemas.openxmlformats.org/markup-compatibility/2006" xmlns:mv="urn:schemas-microsoft-com:mac:vml" xmlns:p="http://schemas.openxmlformats.org/presentationml/2006/main" xmlns:c="http://schemas.openxmlformats.org/drawingml/2006/chart" xmlns:dgm="http://schemas.openxmlformats.org/drawingml/2006/diagram" xmlns:o="urn:schemas-microsoft-com:office:office" xmlns:v="urn:schemas-microsoft-com:vml" xmlns:pvml="urn:schemas-microsoft-com:office:powerpoint" xmlns:com="http://schemas.openxmlformats.org/drawingml/2006/compatibility" xmlns:p14="http://schemas.microsoft.com/office/powerpoint/2010/main" xmlns:p15="http://schemas.microsoft.com/office/powerpoint/2012/main" xmlns:ahyp="http://schemas.microsoft.com/office/drawing/2018/hyperlinkcolor" matchingName="Title and two columns" type="twoColTx">
   <p:cSld name="TITLE_AND_TWO_COLUMNS">
     <p:spTree>
       <p:nvGrpSpPr>
@@ -4340,7 +5240,7 @@
 </file>
 
 <file path=ppt/slideLayouts/slideLayout5.xml><?xml version="1.0" encoding="utf-8"?>
-<p:sldLayout xmlns:a="http://schemas.openxmlformats.org/drawingml/2006/main" xmlns:r="http://schemas.openxmlformats.org/officeDocument/2006/relationships" xmlns:mc="http://schemas.openxmlformats.org/markup-compatibility/2006" xmlns:mv="urn:schemas-microsoft-com:mac:vml" xmlns:p="http://schemas.openxmlformats.org/presentationml/2006/main" xmlns:c="http://schemas.openxmlformats.org/drawingml/2006/chart" xmlns:dgm="http://schemas.openxmlformats.org/drawingml/2006/diagram" xmlns:o="urn:schemas-microsoft-com:office:office" xmlns:v="urn:schemas-microsoft-com:vml" xmlns:pvml="urn:schemas-microsoft-com:office:powerpoint" xmlns:com="http://schemas.openxmlformats.org/drawingml/2006/compatibility" xmlns:p14="http://schemas.microsoft.com/office/powerpoint/2010/main" xmlns:p15="http://schemas.microsoft.com/office/powerpoint/2012/main" matchingName="Title only" type="titleOnly">
+<p:sldLayout xmlns:a="http://schemas.openxmlformats.org/drawingml/2006/main" xmlns:r="http://schemas.openxmlformats.org/officeDocument/2006/relationships" xmlns:mc="http://schemas.openxmlformats.org/markup-compatibility/2006" xmlns:mv="urn:schemas-microsoft-com:mac:vml" xmlns:p="http://schemas.openxmlformats.org/presentationml/2006/main" xmlns:c="http://schemas.openxmlformats.org/drawingml/2006/chart" xmlns:dgm="http://schemas.openxmlformats.org/drawingml/2006/diagram" xmlns:o="urn:schemas-microsoft-com:office:office" xmlns:v="urn:schemas-microsoft-com:vml" xmlns:pvml="urn:schemas-microsoft-com:office:powerpoint" xmlns:com="http://schemas.openxmlformats.org/drawingml/2006/compatibility" xmlns:p14="http://schemas.microsoft.com/office/powerpoint/2010/main" xmlns:p15="http://schemas.microsoft.com/office/powerpoint/2012/main" xmlns:ahyp="http://schemas.microsoft.com/office/drawing/2018/hyperlinkcolor" matchingName="Title only" type="titleOnly">
   <p:cSld name="TITLE_ONLY">
     <p:spTree>
       <p:nvGrpSpPr>
@@ -4667,7 +5567,7 @@
 </file>
 
 <file path=ppt/slideLayouts/slideLayout6.xml><?xml version="1.0" encoding="utf-8"?>
-<p:sldLayout xmlns:a="http://schemas.openxmlformats.org/drawingml/2006/main" xmlns:r="http://schemas.openxmlformats.org/officeDocument/2006/relationships" xmlns:mc="http://schemas.openxmlformats.org/markup-compatibility/2006" xmlns:mv="urn:schemas-microsoft-com:mac:vml" xmlns:p="http://schemas.openxmlformats.org/presentationml/2006/main" xmlns:c="http://schemas.openxmlformats.org/drawingml/2006/chart" xmlns:dgm="http://schemas.openxmlformats.org/drawingml/2006/diagram" xmlns:o="urn:schemas-microsoft-com:office:office" xmlns:v="urn:schemas-microsoft-com:vml" xmlns:pvml="urn:schemas-microsoft-com:office:powerpoint" xmlns:com="http://schemas.openxmlformats.org/drawingml/2006/compatibility" xmlns:p14="http://schemas.microsoft.com/office/powerpoint/2010/main" xmlns:p15="http://schemas.microsoft.com/office/powerpoint/2012/main" matchingName="One column text">
+<p:sldLayout xmlns:a="http://schemas.openxmlformats.org/drawingml/2006/main" xmlns:r="http://schemas.openxmlformats.org/officeDocument/2006/relationships" xmlns:mc="http://schemas.openxmlformats.org/markup-compatibility/2006" xmlns:mv="urn:schemas-microsoft-com:mac:vml" xmlns:p="http://schemas.openxmlformats.org/presentationml/2006/main" xmlns:c="http://schemas.openxmlformats.org/drawingml/2006/chart" xmlns:dgm="http://schemas.openxmlformats.org/drawingml/2006/diagram" xmlns:o="urn:schemas-microsoft-com:office:office" xmlns:v="urn:schemas-microsoft-com:vml" xmlns:pvml="urn:schemas-microsoft-com:office:powerpoint" xmlns:com="http://schemas.openxmlformats.org/drawingml/2006/compatibility" xmlns:p14="http://schemas.microsoft.com/office/powerpoint/2010/main" xmlns:p15="http://schemas.microsoft.com/office/powerpoint/2012/main" xmlns:ahyp="http://schemas.microsoft.com/office/drawing/2018/hyperlinkcolor" matchingName="One column text">
   <p:cSld name="ONE_COLUMN_TEXT">
     <p:spTree>
       <p:nvGrpSpPr>
@@ -5182,7 +6082,7 @@
 </file>
 
 <file path=ppt/slideLayouts/slideLayout7.xml><?xml version="1.0" encoding="utf-8"?>
-<p:sldLayout xmlns:a="http://schemas.openxmlformats.org/drawingml/2006/main" xmlns:r="http://schemas.openxmlformats.org/officeDocument/2006/relationships" xmlns:mc="http://schemas.openxmlformats.org/markup-compatibility/2006" xmlns:mv="urn:schemas-microsoft-com:mac:vml" xmlns:p="http://schemas.openxmlformats.org/presentationml/2006/main" xmlns:c="http://schemas.openxmlformats.org/drawingml/2006/chart" xmlns:dgm="http://schemas.openxmlformats.org/drawingml/2006/diagram" xmlns:o="urn:schemas-microsoft-com:office:office" xmlns:v="urn:schemas-microsoft-com:vml" xmlns:pvml="urn:schemas-microsoft-com:office:powerpoint" xmlns:com="http://schemas.openxmlformats.org/drawingml/2006/compatibility" xmlns:p14="http://schemas.microsoft.com/office/powerpoint/2010/main" xmlns:p15="http://schemas.microsoft.com/office/powerpoint/2012/main" matchingName="Main point">
+<p:sldLayout xmlns:a="http://schemas.openxmlformats.org/drawingml/2006/main" xmlns:r="http://schemas.openxmlformats.org/officeDocument/2006/relationships" xmlns:mc="http://schemas.openxmlformats.org/markup-compatibility/2006" xmlns:mv="urn:schemas-microsoft-com:mac:vml" xmlns:p="http://schemas.openxmlformats.org/presentationml/2006/main" xmlns:c="http://schemas.openxmlformats.org/drawingml/2006/chart" xmlns:dgm="http://schemas.openxmlformats.org/drawingml/2006/diagram" xmlns:o="urn:schemas-microsoft-com:office:office" xmlns:v="urn:schemas-microsoft-com:vml" xmlns:pvml="urn:schemas-microsoft-com:office:powerpoint" xmlns:com="http://schemas.openxmlformats.org/drawingml/2006/compatibility" xmlns:p14="http://schemas.microsoft.com/office/powerpoint/2010/main" xmlns:p15="http://schemas.microsoft.com/office/powerpoint/2012/main" xmlns:ahyp="http://schemas.microsoft.com/office/drawing/2018/hyperlinkcolor" matchingName="Main point">
   <p:cSld name="MAIN_POINT">
     <p:spTree>
       <p:nvGrpSpPr>
@@ -5445,7 +6345,7 @@
 </file>
 
 <file path=ppt/slideLayouts/slideLayout8.xml><?xml version="1.0" encoding="utf-8"?>
-<p:sldLayout xmlns:a="http://schemas.openxmlformats.org/drawingml/2006/main" xmlns:r="http://schemas.openxmlformats.org/officeDocument/2006/relationships" xmlns:mc="http://schemas.openxmlformats.org/markup-compatibility/2006" xmlns:mv="urn:schemas-microsoft-com:mac:vml" xmlns:p="http://schemas.openxmlformats.org/presentationml/2006/main" xmlns:c="http://schemas.openxmlformats.org/drawingml/2006/chart" xmlns:dgm="http://schemas.openxmlformats.org/drawingml/2006/diagram" xmlns:o="urn:schemas-microsoft-com:office:office" xmlns:v="urn:schemas-microsoft-com:vml" xmlns:pvml="urn:schemas-microsoft-com:office:powerpoint" xmlns:com="http://schemas.openxmlformats.org/drawingml/2006/compatibility" xmlns:p14="http://schemas.microsoft.com/office/powerpoint/2010/main" xmlns:p15="http://schemas.microsoft.com/office/powerpoint/2012/main" matchingName="Section title and description">
+<p:sldLayout xmlns:a="http://schemas.openxmlformats.org/drawingml/2006/main" xmlns:r="http://schemas.openxmlformats.org/officeDocument/2006/relationships" xmlns:mc="http://schemas.openxmlformats.org/markup-compatibility/2006" xmlns:mv="urn:schemas-microsoft-com:mac:vml" xmlns:p="http://schemas.openxmlformats.org/presentationml/2006/main" xmlns:c="http://schemas.openxmlformats.org/drawingml/2006/chart" xmlns:dgm="http://schemas.openxmlformats.org/drawingml/2006/diagram" xmlns:o="urn:schemas-microsoft-com:office:office" xmlns:v="urn:schemas-microsoft-com:vml" xmlns:pvml="urn:schemas-microsoft-com:office:powerpoint" xmlns:com="http://schemas.openxmlformats.org/drawingml/2006/compatibility" xmlns:p14="http://schemas.microsoft.com/office/powerpoint/2010/main" xmlns:p15="http://schemas.microsoft.com/office/powerpoint/2012/main" xmlns:ahyp="http://schemas.microsoft.com/office/drawing/2018/hyperlinkcolor" matchingName="Section title and description">
   <p:cSld name="SECTION_TITLE_AND_DESCRIPTION">
     <p:spTree>
       <p:nvGrpSpPr>
@@ -6211,7 +7111,7 @@
 </file>
 
 <file path=ppt/slideLayouts/slideLayout9.xml><?xml version="1.0" encoding="utf-8"?>
-<p:sldLayout xmlns:a="http://schemas.openxmlformats.org/drawingml/2006/main" xmlns:r="http://schemas.openxmlformats.org/officeDocument/2006/relationships" xmlns:mc="http://schemas.openxmlformats.org/markup-compatibility/2006" xmlns:mv="urn:schemas-microsoft-com:mac:vml" xmlns:p="http://schemas.openxmlformats.org/presentationml/2006/main" xmlns:c="http://schemas.openxmlformats.org/drawingml/2006/chart" xmlns:dgm="http://schemas.openxmlformats.org/drawingml/2006/diagram" xmlns:o="urn:schemas-microsoft-com:office:office" xmlns:v="urn:schemas-microsoft-com:vml" xmlns:pvml="urn:schemas-microsoft-com:office:powerpoint" xmlns:com="http://schemas.openxmlformats.org/drawingml/2006/compatibility" xmlns:p14="http://schemas.microsoft.com/office/powerpoint/2010/main" xmlns:p15="http://schemas.microsoft.com/office/powerpoint/2012/main" matchingName="Caption">
+<p:sldLayout xmlns:a="http://schemas.openxmlformats.org/drawingml/2006/main" xmlns:r="http://schemas.openxmlformats.org/officeDocument/2006/relationships" xmlns:mc="http://schemas.openxmlformats.org/markup-compatibility/2006" xmlns:mv="urn:schemas-microsoft-com:mac:vml" xmlns:p="http://schemas.openxmlformats.org/presentationml/2006/main" xmlns:c="http://schemas.openxmlformats.org/drawingml/2006/chart" xmlns:dgm="http://schemas.openxmlformats.org/drawingml/2006/diagram" xmlns:o="urn:schemas-microsoft-com:office:office" xmlns:v="urn:schemas-microsoft-com:vml" xmlns:pvml="urn:schemas-microsoft-com:office:powerpoint" xmlns:com="http://schemas.openxmlformats.org/drawingml/2006/compatibility" xmlns:p14="http://schemas.microsoft.com/office/powerpoint/2010/main" xmlns:p15="http://schemas.microsoft.com/office/powerpoint/2012/main" xmlns:ahyp="http://schemas.microsoft.com/office/drawing/2018/hyperlinkcolor" matchingName="Caption">
   <p:cSld name="CAPTION_ONLY">
     <p:spTree>
       <p:nvGrpSpPr>
@@ -6496,7 +7396,7 @@
 </file>
 
 <file path=ppt/slideMasters/slideMaster1.xml><?xml version="1.0" encoding="utf-8"?>
-<p:sldMaster xmlns:a="http://schemas.openxmlformats.org/drawingml/2006/main" xmlns:r="http://schemas.openxmlformats.org/officeDocument/2006/relationships" xmlns:mc="http://schemas.openxmlformats.org/markup-compatibility/2006" xmlns:mv="urn:schemas-microsoft-com:mac:vml" xmlns:p="http://schemas.openxmlformats.org/presentationml/2006/main" xmlns:c="http://schemas.openxmlformats.org/drawingml/2006/chart" xmlns:dgm="http://schemas.openxmlformats.org/drawingml/2006/diagram" xmlns:o="urn:schemas-microsoft-com:office:office" xmlns:v="urn:schemas-microsoft-com:vml" xmlns:pvml="urn:schemas-microsoft-com:office:powerpoint" xmlns:com="http://schemas.openxmlformats.org/drawingml/2006/compatibility" xmlns:p14="http://schemas.microsoft.com/office/powerpoint/2010/main" xmlns:p15="http://schemas.microsoft.com/office/powerpoint/2012/main">
+<p:sldMaster xmlns:a="http://schemas.openxmlformats.org/drawingml/2006/main" xmlns:r="http://schemas.openxmlformats.org/officeDocument/2006/relationships" xmlns:mc="http://schemas.openxmlformats.org/markup-compatibility/2006" xmlns:mv="urn:schemas-microsoft-com:mac:vml" xmlns:p="http://schemas.openxmlformats.org/presentationml/2006/main" xmlns:c="http://schemas.openxmlformats.org/drawingml/2006/chart" xmlns:dgm="http://schemas.openxmlformats.org/drawingml/2006/diagram" xmlns:o="urn:schemas-microsoft-com:office:office" xmlns:v="urn:schemas-microsoft-com:vml" xmlns:pvml="urn:schemas-microsoft-com:office:powerpoint" xmlns:com="http://schemas.openxmlformats.org/drawingml/2006/compatibility" xmlns:p14="http://schemas.microsoft.com/office/powerpoint/2010/main" xmlns:p15="http://schemas.microsoft.com/office/powerpoint/2012/main" xmlns:ahyp="http://schemas.microsoft.com/office/drawing/2018/hyperlinkcolor">
   <p:cSld name="material">
     <p:bg>
       <p:bgPr>
@@ -7883,7 +8783,7 @@
 </file>
 
 <file path=ppt/slides/slide1.xml><?xml version="1.0" encoding="utf-8"?>
-<p:sld xmlns:a="http://schemas.openxmlformats.org/drawingml/2006/main" xmlns:r="http://schemas.openxmlformats.org/officeDocument/2006/relationships" xmlns:mc="http://schemas.openxmlformats.org/markup-compatibility/2006" xmlns:mv="urn:schemas-microsoft-com:mac:vml" xmlns:p="http://schemas.openxmlformats.org/presentationml/2006/main" xmlns:c="http://schemas.openxmlformats.org/drawingml/2006/chart" xmlns:dgm="http://schemas.openxmlformats.org/drawingml/2006/diagram" xmlns:o="urn:schemas-microsoft-com:office:office" xmlns:v="urn:schemas-microsoft-com:vml" xmlns:pvml="urn:schemas-microsoft-com:office:powerpoint" xmlns:com="http://schemas.openxmlformats.org/drawingml/2006/compatibility" xmlns:p14="http://schemas.microsoft.com/office/powerpoint/2010/main" xmlns:p15="http://schemas.microsoft.com/office/powerpoint/2012/main">
+<p:sld xmlns:a="http://schemas.openxmlformats.org/drawingml/2006/main" xmlns:r="http://schemas.openxmlformats.org/officeDocument/2006/relationships" xmlns:mc="http://schemas.openxmlformats.org/markup-compatibility/2006" xmlns:mv="urn:schemas-microsoft-com:mac:vml" xmlns:p="http://schemas.openxmlformats.org/presentationml/2006/main" xmlns:c="http://schemas.openxmlformats.org/drawingml/2006/chart" xmlns:dgm="http://schemas.openxmlformats.org/drawingml/2006/diagram" xmlns:o="urn:schemas-microsoft-com:office:office" xmlns:v="urn:schemas-microsoft-com:vml" xmlns:pvml="urn:schemas-microsoft-com:office:powerpoint" xmlns:com="http://schemas.openxmlformats.org/drawingml/2006/compatibility" xmlns:p14="http://schemas.microsoft.com/office/powerpoint/2010/main" xmlns:p15="http://schemas.microsoft.com/office/powerpoint/2012/main" xmlns:ahyp="http://schemas.microsoft.com/office/drawing/2018/hyperlinkcolor">
   <p:cSld>
     <p:spTree>
       <p:nvGrpSpPr>
@@ -7962,7 +8862,7 @@
           </a:bodyPr>
           <a:lstStyle/>
           <a:p>
-            <a:pPr indent="0" lvl="0" marL="0" rtl="0" algn="ctr">
+            <a:pPr indent="0" lvl="0" marL="0" rtl="0" algn="just">
               <a:spcBef>
                 <a:spcPts val="0"/>
               </a:spcBef>
@@ -7990,10 +8890,10 @@
             <a:r>
               <a:t/>
             </a:r>
-            <a:endParaRPr/>
+            <a:endParaRPr sz="1400"/>
           </a:p>
           <a:p>
-            <a:pPr indent="0" lvl="0" marL="0" rtl="0" algn="ctr">
+            <a:pPr indent="0" lvl="0" marL="0" rtl="0" algn="just">
               <a:spcBef>
                 <a:spcPts val="0"/>
               </a:spcBef>
@@ -8003,10 +8903,10 @@
               <a:buNone/>
             </a:pPr>
             <a:r>
-              <a:rPr lang="it"/>
+              <a:rPr lang="it" sz="1400"/>
               <a:t>Maven Project - JavaFX Application</a:t>
             </a:r>
-            <a:endParaRPr/>
+            <a:endParaRPr sz="1400"/>
           </a:p>
           <a:p>
             <a:pPr indent="0" lvl="0" marL="0" rtl="0" algn="l">
@@ -8053,6 +8953,67 @@
           </a:ln>
         </p:spPr>
       </p:pic>
+      <p:sp>
+        <p:nvSpPr>
+          <p:cNvPr id="70" name="Google Shape;70;p13"/>
+          <p:cNvSpPr txBox="1"/>
+          <p:nvPr/>
+        </p:nvSpPr>
+        <p:spPr>
+          <a:xfrm>
+            <a:off x="281975" y="4575700"/>
+            <a:ext cx="4524300" cy="275700"/>
+          </a:xfrm>
+          <a:prstGeom prst="rect">
+            <a:avLst/>
+          </a:prstGeom>
+          <a:noFill/>
+          <a:ln>
+            <a:noFill/>
+          </a:ln>
+        </p:spPr>
+        <p:txBody>
+          <a:bodyPr anchorCtr="0" anchor="t" bIns="91425" lIns="91425" spcFirstLastPara="1" rIns="91425" wrap="square" tIns="91425">
+            <a:noAutofit/>
+          </a:bodyPr>
+          <a:lstStyle/>
+          <a:p>
+            <a:pPr indent="0" lvl="0" marL="0" rtl="0" algn="just">
+              <a:lnSpc>
+                <a:spcPct val="150000"/>
+              </a:lnSpc>
+              <a:spcBef>
+                <a:spcPts val="0"/>
+              </a:spcBef>
+              <a:spcAft>
+                <a:spcPts val="0"/>
+              </a:spcAft>
+              <a:buNone/>
+            </a:pPr>
+            <a:r>
+              <a:rPr lang="it">
+                <a:solidFill>
+                  <a:schemeClr val="lt1"/>
+                </a:solidFill>
+                <a:latin typeface="Roboto"/>
+                <a:ea typeface="Roboto"/>
+                <a:cs typeface="Roboto"/>
+                <a:sym typeface="Roboto"/>
+              </a:rPr>
+              <a:t>https://github.com/danielepelleg/VoIP</a:t>
+            </a:r>
+            <a:endParaRPr>
+              <a:solidFill>
+                <a:schemeClr val="lt1"/>
+              </a:solidFill>
+              <a:latin typeface="Roboto"/>
+              <a:ea typeface="Roboto"/>
+              <a:cs typeface="Roboto"/>
+              <a:sym typeface="Roboto"/>
+            </a:endParaRPr>
+          </a:p>
+        </p:txBody>
+      </p:sp>
     </p:spTree>
   </p:cSld>
   <p:clrMapOvr>
@@ -8062,18 +9023,11 @@
 </file>
 
 <file path=ppt/slides/slide10.xml><?xml version="1.0" encoding="utf-8"?>
-<p:sld xmlns:a="http://schemas.openxmlformats.org/drawingml/2006/main" xmlns:r="http://schemas.openxmlformats.org/officeDocument/2006/relationships" xmlns:mc="http://schemas.openxmlformats.org/markup-compatibility/2006" xmlns:mv="urn:schemas-microsoft-com:mac:vml" xmlns:p="http://schemas.openxmlformats.org/presentationml/2006/main" xmlns:c="http://schemas.openxmlformats.org/drawingml/2006/chart" xmlns:dgm="http://schemas.openxmlformats.org/drawingml/2006/diagram" xmlns:o="urn:schemas-microsoft-com:office:office" xmlns:v="urn:schemas-microsoft-com:vml" xmlns:pvml="urn:schemas-microsoft-com:office:powerpoint" xmlns:com="http://schemas.openxmlformats.org/drawingml/2006/compatibility" xmlns:p14="http://schemas.microsoft.com/office/powerpoint/2010/main" xmlns:p15="http://schemas.microsoft.com/office/powerpoint/2012/main">
+<p:sld xmlns:a="http://schemas.openxmlformats.org/drawingml/2006/main" xmlns:r="http://schemas.openxmlformats.org/officeDocument/2006/relationships" xmlns:mc="http://schemas.openxmlformats.org/markup-compatibility/2006" xmlns:mv="urn:schemas-microsoft-com:mac:vml" xmlns:p="http://schemas.openxmlformats.org/presentationml/2006/main" xmlns:c="http://schemas.openxmlformats.org/drawingml/2006/chart" xmlns:dgm="http://schemas.openxmlformats.org/drawingml/2006/diagram" xmlns:o="urn:schemas-microsoft-com:office:office" xmlns:v="urn:schemas-microsoft-com:vml" xmlns:pvml="urn:schemas-microsoft-com:office:powerpoint" xmlns:com="http://schemas.openxmlformats.org/drawingml/2006/compatibility" xmlns:p14="http://schemas.microsoft.com/office/powerpoint/2010/main" xmlns:p15="http://schemas.microsoft.com/office/powerpoint/2012/main" xmlns:ahyp="http://schemas.microsoft.com/office/drawing/2018/hyperlinkcolor">
   <p:cSld>
-    <p:bg>
-      <p:bgPr>
-        <a:solidFill>
-          <a:srgbClr val="E1F1F4"/>
-        </a:solidFill>
-      </p:bgPr>
-    </p:bg>
     <p:spTree>
       <p:nvGrpSpPr>
-        <p:cNvPr id="120" name="Shape 120"/>
+        <p:cNvPr id="130" name="Shape 130"/>
         <p:cNvGrpSpPr/>
         <p:nvPr/>
       </p:nvGrpSpPr>
@@ -8087,23 +9041,23 @@
       </p:grpSpPr>
       <p:sp>
         <p:nvSpPr>
-          <p:cNvPr id="121" name="Google Shape;121;p22"/>
+          <p:cNvPr id="131" name="Google Shape;131;p22"/>
           <p:cNvSpPr txBox="1"/>
           <p:nvPr>
-            <p:ph type="title"/>
+            <p:ph type="ctrTitle"/>
           </p:nvPr>
         </p:nvSpPr>
         <p:spPr>
           <a:xfrm>
-            <a:off x="2456088" y="199625"/>
-            <a:ext cx="4110900" cy="506400"/>
+            <a:off x="390525" y="1819275"/>
+            <a:ext cx="8222100" cy="933600"/>
           </a:xfrm>
           <a:prstGeom prst="rect">
             <a:avLst/>
           </a:prstGeom>
         </p:spPr>
         <p:txBody>
-          <a:bodyPr anchorCtr="0" anchor="ctr" bIns="91425" lIns="91425" spcFirstLastPara="1" rIns="91425" wrap="square" tIns="91425">
+          <a:bodyPr anchorCtr="0" anchor="b" bIns="91425" lIns="91425" spcFirstLastPara="1" rIns="91425" wrap="square" tIns="91425">
             <a:noAutofit/>
           </a:bodyPr>
           <a:lstStyle/>
@@ -8118,84 +9072,53 @@
               <a:buNone/>
             </a:pPr>
             <a:r>
-              <a:rPr b="1" lang="it" sz="2400">
-                <a:solidFill>
-                  <a:srgbClr val="226AA4"/>
-                </a:solidFill>
-              </a:rPr>
-              <a:t>Socket Timeout Exception</a:t>
+              <a:rPr lang="it"/>
+              <a:t>Interfaccia grafica</a:t>
             </a:r>
-            <a:endParaRPr b="1" sz="2400">
-              <a:solidFill>
-                <a:srgbClr val="226AA4"/>
-              </a:solidFill>
-            </a:endParaRPr>
+            <a:endParaRPr/>
           </a:p>
         </p:txBody>
       </p:sp>
-      <p:pic>
-        <p:nvPicPr>
-          <p:cNvPr id="122" name="Google Shape;122;p22"/>
-          <p:cNvPicPr preferRelativeResize="0"/>
-          <p:nvPr/>
-        </p:nvPicPr>
-        <p:blipFill>
-          <a:blip r:embed="rId3">
-            <a:alphaModFix/>
-          </a:blip>
-          <a:stretch>
-            <a:fillRect/>
-          </a:stretch>
-        </p:blipFill>
-        <p:spPr>
-          <a:xfrm>
-            <a:off x="240375" y="849925"/>
-            <a:ext cx="8185243" cy="4039150"/>
+      <p:sp>
+        <p:nvSpPr>
+          <p:cNvPr id="132" name="Google Shape;132;p22"/>
+          <p:cNvSpPr txBox="1"/>
+          <p:nvPr>
+            <p:ph idx="1" type="subTitle"/>
+          </p:nvPr>
+        </p:nvSpPr>
+        <p:spPr>
+          <a:xfrm>
+            <a:off x="390525" y="2789130"/>
+            <a:ext cx="8222100" cy="432900"/>
           </a:xfrm>
           <a:prstGeom prst="rect">
             <a:avLst/>
           </a:prstGeom>
-          <a:noFill/>
-          <a:ln>
-            <a:noFill/>
-          </a:ln>
-        </p:spPr>
-      </p:pic>
-      <p:pic>
-        <p:nvPicPr>
-          <p:cNvPr id="123" name="Google Shape;123;p22"/>
-          <p:cNvPicPr preferRelativeResize="0"/>
-          <p:nvPr/>
-        </p:nvPicPr>
-        <p:blipFill>
-          <a:blip r:embed="rId4">
-            <a:alphaModFix/>
-          </a:blip>
-          <a:stretch>
-            <a:fillRect/>
-          </a:stretch>
-        </p:blipFill>
-        <p:spPr>
-          <a:xfrm>
-            <a:off x="4730950" y="3007350"/>
-            <a:ext cx="4344924" cy="2076550"/>
-          </a:xfrm>
-          <a:prstGeom prst="rect">
-            <a:avLst/>
-          </a:prstGeom>
-          <a:noFill/>
-          <a:ln>
-            <a:noFill/>
-          </a:ln>
-          <a:effectLst>
-            <a:outerShdw blurRad="57150" rotWithShape="0" algn="bl" dir="840000" dist="19050">
-              <a:srgbClr val="E1F1F4">
-                <a:alpha val="18000"/>
-              </a:srgbClr>
-            </a:outerShdw>
-          </a:effectLst>
-        </p:spPr>
-      </p:pic>
+        </p:spPr>
+        <p:txBody>
+          <a:bodyPr anchorCtr="0" anchor="t" bIns="91425" lIns="91425" spcFirstLastPara="1" rIns="91425" wrap="square" tIns="91425">
+            <a:noAutofit/>
+          </a:bodyPr>
+          <a:lstStyle/>
+          <a:p>
+            <a:pPr indent="0" lvl="0" marL="0" rtl="0" algn="ctr">
+              <a:spcBef>
+                <a:spcPts val="0"/>
+              </a:spcBef>
+              <a:spcAft>
+                <a:spcPts val="0"/>
+              </a:spcAft>
+              <a:buNone/>
+            </a:pPr>
+            <a:r>
+              <a:rPr lang="it"/>
+              <a:t>Come si presenta l’applicazione</a:t>
+            </a:r>
+            <a:endParaRPr/>
+          </a:p>
+        </p:txBody>
+      </p:sp>
     </p:spTree>
   </p:cSld>
   <p:clrMapOvr>
@@ -8205,18 +9128,11 @@
 </file>
 
 <file path=ppt/slides/slide11.xml><?xml version="1.0" encoding="utf-8"?>
-<p:sld xmlns:a="http://schemas.openxmlformats.org/drawingml/2006/main" xmlns:r="http://schemas.openxmlformats.org/officeDocument/2006/relationships" xmlns:mc="http://schemas.openxmlformats.org/markup-compatibility/2006" xmlns:mv="urn:schemas-microsoft-com:mac:vml" xmlns:p="http://schemas.openxmlformats.org/presentationml/2006/main" xmlns:c="http://schemas.openxmlformats.org/drawingml/2006/chart" xmlns:dgm="http://schemas.openxmlformats.org/drawingml/2006/diagram" xmlns:o="urn:schemas-microsoft-com:office:office" xmlns:v="urn:schemas-microsoft-com:vml" xmlns:pvml="urn:schemas-microsoft-com:office:powerpoint" xmlns:com="http://schemas.openxmlformats.org/drawingml/2006/compatibility" xmlns:p14="http://schemas.microsoft.com/office/powerpoint/2010/main" xmlns:p15="http://schemas.microsoft.com/office/powerpoint/2012/main">
+<p:sld xmlns:a="http://schemas.openxmlformats.org/drawingml/2006/main" xmlns:r="http://schemas.openxmlformats.org/officeDocument/2006/relationships" xmlns:mc="http://schemas.openxmlformats.org/markup-compatibility/2006" xmlns:mv="urn:schemas-microsoft-com:mac:vml" xmlns:p="http://schemas.openxmlformats.org/presentationml/2006/main" xmlns:c="http://schemas.openxmlformats.org/drawingml/2006/chart" xmlns:dgm="http://schemas.openxmlformats.org/drawingml/2006/diagram" xmlns:o="urn:schemas-microsoft-com:office:office" xmlns:v="urn:schemas-microsoft-com:vml" xmlns:pvml="urn:schemas-microsoft-com:office:powerpoint" xmlns:com="http://schemas.openxmlformats.org/drawingml/2006/compatibility" xmlns:p14="http://schemas.microsoft.com/office/powerpoint/2010/main" xmlns:p15="http://schemas.microsoft.com/office/powerpoint/2012/main" xmlns:ahyp="http://schemas.microsoft.com/office/drawing/2018/hyperlinkcolor">
   <p:cSld>
-    <p:bg>
-      <p:bgPr>
-        <a:solidFill>
-          <a:srgbClr val="E1F1F4"/>
-        </a:solidFill>
-      </p:bgPr>
-    </p:bg>
     <p:spTree>
       <p:nvGrpSpPr>
-        <p:cNvPr id="127" name="Shape 127"/>
+        <p:cNvPr id="136" name="Shape 136"/>
         <p:cNvGrpSpPr/>
         <p:nvPr/>
       </p:nvGrpSpPr>
@@ -8230,7 +9146,7 @@
       </p:grpSpPr>
       <p:sp>
         <p:nvSpPr>
-          <p:cNvPr id="128" name="Google Shape;128;p23"/>
+          <p:cNvPr id="137" name="Google Shape;137;p23"/>
           <p:cNvSpPr txBox="1"/>
           <p:nvPr>
             <p:ph type="title"/>
@@ -8238,20 +9154,20 @@
         </p:nvSpPr>
         <p:spPr>
           <a:xfrm>
-            <a:off x="226063" y="315725"/>
-            <a:ext cx="2808000" cy="547200"/>
+            <a:off x="0" y="16350"/>
+            <a:ext cx="9144000" cy="602700"/>
           </a:xfrm>
           <a:prstGeom prst="rect">
             <a:avLst/>
           </a:prstGeom>
         </p:spPr>
         <p:txBody>
-          <a:bodyPr anchorCtr="0" anchor="b" bIns="91425" lIns="91425" spcFirstLastPara="1" rIns="91425" wrap="square" tIns="91425">
+          <a:bodyPr anchorCtr="0" anchor="ctr" bIns="91425" lIns="91425" spcFirstLastPara="1" rIns="91425" wrap="square" tIns="91425">
             <a:noAutofit/>
           </a:bodyPr>
           <a:lstStyle/>
           <a:p>
-            <a:pPr indent="0" lvl="0" marL="0" rtl="0" algn="l">
+            <a:pPr indent="0" lvl="0" marL="0" rtl="0" algn="ctr">
               <a:spcBef>
                 <a:spcPts val="0"/>
               </a:spcBef>
@@ -8261,16 +9177,16 @@
               <a:buNone/>
             </a:pPr>
             <a:r>
-              <a:rPr b="1" lang="it">
-                <a:solidFill>
-                  <a:srgbClr val="226AA4"/>
+              <a:rPr b="1" lang="it" sz="2400">
+                <a:solidFill>
+                  <a:srgbClr val="FFFFFF"/>
                 </a:solidFill>
               </a:rPr>
-              <a:t>RTP Packet Class</a:t>
+              <a:t>GUI</a:t>
             </a:r>
-            <a:endParaRPr b="1">
+            <a:endParaRPr>
               <a:solidFill>
-                <a:srgbClr val="226AA4"/>
+                <a:srgbClr val="FFFFFF"/>
               </a:solidFill>
             </a:endParaRPr>
           </a:p>
@@ -8278,7 +9194,7 @@
       </p:sp>
       <p:pic>
         <p:nvPicPr>
-          <p:cNvPr id="129" name="Google Shape;129;p23"/>
+          <p:cNvPr id="138" name="Google Shape;138;p23"/>
           <p:cNvPicPr preferRelativeResize="0"/>
           <p:nvPr/>
         </p:nvPicPr>
@@ -8292,21 +9208,34 @@
         </p:blipFill>
         <p:spPr>
           <a:xfrm>
-            <a:off x="4052225" y="0"/>
-            <a:ext cx="4338859" cy="5143499"/>
+            <a:off x="265312" y="955988"/>
+            <a:ext cx="3781375" cy="2811334"/>
           </a:xfrm>
           <a:prstGeom prst="rect">
             <a:avLst/>
           </a:prstGeom>
           <a:noFill/>
-          <a:ln>
-            <a:noFill/>
+          <a:ln cap="flat" cmpd="sng" w="9525">
+            <a:solidFill>
+              <a:schemeClr val="lt1"/>
+            </a:solidFill>
+            <a:prstDash val="solid"/>
+            <a:bevel/>
+            <a:headEnd len="sm" w="sm" type="none"/>
+            <a:tailEnd len="sm" w="sm" type="none"/>
           </a:ln>
+          <a:effectLst>
+            <a:outerShdw blurRad="57150" rotWithShape="0" algn="bl" dir="5400000" dist="57150">
+              <a:srgbClr val="000000">
+                <a:alpha val="40000"/>
+              </a:srgbClr>
+            </a:outerShdw>
+          </a:effectLst>
         </p:spPr>
       </p:pic>
       <p:pic>
         <p:nvPicPr>
-          <p:cNvPr id="130" name="Google Shape;130;p23"/>
+          <p:cNvPr id="139" name="Google Shape;139;p23"/>
           <p:cNvPicPr preferRelativeResize="0"/>
           <p:nvPr/>
         </p:nvPicPr>
@@ -8320,18 +9249,233 @@
         </p:blipFill>
         <p:spPr>
           <a:xfrm>
-            <a:off x="158450" y="1792538"/>
-            <a:ext cx="2943225" cy="2066925"/>
+            <a:off x="5055938" y="953688"/>
+            <a:ext cx="3781375" cy="2815950"/>
           </a:xfrm>
           <a:prstGeom prst="rect">
             <a:avLst/>
           </a:prstGeom>
           <a:noFill/>
+          <a:ln cap="flat" cmpd="sng" w="9525">
+            <a:solidFill>
+              <a:schemeClr val="lt1"/>
+            </a:solidFill>
+            <a:prstDash val="solid"/>
+            <a:bevel/>
+            <a:headEnd len="sm" w="sm" type="none"/>
+            <a:tailEnd len="sm" w="sm" type="none"/>
+          </a:ln>
+          <a:effectLst>
+            <a:outerShdw blurRad="57150" rotWithShape="0" algn="bl" dir="5400000" dist="57150">
+              <a:srgbClr val="000000">
+                <a:alpha val="41000"/>
+              </a:srgbClr>
+            </a:outerShdw>
+          </a:effectLst>
+        </p:spPr>
+      </p:pic>
+      <p:sp>
+        <p:nvSpPr>
+          <p:cNvPr id="140" name="Google Shape;140;p23"/>
+          <p:cNvSpPr txBox="1"/>
+          <p:nvPr/>
+        </p:nvSpPr>
+        <p:spPr>
+          <a:xfrm>
+            <a:off x="5055950" y="3930050"/>
+            <a:ext cx="3781500" cy="1022100"/>
+          </a:xfrm>
+          <a:prstGeom prst="rect">
+            <a:avLst/>
+          </a:prstGeom>
+          <a:solidFill>
+            <a:srgbClr val="FFFFFF"/>
+          </a:solidFill>
           <a:ln>
             <a:noFill/>
           </a:ln>
-        </p:spPr>
-      </p:pic>
+          <a:effectLst>
+            <a:outerShdw blurRad="57150" rotWithShape="0" algn="bl" dir="5400000" dist="38100">
+              <a:srgbClr val="000000">
+                <a:alpha val="40000"/>
+              </a:srgbClr>
+            </a:outerShdw>
+          </a:effectLst>
+        </p:spPr>
+        <p:txBody>
+          <a:bodyPr anchorCtr="0" anchor="t" bIns="91425" lIns="91425" spcFirstLastPara="1" rIns="91425" wrap="square" tIns="91425">
+            <a:noAutofit/>
+          </a:bodyPr>
+          <a:lstStyle/>
+          <a:p>
+            <a:pPr indent="0" lvl="0" marL="0" rtl="0" algn="l">
+              <a:lnSpc>
+                <a:spcPct val="115000"/>
+              </a:lnSpc>
+              <a:spcBef>
+                <a:spcPts val="0"/>
+              </a:spcBef>
+              <a:spcAft>
+                <a:spcPts val="0"/>
+              </a:spcAft>
+              <a:buNone/>
+            </a:pPr>
+            <a:r>
+              <a:rPr lang="it" sz="1200">
+                <a:latin typeface="Roboto"/>
+                <a:ea typeface="Roboto"/>
+                <a:cs typeface="Roboto"/>
+                <a:sym typeface="Roboto"/>
+              </a:rPr>
+              <a:t>Presenta i logs della sessione. Attraverso il bottone </a:t>
+            </a:r>
+            <a:r>
+              <a:rPr i="1" lang="it" sz="1200">
+                <a:latin typeface="Roboto"/>
+                <a:ea typeface="Roboto"/>
+                <a:cs typeface="Roboto"/>
+                <a:sym typeface="Roboto"/>
+              </a:rPr>
+              <a:t>Update </a:t>
+            </a:r>
+            <a:r>
+              <a:rPr lang="it" sz="1200">
+                <a:latin typeface="Roboto"/>
+                <a:ea typeface="Roboto"/>
+                <a:cs typeface="Roboto"/>
+                <a:sym typeface="Roboto"/>
+              </a:rPr>
+              <a:t>è possibile aggiornare il contenuto della textbox, mentre con il bottone </a:t>
+            </a:r>
+            <a:r>
+              <a:rPr i="1" lang="it" sz="1200">
+                <a:latin typeface="Roboto"/>
+                <a:ea typeface="Roboto"/>
+                <a:cs typeface="Roboto"/>
+                <a:sym typeface="Roboto"/>
+              </a:rPr>
+              <a:t>Save </a:t>
+            </a:r>
+            <a:r>
+              <a:rPr lang="it" sz="1200">
+                <a:latin typeface="Roboto"/>
+                <a:ea typeface="Roboto"/>
+                <a:cs typeface="Roboto"/>
+                <a:sym typeface="Roboto"/>
+              </a:rPr>
+              <a:t>è possibile salvare il contenuto in </a:t>
+            </a:r>
+            <a:r>
+              <a:rPr i="1" lang="it" sz="1200">
+                <a:latin typeface="Roboto"/>
+                <a:ea typeface="Roboto"/>
+                <a:cs typeface="Roboto"/>
+                <a:sym typeface="Roboto"/>
+              </a:rPr>
+              <a:t>src/main/resources/requests</a:t>
+            </a:r>
+            <a:endParaRPr i="1" sz="1200">
+              <a:latin typeface="Roboto"/>
+              <a:ea typeface="Roboto"/>
+              <a:cs typeface="Roboto"/>
+              <a:sym typeface="Roboto"/>
+            </a:endParaRPr>
+          </a:p>
+        </p:txBody>
+      </p:sp>
+      <p:sp>
+        <p:nvSpPr>
+          <p:cNvPr id="141" name="Google Shape;141;p23"/>
+          <p:cNvSpPr txBox="1"/>
+          <p:nvPr/>
+        </p:nvSpPr>
+        <p:spPr>
+          <a:xfrm>
+            <a:off x="265238" y="3930050"/>
+            <a:ext cx="3781500" cy="980400"/>
+          </a:xfrm>
+          <a:prstGeom prst="rect">
+            <a:avLst/>
+          </a:prstGeom>
+          <a:solidFill>
+            <a:srgbClr val="FFFFFF"/>
+          </a:solidFill>
+          <a:ln>
+            <a:noFill/>
+          </a:ln>
+          <a:effectLst>
+            <a:outerShdw blurRad="57150" rotWithShape="0" algn="bl" dir="5400000" dist="38100">
+              <a:srgbClr val="000000">
+                <a:alpha val="41000"/>
+              </a:srgbClr>
+            </a:outerShdw>
+          </a:effectLst>
+        </p:spPr>
+        <p:txBody>
+          <a:bodyPr anchorCtr="0" anchor="t" bIns="91425" lIns="91425" spcFirstLastPara="1" rIns="91425" wrap="square" tIns="91425">
+            <a:noAutofit/>
+          </a:bodyPr>
+          <a:lstStyle/>
+          <a:p>
+            <a:pPr indent="0" lvl="0" marL="0" rtl="0" algn="l">
+              <a:lnSpc>
+                <a:spcPct val="115000"/>
+              </a:lnSpc>
+              <a:spcBef>
+                <a:spcPts val="0"/>
+              </a:spcBef>
+              <a:spcAft>
+                <a:spcPts val="0"/>
+              </a:spcAft>
+              <a:buNone/>
+            </a:pPr>
+            <a:r>
+              <a:rPr lang="it" sz="1200">
+                <a:latin typeface="Roboto"/>
+                <a:ea typeface="Roboto"/>
+                <a:cs typeface="Roboto"/>
+                <a:sym typeface="Roboto"/>
+              </a:rPr>
+              <a:t>Finestra principale attraverso la quale è possibile iniziare la chiamata.</a:t>
+            </a:r>
+            <a:endParaRPr sz="1200">
+              <a:latin typeface="Roboto"/>
+              <a:ea typeface="Roboto"/>
+              <a:cs typeface="Roboto"/>
+              <a:sym typeface="Roboto"/>
+            </a:endParaRPr>
+          </a:p>
+          <a:p>
+            <a:pPr indent="0" lvl="0" marL="0" rtl="0" algn="l">
+              <a:lnSpc>
+                <a:spcPct val="115000"/>
+              </a:lnSpc>
+              <a:spcBef>
+                <a:spcPts val="0"/>
+              </a:spcBef>
+              <a:spcAft>
+                <a:spcPts val="0"/>
+              </a:spcAft>
+              <a:buNone/>
+            </a:pPr>
+            <a:r>
+              <a:rPr lang="it" sz="1200">
+                <a:latin typeface="Roboto"/>
+                <a:ea typeface="Roboto"/>
+                <a:cs typeface="Roboto"/>
+                <a:sym typeface="Roboto"/>
+              </a:rPr>
+              <a:t>La label nera fornisce informazioni sullo status della chiamata.</a:t>
+            </a:r>
+            <a:endParaRPr i="1" sz="1200">
+              <a:latin typeface="Roboto"/>
+              <a:ea typeface="Roboto"/>
+              <a:cs typeface="Roboto"/>
+              <a:sym typeface="Roboto"/>
+            </a:endParaRPr>
+          </a:p>
+        </p:txBody>
+      </p:sp>
     </p:spTree>
   </p:cSld>
   <p:clrMapOvr>
@@ -8341,18 +9485,11 @@
 </file>
 
 <file path=ppt/slides/slide12.xml><?xml version="1.0" encoding="utf-8"?>
-<p:sld xmlns:a="http://schemas.openxmlformats.org/drawingml/2006/main" xmlns:r="http://schemas.openxmlformats.org/officeDocument/2006/relationships" xmlns:mc="http://schemas.openxmlformats.org/markup-compatibility/2006" xmlns:mv="urn:schemas-microsoft-com:mac:vml" xmlns:p="http://schemas.openxmlformats.org/presentationml/2006/main" xmlns:c="http://schemas.openxmlformats.org/drawingml/2006/chart" xmlns:dgm="http://schemas.openxmlformats.org/drawingml/2006/diagram" xmlns:o="urn:schemas-microsoft-com:office:office" xmlns:v="urn:schemas-microsoft-com:vml" xmlns:pvml="urn:schemas-microsoft-com:office:powerpoint" xmlns:com="http://schemas.openxmlformats.org/drawingml/2006/compatibility" xmlns:p14="http://schemas.microsoft.com/office/powerpoint/2010/main" xmlns:p15="http://schemas.microsoft.com/office/powerpoint/2012/main">
+<p:sld xmlns:a="http://schemas.openxmlformats.org/drawingml/2006/main" xmlns:r="http://schemas.openxmlformats.org/officeDocument/2006/relationships" xmlns:mc="http://schemas.openxmlformats.org/markup-compatibility/2006" xmlns:mv="urn:schemas-microsoft-com:mac:vml" xmlns:p="http://schemas.openxmlformats.org/presentationml/2006/main" xmlns:c="http://schemas.openxmlformats.org/drawingml/2006/chart" xmlns:dgm="http://schemas.openxmlformats.org/drawingml/2006/diagram" xmlns:o="urn:schemas-microsoft-com:office:office" xmlns:v="urn:schemas-microsoft-com:vml" xmlns:pvml="urn:schemas-microsoft-com:office:powerpoint" xmlns:com="http://schemas.openxmlformats.org/drawingml/2006/compatibility" xmlns:p14="http://schemas.microsoft.com/office/powerpoint/2010/main" xmlns:p15="http://schemas.microsoft.com/office/powerpoint/2012/main" xmlns:ahyp="http://schemas.microsoft.com/office/drawing/2018/hyperlinkcolor">
   <p:cSld>
-    <p:bg>
-      <p:bgPr>
-        <a:solidFill>
-          <a:srgbClr val="E1F1F4"/>
-        </a:solidFill>
-      </p:bgPr>
-    </p:bg>
     <p:spTree>
       <p:nvGrpSpPr>
-        <p:cNvPr id="134" name="Shape 134"/>
+        <p:cNvPr id="145" name="Shape 145"/>
         <p:cNvGrpSpPr/>
         <p:nvPr/>
       </p:nvGrpSpPr>
@@ -8366,7 +9503,7 @@
       </p:grpSpPr>
       <p:sp>
         <p:nvSpPr>
-          <p:cNvPr id="135" name="Google Shape;135;p24"/>
+          <p:cNvPr id="146" name="Google Shape;146;p24"/>
           <p:cNvSpPr txBox="1"/>
           <p:nvPr>
             <p:ph type="title"/>
@@ -8375,7 +9512,7 @@
         <p:spPr>
           <a:xfrm>
             <a:off x="0" y="16350"/>
-            <a:ext cx="4357500" cy="602700"/>
+            <a:ext cx="9144000" cy="602700"/>
           </a:xfrm>
           <a:prstGeom prst="rect">
             <a:avLst/>
@@ -8387,7 +9524,7 @@
           </a:bodyPr>
           <a:lstStyle/>
           <a:p>
-            <a:pPr indent="0" lvl="0" marL="0" rtl="0" algn="l">
+            <a:pPr indent="0" lvl="0" marL="0" rtl="0" algn="ctr">
               <a:spcBef>
                 <a:spcPts val="0"/>
               </a:spcBef>
@@ -8397,24 +9534,273 @@
               <a:buNone/>
             </a:pPr>
             <a:r>
-              <a:rPr b="1" lang="it">
-                <a:solidFill>
-                  <a:srgbClr val="226AA4"/>
+              <a:rPr b="1" lang="it" sz="2400">
+                <a:solidFill>
+                  <a:srgbClr val="FFFFFF"/>
                 </a:solidFill>
               </a:rPr>
-              <a:t>AudioThread Class - Send Spoiled Audio</a:t>
+              <a:t>GUI</a:t>
             </a:r>
-            <a:endParaRPr b="1">
+            <a:endParaRPr>
               <a:solidFill>
-                <a:srgbClr val="226AA4"/>
+                <a:srgbClr val="FFFFFF"/>
               </a:solidFill>
+            </a:endParaRPr>
+          </a:p>
+        </p:txBody>
+      </p:sp>
+      <p:sp>
+        <p:nvSpPr>
+          <p:cNvPr id="147" name="Google Shape;147;p24"/>
+          <p:cNvSpPr txBox="1"/>
+          <p:nvPr/>
+        </p:nvSpPr>
+        <p:spPr>
+          <a:xfrm>
+            <a:off x="5055950" y="3930050"/>
+            <a:ext cx="3781500" cy="1022100"/>
+          </a:xfrm>
+          <a:prstGeom prst="rect">
+            <a:avLst/>
+          </a:prstGeom>
+          <a:solidFill>
+            <a:srgbClr val="FFFFFF"/>
+          </a:solidFill>
+          <a:ln>
+            <a:noFill/>
+          </a:ln>
+          <a:effectLst>
+            <a:outerShdw blurRad="57150" rotWithShape="0" algn="bl" dir="5400000" dist="38100">
+              <a:srgbClr val="000000">
+                <a:alpha val="38000"/>
+              </a:srgbClr>
+            </a:outerShdw>
+          </a:effectLst>
+        </p:spPr>
+        <p:txBody>
+          <a:bodyPr anchorCtr="0" anchor="t" bIns="91425" lIns="91425" spcFirstLastPara="1" rIns="91425" wrap="square" tIns="91425">
+            <a:noAutofit/>
+          </a:bodyPr>
+          <a:lstStyle/>
+          <a:p>
+            <a:pPr indent="0" lvl="0" marL="0" rtl="0" algn="l">
+              <a:lnSpc>
+                <a:spcPct val="115000"/>
+              </a:lnSpc>
+              <a:spcBef>
+                <a:spcPts val="0"/>
+              </a:spcBef>
+              <a:spcAft>
+                <a:spcPts val="0"/>
+              </a:spcAft>
+              <a:buNone/>
+            </a:pPr>
+            <a:r>
+              <a:rPr lang="it" sz="1200">
+                <a:latin typeface="Roboto"/>
+                <a:ea typeface="Roboto"/>
+                <a:cs typeface="Roboto"/>
+                <a:sym typeface="Roboto"/>
+              </a:rPr>
+              <a:t>Pagina di Impostazioni. Attraverso questa pagina l’utente può vedere gli ID e i tag relativi alla sessione e cambiare alcuni parametri come il proprio nome, e alcune impostazione dell’onda sinusoidale.</a:t>
+            </a:r>
+            <a:endParaRPr sz="1200">
+              <a:latin typeface="Roboto"/>
+              <a:ea typeface="Roboto"/>
+              <a:cs typeface="Roboto"/>
+              <a:sym typeface="Roboto"/>
+            </a:endParaRPr>
+          </a:p>
+          <a:p>
+            <a:pPr indent="0" lvl="0" marL="0" rtl="0" algn="l">
+              <a:lnSpc>
+                <a:spcPct val="115000"/>
+              </a:lnSpc>
+              <a:spcBef>
+                <a:spcPts val="0"/>
+              </a:spcBef>
+              <a:spcAft>
+                <a:spcPts val="0"/>
+              </a:spcAft>
+              <a:buNone/>
+            </a:pPr>
+            <a:r>
+              <a:t/>
+            </a:r>
+            <a:endParaRPr sz="1200">
+              <a:latin typeface="Roboto"/>
+              <a:ea typeface="Roboto"/>
+              <a:cs typeface="Roboto"/>
+              <a:sym typeface="Roboto"/>
+            </a:endParaRPr>
+          </a:p>
+          <a:p>
+            <a:pPr indent="0" lvl="0" marL="0" rtl="0" algn="l">
+              <a:lnSpc>
+                <a:spcPct val="115000"/>
+              </a:lnSpc>
+              <a:spcBef>
+                <a:spcPts val="0"/>
+              </a:spcBef>
+              <a:spcAft>
+                <a:spcPts val="0"/>
+              </a:spcAft>
+              <a:buNone/>
+            </a:pPr>
+            <a:r>
+              <a:t/>
+            </a:r>
+            <a:endParaRPr sz="1200">
+              <a:latin typeface="Roboto"/>
+              <a:ea typeface="Roboto"/>
+              <a:cs typeface="Roboto"/>
+              <a:sym typeface="Roboto"/>
+            </a:endParaRPr>
+          </a:p>
+        </p:txBody>
+      </p:sp>
+      <p:sp>
+        <p:nvSpPr>
+          <p:cNvPr id="148" name="Google Shape;148;p24"/>
+          <p:cNvSpPr txBox="1"/>
+          <p:nvPr/>
+        </p:nvSpPr>
+        <p:spPr>
+          <a:xfrm>
+            <a:off x="276325" y="3950900"/>
+            <a:ext cx="3781500" cy="980400"/>
+          </a:xfrm>
+          <a:prstGeom prst="rect">
+            <a:avLst/>
+          </a:prstGeom>
+          <a:solidFill>
+            <a:srgbClr val="FFFFFF"/>
+          </a:solidFill>
+          <a:ln>
+            <a:noFill/>
+          </a:ln>
+          <a:effectLst>
+            <a:outerShdw blurRad="57150" rotWithShape="0" algn="bl" dir="4980000" dist="47625">
+              <a:srgbClr val="000000">
+                <a:alpha val="37000"/>
+              </a:srgbClr>
+            </a:outerShdw>
+          </a:effectLst>
+        </p:spPr>
+        <p:txBody>
+          <a:bodyPr anchorCtr="0" anchor="t" bIns="91425" lIns="91425" spcFirstLastPara="1" rIns="91425" wrap="square" tIns="91425">
+            <a:noAutofit/>
+          </a:bodyPr>
+          <a:lstStyle/>
+          <a:p>
+            <a:pPr indent="0" lvl="0" marL="0" rtl="0" algn="l">
+              <a:lnSpc>
+                <a:spcPct val="115000"/>
+              </a:lnSpc>
+              <a:spcBef>
+                <a:spcPts val="0"/>
+              </a:spcBef>
+              <a:spcAft>
+                <a:spcPts val="0"/>
+              </a:spcAft>
+              <a:buNone/>
+            </a:pPr>
+            <a:r>
+              <a:rPr lang="it" sz="1200">
+                <a:latin typeface="Roboto"/>
+                <a:ea typeface="Roboto"/>
+                <a:cs typeface="Roboto"/>
+                <a:sym typeface="Roboto"/>
+              </a:rPr>
+              <a:t>Finestra per l’invio di pacchetti RTP. </a:t>
+            </a:r>
+            <a:endParaRPr sz="1200">
+              <a:latin typeface="Roboto"/>
+              <a:ea typeface="Roboto"/>
+              <a:cs typeface="Roboto"/>
+              <a:sym typeface="Roboto"/>
+            </a:endParaRPr>
+          </a:p>
+          <a:p>
+            <a:pPr indent="0" lvl="0" marL="0" rtl="0" algn="l">
+              <a:lnSpc>
+                <a:spcPct val="115000"/>
+              </a:lnSpc>
+              <a:spcBef>
+                <a:spcPts val="0"/>
+              </a:spcBef>
+              <a:spcAft>
+                <a:spcPts val="0"/>
+              </a:spcAft>
+              <a:buNone/>
+            </a:pPr>
+            <a:r>
+              <a:rPr lang="it" sz="1200">
+                <a:latin typeface="Roboto"/>
+                <a:ea typeface="Roboto"/>
+                <a:cs typeface="Roboto"/>
+                <a:sym typeface="Roboto"/>
+              </a:rPr>
+              <a:t>I primi tre bottoni rappresentano delle diverse modalità di invio audio, il bottone sottostante permette di fermare l’invio.</a:t>
+            </a:r>
+            <a:endParaRPr sz="1200">
+              <a:latin typeface="Roboto"/>
+              <a:ea typeface="Roboto"/>
+              <a:cs typeface="Roboto"/>
+              <a:sym typeface="Roboto"/>
+            </a:endParaRPr>
+          </a:p>
+          <a:p>
+            <a:pPr indent="0" lvl="0" marL="0" rtl="0" algn="l">
+              <a:lnSpc>
+                <a:spcPct val="115000"/>
+              </a:lnSpc>
+              <a:spcBef>
+                <a:spcPts val="0"/>
+              </a:spcBef>
+              <a:spcAft>
+                <a:spcPts val="0"/>
+              </a:spcAft>
+              <a:buNone/>
+            </a:pPr>
+            <a:r>
+              <a:t/>
+            </a:r>
+            <a:endParaRPr sz="1200">
+              <a:latin typeface="Roboto"/>
+              <a:ea typeface="Roboto"/>
+              <a:cs typeface="Roboto"/>
+              <a:sym typeface="Roboto"/>
+            </a:endParaRPr>
+          </a:p>
+          <a:p>
+            <a:pPr indent="0" lvl="0" marL="0" rtl="0" algn="l">
+              <a:lnSpc>
+                <a:spcPct val="115000"/>
+              </a:lnSpc>
+              <a:spcBef>
+                <a:spcPts val="0"/>
+              </a:spcBef>
+              <a:spcAft>
+                <a:spcPts val="0"/>
+              </a:spcAft>
+              <a:buNone/>
+            </a:pPr>
+            <a:r>
+              <a:t/>
+            </a:r>
+            <a:endParaRPr sz="1200">
+              <a:latin typeface="Roboto"/>
+              <a:ea typeface="Roboto"/>
+              <a:cs typeface="Roboto"/>
+              <a:sym typeface="Roboto"/>
             </a:endParaRPr>
           </a:p>
         </p:txBody>
       </p:sp>
       <p:pic>
         <p:nvPicPr>
-          <p:cNvPr id="136" name="Google Shape;136;p24"/>
+          <p:cNvPr id="149" name="Google Shape;149;p24"/>
           <p:cNvPicPr preferRelativeResize="0"/>
           <p:nvPr/>
         </p:nvPicPr>
@@ -8428,16 +9814,70 @@
         </p:blipFill>
         <p:spPr>
           <a:xfrm>
-            <a:off x="176238" y="987950"/>
-            <a:ext cx="8791525" cy="3708925"/>
+            <a:off x="276411" y="952900"/>
+            <a:ext cx="3781375" cy="2817536"/>
           </a:xfrm>
           <a:prstGeom prst="rect">
             <a:avLst/>
           </a:prstGeom>
           <a:noFill/>
-          <a:ln>
-            <a:noFill/>
+          <a:ln cap="flat" cmpd="sng" w="9525">
+            <a:solidFill>
+              <a:schemeClr val="lt1"/>
+            </a:solidFill>
+            <a:prstDash val="solid"/>
+            <a:bevel/>
+            <a:headEnd len="sm" w="sm" type="none"/>
+            <a:tailEnd len="sm" w="sm" type="none"/>
           </a:ln>
+          <a:effectLst>
+            <a:outerShdw blurRad="57150" rotWithShape="0" algn="bl" dir="5400000" dist="38100">
+              <a:srgbClr val="000000">
+                <a:alpha val="36000"/>
+              </a:srgbClr>
+            </a:outerShdw>
+          </a:effectLst>
+        </p:spPr>
+      </p:pic>
+      <p:pic>
+        <p:nvPicPr>
+          <p:cNvPr id="150" name="Google Shape;150;p24"/>
+          <p:cNvPicPr preferRelativeResize="0"/>
+          <p:nvPr/>
+        </p:nvPicPr>
+        <p:blipFill>
+          <a:blip r:embed="rId4">
+            <a:alphaModFix/>
+          </a:blip>
+          <a:stretch>
+            <a:fillRect/>
+          </a:stretch>
+        </p:blipFill>
+        <p:spPr>
+          <a:xfrm>
+            <a:off x="5055995" y="952900"/>
+            <a:ext cx="3781406" cy="2817525"/>
+          </a:xfrm>
+          <a:prstGeom prst="rect">
+            <a:avLst/>
+          </a:prstGeom>
+          <a:noFill/>
+          <a:ln cap="flat" cmpd="sng" w="9525">
+            <a:solidFill>
+              <a:schemeClr val="lt1"/>
+            </a:solidFill>
+            <a:prstDash val="solid"/>
+            <a:bevel/>
+            <a:headEnd len="sm" w="sm" type="none"/>
+            <a:tailEnd len="sm" w="sm" type="none"/>
+          </a:ln>
+          <a:effectLst>
+            <a:outerShdw blurRad="57150" rotWithShape="0" algn="bl" dir="5400000" dist="38100">
+              <a:srgbClr val="000000">
+                <a:alpha val="39000"/>
+              </a:srgbClr>
+            </a:outerShdw>
+          </a:effectLst>
         </p:spPr>
       </p:pic>
     </p:spTree>
@@ -8449,18 +9889,123 @@
 </file>
 
 <file path=ppt/slides/slide13.xml><?xml version="1.0" encoding="utf-8"?>
-<p:sld xmlns:a="http://schemas.openxmlformats.org/drawingml/2006/main" xmlns:r="http://schemas.openxmlformats.org/officeDocument/2006/relationships" xmlns:mc="http://schemas.openxmlformats.org/markup-compatibility/2006" xmlns:mv="urn:schemas-microsoft-com:mac:vml" xmlns:p="http://schemas.openxmlformats.org/presentationml/2006/main" xmlns:c="http://schemas.openxmlformats.org/drawingml/2006/chart" xmlns:dgm="http://schemas.openxmlformats.org/drawingml/2006/diagram" xmlns:o="urn:schemas-microsoft-com:office:office" xmlns:v="urn:schemas-microsoft-com:vml" xmlns:pvml="urn:schemas-microsoft-com:office:powerpoint" xmlns:com="http://schemas.openxmlformats.org/drawingml/2006/compatibility" xmlns:p14="http://schemas.microsoft.com/office/powerpoint/2010/main" xmlns:p15="http://schemas.microsoft.com/office/powerpoint/2012/main">
+<p:sld xmlns:a="http://schemas.openxmlformats.org/drawingml/2006/main" xmlns:r="http://schemas.openxmlformats.org/officeDocument/2006/relationships" xmlns:mc="http://schemas.openxmlformats.org/markup-compatibility/2006" xmlns:mv="urn:schemas-microsoft-com:mac:vml" xmlns:p="http://schemas.openxmlformats.org/presentationml/2006/main" xmlns:c="http://schemas.openxmlformats.org/drawingml/2006/chart" xmlns:dgm="http://schemas.openxmlformats.org/drawingml/2006/diagram" xmlns:o="urn:schemas-microsoft-com:office:office" xmlns:v="urn:schemas-microsoft-com:vml" xmlns:pvml="urn:schemas-microsoft-com:office:powerpoint" xmlns:com="http://schemas.openxmlformats.org/drawingml/2006/compatibility" xmlns:p14="http://schemas.microsoft.com/office/powerpoint/2010/main" xmlns:p15="http://schemas.microsoft.com/office/powerpoint/2012/main" xmlns:ahyp="http://schemas.microsoft.com/office/drawing/2018/hyperlinkcolor">
+  <p:cSld>
+    <p:spTree>
+      <p:nvGrpSpPr>
+        <p:cNvPr id="154" name="Shape 154"/>
+        <p:cNvGrpSpPr/>
+        <p:nvPr/>
+      </p:nvGrpSpPr>
+      <p:grpSpPr>
+        <a:xfrm>
+          <a:off x="0" y="0"/>
+          <a:ext cx="0" cy="0"/>
+          <a:chOff x="0" y="0"/>
+          <a:chExt cx="0" cy="0"/>
+        </a:xfrm>
+      </p:grpSpPr>
+      <p:sp>
+        <p:nvSpPr>
+          <p:cNvPr id="155" name="Google Shape;155;p25"/>
+          <p:cNvSpPr txBox="1"/>
+          <p:nvPr>
+            <p:ph type="ctrTitle"/>
+          </p:nvPr>
+        </p:nvSpPr>
+        <p:spPr>
+          <a:xfrm>
+            <a:off x="390525" y="1819275"/>
+            <a:ext cx="8222100" cy="933600"/>
+          </a:xfrm>
+          <a:prstGeom prst="rect">
+            <a:avLst/>
+          </a:prstGeom>
+        </p:spPr>
+        <p:txBody>
+          <a:bodyPr anchorCtr="0" anchor="b" bIns="91425" lIns="91425" spcFirstLastPara="1" rIns="91425" wrap="square" tIns="91425">
+            <a:noAutofit/>
+          </a:bodyPr>
+          <a:lstStyle/>
+          <a:p>
+            <a:pPr indent="0" lvl="0" marL="0" rtl="0" algn="ctr">
+              <a:spcBef>
+                <a:spcPts val="0"/>
+              </a:spcBef>
+              <a:spcAft>
+                <a:spcPts val="0"/>
+              </a:spcAft>
+              <a:buNone/>
+            </a:pPr>
+            <a:r>
+              <a:rPr lang="it"/>
+              <a:t>Andiamo sul tecnico</a:t>
+            </a:r>
+            <a:endParaRPr/>
+          </a:p>
+        </p:txBody>
+      </p:sp>
+      <p:sp>
+        <p:nvSpPr>
+          <p:cNvPr id="156" name="Google Shape;156;p25"/>
+          <p:cNvSpPr txBox="1"/>
+          <p:nvPr>
+            <p:ph idx="1" type="subTitle"/>
+          </p:nvPr>
+        </p:nvSpPr>
+        <p:spPr>
+          <a:xfrm>
+            <a:off x="390525" y="2789130"/>
+            <a:ext cx="8222100" cy="432900"/>
+          </a:xfrm>
+          <a:prstGeom prst="rect">
+            <a:avLst/>
+          </a:prstGeom>
+        </p:spPr>
+        <p:txBody>
+          <a:bodyPr anchorCtr="0" anchor="t" bIns="91425" lIns="91425" spcFirstLastPara="1" rIns="91425" wrap="square" tIns="91425">
+            <a:noAutofit/>
+          </a:bodyPr>
+          <a:lstStyle/>
+          <a:p>
+            <a:pPr indent="0" lvl="0" marL="0" rtl="0" algn="ctr">
+              <a:spcBef>
+                <a:spcPts val="0"/>
+              </a:spcBef>
+              <a:spcAft>
+                <a:spcPts val="0"/>
+              </a:spcAft>
+              <a:buNone/>
+            </a:pPr>
+            <a:r>
+              <a:rPr lang="it"/>
+              <a:t>Come sono strutturate le classi</a:t>
+            </a:r>
+            <a:endParaRPr/>
+          </a:p>
+        </p:txBody>
+      </p:sp>
+    </p:spTree>
+  </p:cSld>
+  <p:clrMapOvr>
+    <a:masterClrMapping/>
+  </p:clrMapOvr>
+</p:sld>
+</file>
+
+<file path=ppt/slides/slide14.xml><?xml version="1.0" encoding="utf-8"?>
+<p:sld xmlns:a="http://schemas.openxmlformats.org/drawingml/2006/main" xmlns:r="http://schemas.openxmlformats.org/officeDocument/2006/relationships" xmlns:mc="http://schemas.openxmlformats.org/markup-compatibility/2006" xmlns:mv="urn:schemas-microsoft-com:mac:vml" xmlns:p="http://schemas.openxmlformats.org/presentationml/2006/main" xmlns:c="http://schemas.openxmlformats.org/drawingml/2006/chart" xmlns:dgm="http://schemas.openxmlformats.org/drawingml/2006/diagram" xmlns:o="urn:schemas-microsoft-com:office:office" xmlns:v="urn:schemas-microsoft-com:vml" xmlns:pvml="urn:schemas-microsoft-com:office:powerpoint" xmlns:com="http://schemas.openxmlformats.org/drawingml/2006/compatibility" xmlns:p14="http://schemas.microsoft.com/office/powerpoint/2010/main" xmlns:p15="http://schemas.microsoft.com/office/powerpoint/2012/main" xmlns:ahyp="http://schemas.microsoft.com/office/drawing/2018/hyperlinkcolor">
   <p:cSld>
     <p:bg>
       <p:bgPr>
         <a:solidFill>
-          <a:srgbClr val="C9DAF8"/>
+          <a:srgbClr val="E1F1F4"/>
         </a:solidFill>
       </p:bgPr>
     </p:bg>
     <p:spTree>
       <p:nvGrpSpPr>
-        <p:cNvPr id="140" name="Shape 140"/>
+        <p:cNvPr id="160" name="Shape 160"/>
         <p:cNvGrpSpPr/>
         <p:nvPr/>
       </p:nvGrpSpPr>
@@ -8474,7 +10019,7 @@
       </p:grpSpPr>
       <p:pic>
         <p:nvPicPr>
-          <p:cNvPr id="141" name="Google Shape;141;p25"/>
+          <p:cNvPr id="161" name="Google Shape;161;p26"/>
           <p:cNvPicPr preferRelativeResize="0"/>
           <p:nvPr/>
         </p:nvPicPr>
@@ -8488,8 +10033,8 @@
         </p:blipFill>
         <p:spPr>
           <a:xfrm>
-            <a:off x="0" y="2566108"/>
-            <a:ext cx="3459125" cy="2577392"/>
+            <a:off x="2326700" y="204250"/>
+            <a:ext cx="6563200" cy="4735024"/>
           </a:xfrm>
           <a:prstGeom prst="rect">
             <a:avLst/>
@@ -8498,26 +10043,25 @@
           <a:ln>
             <a:noFill/>
           </a:ln>
+          <a:effectLst>
+            <a:outerShdw blurRad="57150" rotWithShape="0" algn="bl" dir="5400000" dist="57150">
+              <a:srgbClr val="000000">
+                <a:alpha val="50000"/>
+              </a:srgbClr>
+            </a:outerShdw>
+          </a:effectLst>
         </p:spPr>
       </p:pic>
-      <p:pic>
-        <p:nvPicPr>
-          <p:cNvPr id="142" name="Google Shape;142;p25"/>
-          <p:cNvPicPr preferRelativeResize="0"/>
+      <p:sp>
+        <p:nvSpPr>
+          <p:cNvPr id="162" name="Google Shape;162;p26"/>
+          <p:cNvSpPr txBox="1"/>
           <p:nvPr/>
-        </p:nvPicPr>
-        <p:blipFill>
-          <a:blip r:embed="rId4">
-            <a:alphaModFix/>
-          </a:blip>
-          <a:stretch>
-            <a:fillRect/>
-          </a:stretch>
-        </p:blipFill>
-        <p:spPr>
-          <a:xfrm>
-            <a:off x="5684875" y="0"/>
-            <a:ext cx="3459125" cy="2577416"/>
+        </p:nvSpPr>
+        <p:spPr>
+          <a:xfrm rot="-5400000">
+            <a:off x="-300825" y="2019450"/>
+            <a:ext cx="3024900" cy="1104600"/>
           </a:xfrm>
           <a:prstGeom prst="rect">
             <a:avLst/>
@@ -8527,80 +10071,6 @@
             <a:noFill/>
           </a:ln>
         </p:spPr>
-      </p:pic>
-      <p:pic>
-        <p:nvPicPr>
-          <p:cNvPr id="143" name="Google Shape;143;p25"/>
-          <p:cNvPicPr preferRelativeResize="0"/>
-          <p:nvPr/>
-        </p:nvPicPr>
-        <p:blipFill>
-          <a:blip r:embed="rId5">
-            <a:alphaModFix/>
-          </a:blip>
-          <a:stretch>
-            <a:fillRect/>
-          </a:stretch>
-        </p:blipFill>
-        <p:spPr>
-          <a:xfrm>
-            <a:off x="5684875" y="2567529"/>
-            <a:ext cx="3459125" cy="2575970"/>
-          </a:xfrm>
-          <a:prstGeom prst="rect">
-            <a:avLst/>
-          </a:prstGeom>
-          <a:noFill/>
-          <a:ln>
-            <a:noFill/>
-          </a:ln>
-        </p:spPr>
-      </p:pic>
-      <p:pic>
-        <p:nvPicPr>
-          <p:cNvPr id="144" name="Google Shape;144;p25"/>
-          <p:cNvPicPr preferRelativeResize="0"/>
-          <p:nvPr/>
-        </p:nvPicPr>
-        <p:blipFill>
-          <a:blip r:embed="rId6">
-            <a:alphaModFix/>
-          </a:blip>
-          <a:stretch>
-            <a:fillRect/>
-          </a:stretch>
-        </p:blipFill>
-        <p:spPr>
-          <a:xfrm>
-            <a:off x="0" y="0"/>
-            <a:ext cx="3459131" cy="2571750"/>
-          </a:xfrm>
-          <a:prstGeom prst="rect">
-            <a:avLst/>
-          </a:prstGeom>
-          <a:noFill/>
-          <a:ln>
-            <a:noFill/>
-          </a:ln>
-        </p:spPr>
-      </p:pic>
-      <p:sp>
-        <p:nvSpPr>
-          <p:cNvPr id="145" name="Google Shape;145;p25"/>
-          <p:cNvSpPr txBox="1"/>
-          <p:nvPr>
-            <p:ph idx="4294967295" type="title"/>
-          </p:nvPr>
-        </p:nvSpPr>
-        <p:spPr>
-          <a:xfrm>
-            <a:off x="3547800" y="2112000"/>
-            <a:ext cx="2048400" cy="919500"/>
-          </a:xfrm>
-          <a:prstGeom prst="rect">
-            <a:avLst/>
-          </a:prstGeom>
-        </p:spPr>
         <p:txBody>
           <a:bodyPr anchorCtr="0" anchor="ctr" bIns="91425" lIns="91425" spcFirstLastPara="1" rIns="91425" wrap="square" tIns="91425">
             <a:noAutofit/>
@@ -8608,6 +10078,9 @@
           <a:lstStyle/>
           <a:p>
             <a:pPr indent="0" lvl="0" marL="0" rtl="0" algn="ctr">
+              <a:lnSpc>
+                <a:spcPct val="100000"/>
+              </a:lnSpc>
               <a:spcBef>
                 <a:spcPts val="0"/>
               </a:spcBef>
@@ -8617,16 +10090,162 @@
               <a:buNone/>
             </a:pPr>
             <a:r>
-              <a:rPr b="1" lang="it">
+              <a:rPr b="1" lang="it" sz="2400">
+                <a:solidFill>
+                  <a:srgbClr val="FFFFFF"/>
+                </a:solidFill>
+                <a:latin typeface="Roboto"/>
+                <a:ea typeface="Roboto"/>
+                <a:cs typeface="Roboto"/>
+                <a:sym typeface="Roboto"/>
+              </a:rPr>
+              <a:t>  </a:t>
+            </a:r>
+            <a:r>
+              <a:rPr b="1" lang="it" sz="2400">
                 <a:solidFill>
                   <a:srgbClr val="226AA4"/>
                 </a:solidFill>
+                <a:latin typeface="Roboto"/>
+                <a:ea typeface="Roboto"/>
+                <a:cs typeface="Roboto"/>
+                <a:sym typeface="Roboto"/>
               </a:rPr>
-              <a:t>GUI</a:t>
+              <a:t>INVITE   REQUEST</a:t>
             </a:r>
-            <a:endParaRPr b="1">
+            <a:endParaRPr b="1" sz="2400">
               <a:solidFill>
                 <a:srgbClr val="226AA4"/>
+              </a:solidFill>
+              <a:latin typeface="Roboto"/>
+              <a:ea typeface="Roboto"/>
+              <a:cs typeface="Roboto"/>
+              <a:sym typeface="Roboto"/>
+            </a:endParaRPr>
+          </a:p>
+          <a:p>
+            <a:pPr indent="0" lvl="0" marL="0" rtl="0" algn="ctr">
+              <a:lnSpc>
+                <a:spcPct val="100000"/>
+              </a:lnSpc>
+              <a:spcBef>
+                <a:spcPts val="0"/>
+              </a:spcBef>
+              <a:spcAft>
+                <a:spcPts val="0"/>
+              </a:spcAft>
+              <a:buNone/>
+            </a:pPr>
+            <a:r>
+              <a:rPr b="1" lang="it" sz="2400">
+                <a:solidFill>
+                  <a:srgbClr val="226AA4"/>
+                </a:solidFill>
+                <a:latin typeface="Roboto"/>
+                <a:ea typeface="Roboto"/>
+                <a:cs typeface="Roboto"/>
+                <a:sym typeface="Roboto"/>
+              </a:rPr>
+              <a:t>+</a:t>
+            </a:r>
+            <a:endParaRPr b="1" sz="2400">
+              <a:solidFill>
+                <a:srgbClr val="226AA4"/>
+              </a:solidFill>
+              <a:latin typeface="Roboto"/>
+              <a:ea typeface="Roboto"/>
+              <a:cs typeface="Roboto"/>
+              <a:sym typeface="Roboto"/>
+            </a:endParaRPr>
+          </a:p>
+          <a:p>
+            <a:pPr indent="0" lvl="0" marL="0" rtl="0" algn="ctr">
+              <a:lnSpc>
+                <a:spcPct val="100000"/>
+              </a:lnSpc>
+              <a:spcBef>
+                <a:spcPts val="0"/>
+              </a:spcBef>
+              <a:spcAft>
+                <a:spcPts val="0"/>
+              </a:spcAft>
+              <a:buNone/>
+            </a:pPr>
+            <a:r>
+              <a:rPr b="1" lang="it" sz="2400">
+                <a:solidFill>
+                  <a:srgbClr val="226AA4"/>
+                </a:solidFill>
+                <a:latin typeface="Roboto"/>
+                <a:ea typeface="Roboto"/>
+                <a:cs typeface="Roboto"/>
+                <a:sym typeface="Roboto"/>
+              </a:rPr>
+              <a:t>SDP</a:t>
+            </a:r>
+            <a:endParaRPr b="1" sz="2400">
+              <a:solidFill>
+                <a:srgbClr val="226AA4"/>
+              </a:solidFill>
+              <a:latin typeface="Roboto"/>
+              <a:ea typeface="Roboto"/>
+              <a:cs typeface="Roboto"/>
+              <a:sym typeface="Roboto"/>
+            </a:endParaRPr>
+          </a:p>
+        </p:txBody>
+      </p:sp>
+      <p:sp>
+        <p:nvSpPr>
+          <p:cNvPr id="163" name="Google Shape;163;p26"/>
+          <p:cNvSpPr/>
+          <p:nvPr/>
+        </p:nvSpPr>
+        <p:spPr>
+          <a:xfrm>
+            <a:off x="5761900" y="4482600"/>
+            <a:ext cx="2959200" cy="333900"/>
+          </a:xfrm>
+          <a:prstGeom prst="rect">
+            <a:avLst/>
+          </a:prstGeom>
+          <a:noFill/>
+          <a:ln cap="flat" cmpd="sng" w="9525">
+            <a:solidFill>
+              <a:srgbClr val="FFFFFF"/>
+            </a:solidFill>
+            <a:prstDash val="solid"/>
+            <a:round/>
+            <a:headEnd len="sm" w="sm" type="none"/>
+            <a:tailEnd len="sm" w="sm" type="none"/>
+          </a:ln>
+        </p:spPr>
+        <p:txBody>
+          <a:bodyPr anchorCtr="0" anchor="ctr" bIns="91425" lIns="91425" spcFirstLastPara="1" rIns="91425" wrap="square" tIns="91425">
+            <a:noAutofit/>
+          </a:bodyPr>
+          <a:lstStyle/>
+          <a:p>
+            <a:pPr indent="0" lvl="0" marL="0" rtl="0" algn="ctr">
+              <a:spcBef>
+                <a:spcPts val="0"/>
+              </a:spcBef>
+              <a:spcAft>
+                <a:spcPts val="0"/>
+              </a:spcAft>
+              <a:buNone/>
+            </a:pPr>
+            <a:r>
+              <a:rPr lang="it">
+                <a:solidFill>
+                  <a:srgbClr val="E1F1F4"/>
+                </a:solidFill>
+              </a:rPr>
+              <a:t>src/main/java/VoIP/Request.java</a:t>
+            </a:r>
+            <a:endParaRPr>
+              <a:solidFill>
+                <a:srgbClr val="E1F1F4"/>
               </a:solidFill>
             </a:endParaRPr>
           </a:p>
@@ -8640,12 +10259,142 @@
 </p:sld>
 </file>
 
-<file path=ppt/slides/slide2.xml><?xml version="1.0" encoding="utf-8"?>
-<p:sld xmlns:a="http://schemas.openxmlformats.org/drawingml/2006/main" xmlns:r="http://schemas.openxmlformats.org/officeDocument/2006/relationships" xmlns:mc="http://schemas.openxmlformats.org/markup-compatibility/2006" xmlns:mv="urn:schemas-microsoft-com:mac:vml" xmlns:p="http://schemas.openxmlformats.org/presentationml/2006/main" xmlns:c="http://schemas.openxmlformats.org/drawingml/2006/chart" xmlns:dgm="http://schemas.openxmlformats.org/drawingml/2006/diagram" xmlns:o="urn:schemas-microsoft-com:office:office" xmlns:v="urn:schemas-microsoft-com:vml" xmlns:pvml="urn:schemas-microsoft-com:office:powerpoint" xmlns:com="http://schemas.openxmlformats.org/drawingml/2006/compatibility" xmlns:p14="http://schemas.microsoft.com/office/powerpoint/2010/main" xmlns:p15="http://schemas.microsoft.com/office/powerpoint/2012/main">
+<file path=ppt/slides/slide15.xml><?xml version="1.0" encoding="utf-8"?>
+<p:sld xmlns:a="http://schemas.openxmlformats.org/drawingml/2006/main" xmlns:r="http://schemas.openxmlformats.org/officeDocument/2006/relationships" xmlns:mc="http://schemas.openxmlformats.org/markup-compatibility/2006" xmlns:mv="urn:schemas-microsoft-com:mac:vml" xmlns:p="http://schemas.openxmlformats.org/presentationml/2006/main" xmlns:c="http://schemas.openxmlformats.org/drawingml/2006/chart" xmlns:dgm="http://schemas.openxmlformats.org/drawingml/2006/diagram" xmlns:o="urn:schemas-microsoft-com:office:office" xmlns:v="urn:schemas-microsoft-com:vml" xmlns:pvml="urn:schemas-microsoft-com:office:powerpoint" xmlns:com="http://schemas.openxmlformats.org/drawingml/2006/compatibility" xmlns:p14="http://schemas.microsoft.com/office/powerpoint/2010/main" xmlns:p15="http://schemas.microsoft.com/office/powerpoint/2012/main" xmlns:ahyp="http://schemas.microsoft.com/office/drawing/2018/hyperlinkcolor">
   <p:cSld>
+    <p:bg>
+      <p:bgPr>
+        <a:solidFill>
+          <a:srgbClr val="E1F1F4"/>
+        </a:solidFill>
+      </p:bgPr>
+    </p:bg>
     <p:spTree>
       <p:nvGrpSpPr>
-        <p:cNvPr id="73" name="Shape 73"/>
+        <p:cNvPr id="167" name="Shape 167"/>
+        <p:cNvGrpSpPr/>
+        <p:nvPr/>
+      </p:nvGrpSpPr>
+      <p:grpSpPr>
+        <a:xfrm>
+          <a:off x="0" y="0"/>
+          <a:ext cx="0" cy="0"/>
+          <a:chOff x="0" y="0"/>
+          <a:chExt cx="0" cy="0"/>
+        </a:xfrm>
+      </p:grpSpPr>
+      <p:pic>
+        <p:nvPicPr>
+          <p:cNvPr id="168" name="Google Shape;168;p27"/>
+          <p:cNvPicPr preferRelativeResize="0"/>
+          <p:nvPr/>
+        </p:nvPicPr>
+        <p:blipFill>
+          <a:blip r:embed="rId3">
+            <a:alphaModFix/>
+          </a:blip>
+          <a:stretch>
+            <a:fillRect/>
+          </a:stretch>
+        </p:blipFill>
+        <p:spPr>
+          <a:xfrm>
+            <a:off x="152400" y="731750"/>
+            <a:ext cx="8839201" cy="3679994"/>
+          </a:xfrm>
+          <a:prstGeom prst="rect">
+            <a:avLst/>
+          </a:prstGeom>
+          <a:noFill/>
+          <a:ln>
+            <a:noFill/>
+          </a:ln>
+          <a:effectLst>
+            <a:outerShdw blurRad="57150" rotWithShape="0" algn="bl" dir="5400000" dist="57150">
+              <a:srgbClr val="000000">
+                <a:alpha val="50000"/>
+              </a:srgbClr>
+            </a:outerShdw>
+          </a:effectLst>
+        </p:spPr>
+      </p:pic>
+      <p:sp>
+        <p:nvSpPr>
+          <p:cNvPr id="169" name="Google Shape;169;p27"/>
+          <p:cNvSpPr/>
+          <p:nvPr/>
+        </p:nvSpPr>
+        <p:spPr>
+          <a:xfrm>
+            <a:off x="5693850" y="961725"/>
+            <a:ext cx="3069900" cy="333900"/>
+          </a:xfrm>
+          <a:prstGeom prst="rect">
+            <a:avLst/>
+          </a:prstGeom>
+          <a:noFill/>
+          <a:ln cap="flat" cmpd="sng" w="9525">
+            <a:solidFill>
+              <a:srgbClr val="FFFFFF"/>
+            </a:solidFill>
+            <a:prstDash val="solid"/>
+            <a:round/>
+            <a:headEnd len="sm" w="sm" type="none"/>
+            <a:tailEnd len="sm" w="sm" type="none"/>
+          </a:ln>
+        </p:spPr>
+        <p:txBody>
+          <a:bodyPr anchorCtr="0" anchor="ctr" bIns="91425" lIns="91425" spcFirstLastPara="1" rIns="91425" wrap="square" tIns="91425">
+            <a:noAutofit/>
+          </a:bodyPr>
+          <a:lstStyle/>
+          <a:p>
+            <a:pPr indent="0" lvl="0" marL="0" rtl="0" algn="ctr">
+              <a:spcBef>
+                <a:spcPts val="0"/>
+              </a:spcBef>
+              <a:spcAft>
+                <a:spcPts val="0"/>
+              </a:spcAft>
+              <a:buNone/>
+            </a:pPr>
+            <a:r>
+              <a:rPr lang="it">
+                <a:solidFill>
+                  <a:srgbClr val="E1F1F4"/>
+                </a:solidFill>
+              </a:rPr>
+              <a:t>src/main/java/VoIP/UserAgent.java</a:t>
+            </a:r>
+            <a:endParaRPr>
+              <a:solidFill>
+                <a:srgbClr val="E1F1F4"/>
+              </a:solidFill>
+            </a:endParaRPr>
+          </a:p>
+        </p:txBody>
+      </p:sp>
+    </p:spTree>
+  </p:cSld>
+  <p:clrMapOvr>
+    <a:masterClrMapping/>
+  </p:clrMapOvr>
+</p:sld>
+</file>
+
+<file path=ppt/slides/slide16.xml><?xml version="1.0" encoding="utf-8"?>
+<p:sld xmlns:a="http://schemas.openxmlformats.org/drawingml/2006/main" xmlns:r="http://schemas.openxmlformats.org/officeDocument/2006/relationships" xmlns:mc="http://schemas.openxmlformats.org/markup-compatibility/2006" xmlns:mv="urn:schemas-microsoft-com:mac:vml" xmlns:p="http://schemas.openxmlformats.org/presentationml/2006/main" xmlns:c="http://schemas.openxmlformats.org/drawingml/2006/chart" xmlns:dgm="http://schemas.openxmlformats.org/drawingml/2006/diagram" xmlns:o="urn:schemas-microsoft-com:office:office" xmlns:v="urn:schemas-microsoft-com:vml" xmlns:pvml="urn:schemas-microsoft-com:office:powerpoint" xmlns:com="http://schemas.openxmlformats.org/drawingml/2006/compatibility" xmlns:p14="http://schemas.microsoft.com/office/powerpoint/2010/main" xmlns:p15="http://schemas.microsoft.com/office/powerpoint/2012/main" xmlns:ahyp="http://schemas.microsoft.com/office/drawing/2018/hyperlinkcolor">
+  <p:cSld>
+    <p:bg>
+      <p:bgPr>
+        <a:solidFill>
+          <a:srgbClr val="E1F1F4"/>
+        </a:solidFill>
+      </p:bgPr>
+    </p:bg>
+    <p:spTree>
+      <p:nvGrpSpPr>
+        <p:cNvPr id="173" name="Shape 173"/>
         <p:cNvGrpSpPr/>
         <p:nvPr/>
       </p:nvGrpSpPr>
@@ -8659,28 +10408,33 @@
       </p:grpSpPr>
       <p:sp>
         <p:nvSpPr>
-          <p:cNvPr id="74" name="Google Shape;74;p14"/>
+          <p:cNvPr id="174" name="Google Shape;174;p28"/>
           <p:cNvSpPr txBox="1"/>
-          <p:nvPr>
-            <p:ph type="title"/>
-          </p:nvPr>
+          <p:nvPr/>
         </p:nvSpPr>
         <p:spPr>
-          <a:xfrm>
-            <a:off x="239575" y="379850"/>
-            <a:ext cx="2808000" cy="465600"/>
+          <a:xfrm rot="5400000">
+            <a:off x="6173650" y="2529050"/>
+            <a:ext cx="3334800" cy="428700"/>
           </a:xfrm>
           <a:prstGeom prst="rect">
             <a:avLst/>
           </a:prstGeom>
+          <a:noFill/>
+          <a:ln>
+            <a:noFill/>
+          </a:ln>
         </p:spPr>
         <p:txBody>
-          <a:bodyPr anchorCtr="0" anchor="b" bIns="91425" lIns="91425" spcFirstLastPara="1" rIns="91425" wrap="square" tIns="91425">
+          <a:bodyPr anchorCtr="0" anchor="ctr" bIns="91425" lIns="91425" spcFirstLastPara="1" rIns="91425" wrap="square" tIns="91425">
             <a:noAutofit/>
           </a:bodyPr>
           <a:lstStyle/>
           <a:p>
             <a:pPr indent="0" lvl="0" marL="0" rtl="0" algn="ctr">
+              <a:lnSpc>
+                <a:spcPct val="150000"/>
+              </a:lnSpc>
               <a:spcBef>
                 <a:spcPts val="0"/>
               </a:spcBef>
@@ -8690,16 +10444,81 @@
               <a:buNone/>
             </a:pPr>
             <a:r>
-              <a:rPr lang="it"/>
-              <a:t>SIP Session</a:t>
+              <a:rPr b="1" lang="it" sz="2400">
+                <a:solidFill>
+                  <a:srgbClr val="226AA4"/>
+                </a:solidFill>
+                <a:latin typeface="Roboto"/>
+                <a:ea typeface="Roboto"/>
+                <a:cs typeface="Roboto"/>
+                <a:sym typeface="Roboto"/>
+              </a:rPr>
+              <a:t>RECEIVE  RESPONSE</a:t>
             </a:r>
-            <a:endParaRPr/>
+            <a:endParaRPr b="1" sz="2400">
+              <a:solidFill>
+                <a:srgbClr val="226AA4"/>
+              </a:solidFill>
+              <a:latin typeface="Roboto"/>
+              <a:ea typeface="Roboto"/>
+              <a:cs typeface="Roboto"/>
+              <a:sym typeface="Roboto"/>
+            </a:endParaRPr>
+          </a:p>
+        </p:txBody>
+      </p:sp>
+      <p:sp>
+        <p:nvSpPr>
+          <p:cNvPr id="175" name="Google Shape;175;p28"/>
+          <p:cNvSpPr txBox="1"/>
+          <p:nvPr/>
+        </p:nvSpPr>
+        <p:spPr>
+          <a:xfrm>
+            <a:off x="4572000" y="197100"/>
+            <a:ext cx="2644200" cy="630600"/>
+          </a:xfrm>
+          <a:prstGeom prst="rect">
+            <a:avLst/>
+          </a:prstGeom>
+          <a:noFill/>
+          <a:ln>
+            <a:noFill/>
+          </a:ln>
+        </p:spPr>
+        <p:txBody>
+          <a:bodyPr anchorCtr="0" anchor="t" bIns="91425" lIns="91425" spcFirstLastPara="1" rIns="91425" wrap="square" tIns="91425">
+            <a:noAutofit/>
+          </a:bodyPr>
+          <a:lstStyle/>
+          <a:p>
+            <a:pPr indent="0" lvl="0" marL="0" rtl="0" algn="l">
+              <a:spcBef>
+                <a:spcPts val="0"/>
+              </a:spcBef>
+              <a:spcAft>
+                <a:spcPts val="0"/>
+              </a:spcAft>
+              <a:buNone/>
+            </a:pPr>
+            <a:r>
+              <a:t/>
+            </a:r>
+            <a:endParaRPr sz="1200">
+              <a:solidFill>
+                <a:srgbClr val="CFE2F3"/>
+              </a:solidFill>
+              <a:latin typeface="Roboto"/>
+              <a:ea typeface="Roboto"/>
+              <a:cs typeface="Roboto"/>
+              <a:sym typeface="Roboto"/>
+            </a:endParaRPr>
           </a:p>
         </p:txBody>
       </p:sp>
       <p:pic>
         <p:nvPicPr>
-          <p:cNvPr id="75" name="Google Shape;75;p14"/>
+          <p:cNvPr id="176" name="Google Shape;176;p28"/>
           <p:cNvPicPr preferRelativeResize="0"/>
           <p:nvPr/>
         </p:nvPicPr>
@@ -8713,8 +10532,8 @@
         </p:blipFill>
         <p:spPr>
           <a:xfrm>
-            <a:off x="3762788" y="845450"/>
-            <a:ext cx="4898068" cy="3952125"/>
+            <a:off x="434400" y="149163"/>
+            <a:ext cx="5408451" cy="4935425"/>
           </a:xfrm>
           <a:prstGeom prst="rect">
             <a:avLst/>
@@ -8727,28 +10546,36 @@
       </p:pic>
       <p:sp>
         <p:nvSpPr>
-          <p:cNvPr id="76" name="Google Shape;76;p14"/>
-          <p:cNvSpPr txBox="1"/>
-          <p:nvPr>
-            <p:ph idx="1" type="body"/>
-          </p:nvPr>
+          <p:cNvPr id="177" name="Google Shape;177;p28"/>
+          <p:cNvSpPr/>
+          <p:nvPr/>
         </p:nvSpPr>
         <p:spPr>
           <a:xfrm>
-            <a:off x="128125" y="1054675"/>
-            <a:ext cx="3030900" cy="3533700"/>
+            <a:off x="3097125" y="651700"/>
+            <a:ext cx="2644200" cy="333900"/>
           </a:xfrm>
           <a:prstGeom prst="rect">
             <a:avLst/>
           </a:prstGeom>
+          <a:noFill/>
+          <a:ln cap="flat" cmpd="sng" w="9525">
+            <a:solidFill>
+              <a:srgbClr val="FFFFFF"/>
+            </a:solidFill>
+            <a:prstDash val="solid"/>
+            <a:round/>
+            <a:headEnd len="sm" w="sm" type="none"/>
+            <a:tailEnd len="sm" w="sm" type="none"/>
+          </a:ln>
         </p:spPr>
         <p:txBody>
-          <a:bodyPr anchorCtr="0" anchor="t" bIns="91425" lIns="91425" spcFirstLastPara="1" rIns="91425" wrap="square" tIns="91425">
+          <a:bodyPr anchorCtr="0" anchor="ctr" bIns="91425" lIns="91425" spcFirstLastPara="1" rIns="91425" wrap="square" tIns="91425">
             <a:noAutofit/>
           </a:bodyPr>
           <a:lstStyle/>
           <a:p>
-            <a:pPr indent="0" lvl="0" marL="0" rtl="0" algn="l">
+            <a:pPr indent="0" lvl="0" marL="0" rtl="0" algn="ctr">
               <a:spcBef>
                 <a:spcPts val="0"/>
               </a:spcBef>
@@ -8758,129 +10585,18 @@
               <a:buNone/>
             </a:pPr>
             <a:r>
-              <a:rPr b="1" lang="it"/>
-              <a:t>Richieste SIP</a:t>
+              <a:rPr lang="it" sz="1200">
+                <a:solidFill>
+                  <a:srgbClr val="E1F1F4"/>
+                </a:solidFill>
+              </a:rPr>
+              <a:t>src/main/java/VoIP/Response.java</a:t>
             </a:r>
-            <a:endParaRPr b="1"/>
-          </a:p>
-          <a:p>
-            <a:pPr indent="-304800" lvl="0" marL="457200" rtl="0" algn="l">
-              <a:spcBef>
-                <a:spcPts val="1600"/>
-              </a:spcBef>
-              <a:spcAft>
-                <a:spcPts val="0"/>
-              </a:spcAft>
-              <a:buSzPts val="1200"/>
-              <a:buChar char="●"/>
-            </a:pPr>
-            <a:r>
-              <a:rPr lang="it"/>
-              <a:t>INVITE</a:t>
-            </a:r>
-            <a:endParaRPr/>
-          </a:p>
-          <a:p>
-            <a:pPr indent="-304800" lvl="1" marL="914400" rtl="0" algn="l">
-              <a:spcBef>
-                <a:spcPts val="0"/>
-              </a:spcBef>
-              <a:spcAft>
-                <a:spcPts val="0"/>
-              </a:spcAft>
-              <a:buSzPts val="1200"/>
-              <a:buChar char="○"/>
-            </a:pPr>
-            <a:r>
-              <a:rPr lang="it"/>
-              <a:t>utilizzato per iniziare una sessione VoIP con l’altra parte (il chiamato)</a:t>
-            </a:r>
-            <a:endParaRPr/>
-          </a:p>
-          <a:p>
-            <a:pPr indent="-304800" lvl="1" marL="914400" rtl="0" algn="l">
-              <a:spcBef>
-                <a:spcPts val="0"/>
-              </a:spcBef>
-              <a:spcAft>
-                <a:spcPts val="0"/>
-              </a:spcAft>
-              <a:buSzPts val="1200"/>
-              <a:buChar char="○"/>
-            </a:pPr>
-            <a:r>
-              <a:rPr lang="it"/>
-              <a:t>può includere descrizione del media tramite SDP</a:t>
-            </a:r>
-            <a:endParaRPr/>
-          </a:p>
-          <a:p>
-            <a:pPr indent="-304800" lvl="0" marL="457200" rtl="0" algn="l">
-              <a:spcBef>
-                <a:spcPts val="0"/>
-              </a:spcBef>
-              <a:spcAft>
-                <a:spcPts val="0"/>
-              </a:spcAft>
-              <a:buSzPts val="1200"/>
-              <a:buChar char="●"/>
-            </a:pPr>
-            <a:r>
-              <a:rPr lang="it"/>
-              <a:t>ACK</a:t>
-            </a:r>
-            <a:endParaRPr/>
-          </a:p>
-          <a:p>
-            <a:pPr indent="-304800" lvl="1" marL="914400" rtl="0" algn="l">
-              <a:spcBef>
-                <a:spcPts val="0"/>
-              </a:spcBef>
-              <a:spcAft>
-                <a:spcPts val="0"/>
-              </a:spcAft>
-              <a:buSzPts val="1200"/>
-              <a:buChar char="○"/>
-            </a:pPr>
-            <a:r>
-              <a:rPr lang="it"/>
-              <a:t>conferma la ricezione di una risposta definitiva ad una precedente richiesta di INVITE </a:t>
-            </a:r>
-            <a:endParaRPr/>
-          </a:p>
-          <a:p>
-            <a:pPr indent="-304800" lvl="0" marL="457200" rtl="0" algn="l">
-              <a:spcBef>
-                <a:spcPts val="0"/>
-              </a:spcBef>
-              <a:spcAft>
-                <a:spcPts val="0"/>
-              </a:spcAft>
-              <a:buSzPts val="1200"/>
-              <a:buChar char="●"/>
-            </a:pPr>
-            <a:r>
-              <a:rPr lang="it"/>
-              <a:t>BYE</a:t>
-            </a:r>
-            <a:endParaRPr/>
-          </a:p>
-          <a:p>
-            <a:pPr indent="-304800" lvl="1" marL="914400" rtl="0" algn="l">
-              <a:spcBef>
-                <a:spcPts val="0"/>
-              </a:spcBef>
-              <a:spcAft>
-                <a:spcPts val="0"/>
-              </a:spcAft>
-              <a:buSzPts val="1200"/>
-              <a:buChar char="○"/>
-            </a:pPr>
-            <a:r>
-              <a:rPr lang="it"/>
-              <a:t>abbatte una connessione</a:t>
-            </a:r>
-            <a:endParaRPr/>
+            <a:endParaRPr sz="1200">
+              <a:solidFill>
+                <a:srgbClr val="E1F1F4"/>
+              </a:solidFill>
+            </a:endParaRPr>
           </a:p>
         </p:txBody>
       </p:sp>
@@ -8892,294 +10608,8 @@
 </p:sld>
 </file>
 
-<file path=ppt/slides/slide3.xml><?xml version="1.0" encoding="utf-8"?>
-<p:sld xmlns:a="http://schemas.openxmlformats.org/drawingml/2006/main" xmlns:r="http://schemas.openxmlformats.org/officeDocument/2006/relationships" xmlns:mc="http://schemas.openxmlformats.org/markup-compatibility/2006" xmlns:mv="urn:schemas-microsoft-com:mac:vml" xmlns:p="http://schemas.openxmlformats.org/presentationml/2006/main" xmlns:c="http://schemas.openxmlformats.org/drawingml/2006/chart" xmlns:dgm="http://schemas.openxmlformats.org/drawingml/2006/diagram" xmlns:o="urn:schemas-microsoft-com:office:office" xmlns:v="urn:schemas-microsoft-com:vml" xmlns:pvml="urn:schemas-microsoft-com:office:powerpoint" xmlns:com="http://schemas.openxmlformats.org/drawingml/2006/compatibility" xmlns:p14="http://schemas.microsoft.com/office/powerpoint/2010/main" xmlns:p15="http://schemas.microsoft.com/office/powerpoint/2012/main">
-  <p:cSld>
-    <p:spTree>
-      <p:nvGrpSpPr>
-        <p:cNvPr id="80" name="Shape 80"/>
-        <p:cNvGrpSpPr/>
-        <p:nvPr/>
-      </p:nvGrpSpPr>
-      <p:grpSpPr>
-        <a:xfrm>
-          <a:off x="0" y="0"/>
-          <a:ext cx="0" cy="0"/>
-          <a:chOff x="0" y="0"/>
-          <a:chExt cx="0" cy="0"/>
-        </a:xfrm>
-      </p:grpSpPr>
-      <p:sp>
-        <p:nvSpPr>
-          <p:cNvPr id="81" name="Google Shape;81;p15"/>
-          <p:cNvSpPr txBox="1"/>
-          <p:nvPr>
-            <p:ph type="title"/>
-          </p:nvPr>
-        </p:nvSpPr>
-        <p:spPr>
-          <a:xfrm>
-            <a:off x="98250" y="16350"/>
-            <a:ext cx="3339900" cy="602700"/>
-          </a:xfrm>
-          <a:prstGeom prst="rect">
-            <a:avLst/>
-          </a:prstGeom>
-        </p:spPr>
-        <p:txBody>
-          <a:bodyPr anchorCtr="0" anchor="ctr" bIns="91425" lIns="91425" spcFirstLastPara="1" rIns="91425" wrap="square" tIns="91425">
-            <a:noAutofit/>
-          </a:bodyPr>
-          <a:lstStyle/>
-          <a:p>
-            <a:pPr indent="0" lvl="0" marL="0" rtl="0" algn="l">
-              <a:spcBef>
-                <a:spcPts val="0"/>
-              </a:spcBef>
-              <a:spcAft>
-                <a:spcPts val="0"/>
-              </a:spcAft>
-              <a:buNone/>
-            </a:pPr>
-            <a:r>
-              <a:rPr lang="it"/>
-              <a:t>SIP - Use Case Diagram</a:t>
-            </a:r>
-            <a:endParaRPr/>
-          </a:p>
-        </p:txBody>
-      </p:sp>
-      <p:pic>
-        <p:nvPicPr>
-          <p:cNvPr id="82" name="Google Shape;82;p15"/>
-          <p:cNvPicPr preferRelativeResize="0"/>
-          <p:nvPr/>
-        </p:nvPicPr>
-        <p:blipFill>
-          <a:blip r:embed="rId3">
-            <a:alphaModFix/>
-          </a:blip>
-          <a:stretch>
-            <a:fillRect/>
-          </a:stretch>
-        </p:blipFill>
-        <p:spPr>
-          <a:xfrm>
-            <a:off x="152400" y="771450"/>
-            <a:ext cx="8839198" cy="4213278"/>
-          </a:xfrm>
-          <a:prstGeom prst="rect">
-            <a:avLst/>
-          </a:prstGeom>
-          <a:noFill/>
-          <a:ln>
-            <a:noFill/>
-          </a:ln>
-        </p:spPr>
-      </p:pic>
-    </p:spTree>
-  </p:cSld>
-  <p:clrMapOvr>
-    <a:masterClrMapping/>
-  </p:clrMapOvr>
-</p:sld>
-</file>
-
-<file path=ppt/slides/slide4.xml><?xml version="1.0" encoding="utf-8"?>
-<p:sld xmlns:a="http://schemas.openxmlformats.org/drawingml/2006/main" xmlns:r="http://schemas.openxmlformats.org/officeDocument/2006/relationships" xmlns:mc="http://schemas.openxmlformats.org/markup-compatibility/2006" xmlns:mv="urn:schemas-microsoft-com:mac:vml" xmlns:p="http://schemas.openxmlformats.org/presentationml/2006/main" xmlns:c="http://schemas.openxmlformats.org/drawingml/2006/chart" xmlns:dgm="http://schemas.openxmlformats.org/drawingml/2006/diagram" xmlns:o="urn:schemas-microsoft-com:office:office" xmlns:v="urn:schemas-microsoft-com:vml" xmlns:pvml="urn:schemas-microsoft-com:office:powerpoint" xmlns:com="http://schemas.openxmlformats.org/drawingml/2006/compatibility" xmlns:p14="http://schemas.microsoft.com/office/powerpoint/2010/main" xmlns:p15="http://schemas.microsoft.com/office/powerpoint/2012/main">
-  <p:cSld>
-    <p:bg>
-      <p:bgPr>
-        <a:solidFill>
-          <a:srgbClr val="226AA4"/>
-        </a:solidFill>
-      </p:bgPr>
-    </p:bg>
-    <p:spTree>
-      <p:nvGrpSpPr>
-        <p:cNvPr id="86" name="Shape 86"/>
-        <p:cNvGrpSpPr/>
-        <p:nvPr/>
-      </p:nvGrpSpPr>
-      <p:grpSpPr>
-        <a:xfrm>
-          <a:off x="0" y="0"/>
-          <a:ext cx="0" cy="0"/>
-          <a:chOff x="0" y="0"/>
-          <a:chExt cx="0" cy="0"/>
-        </a:xfrm>
-      </p:grpSpPr>
-      <p:sp>
-        <p:nvSpPr>
-          <p:cNvPr id="87" name="Google Shape;87;p16"/>
-          <p:cNvSpPr txBox="1"/>
-          <p:nvPr>
-            <p:ph type="title"/>
-          </p:nvPr>
-        </p:nvSpPr>
-        <p:spPr>
-          <a:xfrm>
-            <a:off x="98250" y="16350"/>
-            <a:ext cx="2652600" cy="602700"/>
-          </a:xfrm>
-          <a:prstGeom prst="rect">
-            <a:avLst/>
-          </a:prstGeom>
-        </p:spPr>
-        <p:txBody>
-          <a:bodyPr anchorCtr="0" anchor="ctr" bIns="91425" lIns="91425" spcFirstLastPara="1" rIns="91425" wrap="square" tIns="91425">
-            <a:noAutofit/>
-          </a:bodyPr>
-          <a:lstStyle/>
-          <a:p>
-            <a:pPr indent="0" lvl="0" marL="0" rtl="0" algn="l">
-              <a:spcBef>
-                <a:spcPts val="0"/>
-              </a:spcBef>
-              <a:spcAft>
-                <a:spcPts val="0"/>
-              </a:spcAft>
-              <a:buNone/>
-            </a:pPr>
-            <a:r>
-              <a:rPr lang="it"/>
-              <a:t>SIP - Class Diagram</a:t>
-            </a:r>
-            <a:endParaRPr/>
-          </a:p>
-        </p:txBody>
-      </p:sp>
-      <p:pic>
-        <p:nvPicPr>
-          <p:cNvPr id="88" name="Google Shape;88;p16"/>
-          <p:cNvPicPr preferRelativeResize="0"/>
-          <p:nvPr/>
-        </p:nvPicPr>
-        <p:blipFill>
-          <a:blip r:embed="rId3">
-            <a:alphaModFix/>
-          </a:blip>
-          <a:stretch>
-            <a:fillRect/>
-          </a:stretch>
-        </p:blipFill>
-        <p:spPr>
-          <a:xfrm>
-            <a:off x="161012" y="977100"/>
-            <a:ext cx="8821975" cy="3695899"/>
-          </a:xfrm>
-          <a:prstGeom prst="rect">
-            <a:avLst/>
-          </a:prstGeom>
-          <a:noFill/>
-          <a:ln>
-            <a:noFill/>
-          </a:ln>
-        </p:spPr>
-      </p:pic>
-    </p:spTree>
-  </p:cSld>
-  <p:clrMapOvr>
-    <a:masterClrMapping/>
-  </p:clrMapOvr>
-</p:sld>
-</file>
-
-<file path=ppt/slides/slide5.xml><?xml version="1.0" encoding="utf-8"?>
-<p:sld xmlns:a="http://schemas.openxmlformats.org/drawingml/2006/main" xmlns:r="http://schemas.openxmlformats.org/officeDocument/2006/relationships" xmlns:mc="http://schemas.openxmlformats.org/markup-compatibility/2006" xmlns:mv="urn:schemas-microsoft-com:mac:vml" xmlns:p="http://schemas.openxmlformats.org/presentationml/2006/main" xmlns:c="http://schemas.openxmlformats.org/drawingml/2006/chart" xmlns:dgm="http://schemas.openxmlformats.org/drawingml/2006/diagram" xmlns:o="urn:schemas-microsoft-com:office:office" xmlns:v="urn:schemas-microsoft-com:vml" xmlns:pvml="urn:schemas-microsoft-com:office:powerpoint" xmlns:com="http://schemas.openxmlformats.org/drawingml/2006/compatibility" xmlns:p14="http://schemas.microsoft.com/office/powerpoint/2010/main" xmlns:p15="http://schemas.microsoft.com/office/powerpoint/2012/main">
-  <p:cSld>
-    <p:spTree>
-      <p:nvGrpSpPr>
-        <p:cNvPr id="92" name="Shape 92"/>
-        <p:cNvGrpSpPr/>
-        <p:nvPr/>
-      </p:nvGrpSpPr>
-      <p:grpSpPr>
-        <a:xfrm>
-          <a:off x="0" y="0"/>
-          <a:ext cx="0" cy="0"/>
-          <a:chOff x="0" y="0"/>
-          <a:chExt cx="0" cy="0"/>
-        </a:xfrm>
-      </p:grpSpPr>
-      <p:sp>
-        <p:nvSpPr>
-          <p:cNvPr id="93" name="Google Shape;93;p17"/>
-          <p:cNvSpPr txBox="1"/>
-          <p:nvPr>
-            <p:ph type="title"/>
-          </p:nvPr>
-        </p:nvSpPr>
-        <p:spPr>
-          <a:xfrm>
-            <a:off x="0" y="16350"/>
-            <a:ext cx="9144000" cy="602700"/>
-          </a:xfrm>
-          <a:prstGeom prst="rect">
-            <a:avLst/>
-          </a:prstGeom>
-        </p:spPr>
-        <p:txBody>
-          <a:bodyPr anchorCtr="0" anchor="ctr" bIns="91425" lIns="91425" spcFirstLastPara="1" rIns="91425" wrap="square" tIns="91425">
-            <a:noAutofit/>
-          </a:bodyPr>
-          <a:lstStyle/>
-          <a:p>
-            <a:pPr indent="0" lvl="0" marL="0" rtl="0" algn="l">
-              <a:spcBef>
-                <a:spcPts val="0"/>
-              </a:spcBef>
-              <a:spcAft>
-                <a:spcPts val="0"/>
-              </a:spcAft>
-              <a:buNone/>
-            </a:pPr>
-            <a:r>
-              <a:rPr lang="it"/>
-              <a:t>RTP - Class Diagram</a:t>
-            </a:r>
-            <a:endParaRPr/>
-          </a:p>
-        </p:txBody>
-      </p:sp>
-      <p:pic>
-        <p:nvPicPr>
-          <p:cNvPr id="94" name="Google Shape;94;p17"/>
-          <p:cNvPicPr preferRelativeResize="0"/>
-          <p:nvPr/>
-        </p:nvPicPr>
-        <p:blipFill>
-          <a:blip r:embed="rId3">
-            <a:alphaModFix/>
-          </a:blip>
-          <a:stretch>
-            <a:fillRect/>
-          </a:stretch>
-        </p:blipFill>
-        <p:spPr>
-          <a:xfrm>
-            <a:off x="1620475" y="751125"/>
-            <a:ext cx="5903060" cy="4219650"/>
-          </a:xfrm>
-          <a:prstGeom prst="rect">
-            <a:avLst/>
-          </a:prstGeom>
-          <a:noFill/>
-          <a:ln>
-            <a:noFill/>
-          </a:ln>
-        </p:spPr>
-      </p:pic>
-    </p:spTree>
-  </p:cSld>
-  <p:clrMapOvr>
-    <a:masterClrMapping/>
-  </p:clrMapOvr>
-</p:sld>
-</file>
-
-<file path=ppt/slides/slide6.xml><?xml version="1.0" encoding="utf-8"?>
-<p:sld xmlns:a="http://schemas.openxmlformats.org/drawingml/2006/main" xmlns:r="http://schemas.openxmlformats.org/officeDocument/2006/relationships" xmlns:mc="http://schemas.openxmlformats.org/markup-compatibility/2006" xmlns:mv="urn:schemas-microsoft-com:mac:vml" xmlns:p="http://schemas.openxmlformats.org/presentationml/2006/main" xmlns:c="http://schemas.openxmlformats.org/drawingml/2006/chart" xmlns:dgm="http://schemas.openxmlformats.org/drawingml/2006/diagram" xmlns:o="urn:schemas-microsoft-com:office:office" xmlns:v="urn:schemas-microsoft-com:vml" xmlns:pvml="urn:schemas-microsoft-com:office:powerpoint" xmlns:com="http://schemas.openxmlformats.org/drawingml/2006/compatibility" xmlns:p14="http://schemas.microsoft.com/office/powerpoint/2010/main" xmlns:p15="http://schemas.microsoft.com/office/powerpoint/2012/main">
+<file path=ppt/slides/slide17.xml><?xml version="1.0" encoding="utf-8"?>
+<p:sld xmlns:a="http://schemas.openxmlformats.org/drawingml/2006/main" xmlns:r="http://schemas.openxmlformats.org/officeDocument/2006/relationships" xmlns:mc="http://schemas.openxmlformats.org/markup-compatibility/2006" xmlns:mv="urn:schemas-microsoft-com:mac:vml" xmlns:p="http://schemas.openxmlformats.org/presentationml/2006/main" xmlns:c="http://schemas.openxmlformats.org/drawingml/2006/chart" xmlns:dgm="http://schemas.openxmlformats.org/drawingml/2006/diagram" xmlns:o="urn:schemas-microsoft-com:office:office" xmlns:v="urn:schemas-microsoft-com:vml" xmlns:pvml="urn:schemas-microsoft-com:office:powerpoint" xmlns:com="http://schemas.openxmlformats.org/drawingml/2006/compatibility" xmlns:p14="http://schemas.microsoft.com/office/powerpoint/2010/main" xmlns:p15="http://schemas.microsoft.com/office/powerpoint/2012/main" xmlns:ahyp="http://schemas.microsoft.com/office/drawing/2018/hyperlinkcolor">
   <p:cSld>
     <p:bg>
       <p:bgPr>
@@ -9190,7 +10620,7 @@
     </p:bg>
     <p:spTree>
       <p:nvGrpSpPr>
-        <p:cNvPr id="98" name="Shape 98"/>
+        <p:cNvPr id="181" name="Shape 181"/>
         <p:cNvGrpSpPr/>
         <p:nvPr/>
       </p:nvGrpSpPr>
@@ -9204,7 +10634,7 @@
       </p:grpSpPr>
       <p:pic>
         <p:nvPicPr>
-          <p:cNvPr id="99" name="Google Shape;99;p18"/>
+          <p:cNvPr id="182" name="Google Shape;182;p29"/>
           <p:cNvPicPr preferRelativeResize="0"/>
           <p:nvPr/>
         </p:nvPicPr>
@@ -9218,8 +10648,8 @@
         </p:blipFill>
         <p:spPr>
           <a:xfrm>
-            <a:off x="1892500" y="204237"/>
-            <a:ext cx="6563200" cy="4735024"/>
+            <a:off x="2113250" y="100825"/>
+            <a:ext cx="6665400" cy="4941826"/>
           </a:xfrm>
           <a:prstGeom prst="rect">
             <a:avLst/>
@@ -9232,14 +10662,70 @@
       </p:pic>
       <p:sp>
         <p:nvSpPr>
-          <p:cNvPr id="100" name="Google Shape;100;p18"/>
+          <p:cNvPr id="183" name="Google Shape;183;p29"/>
+          <p:cNvSpPr/>
+          <p:nvPr/>
+        </p:nvSpPr>
+        <p:spPr>
+          <a:xfrm>
+            <a:off x="5734700" y="213000"/>
+            <a:ext cx="2957100" cy="333900"/>
+          </a:xfrm>
+          <a:prstGeom prst="rect">
+            <a:avLst/>
+          </a:prstGeom>
+          <a:noFill/>
+          <a:ln cap="flat" cmpd="sng" w="9525">
+            <a:solidFill>
+              <a:srgbClr val="FFFFFF"/>
+            </a:solidFill>
+            <a:prstDash val="solid"/>
+            <a:round/>
+            <a:headEnd len="sm" w="sm" type="none"/>
+            <a:tailEnd len="sm" w="sm" type="none"/>
+          </a:ln>
+        </p:spPr>
+        <p:txBody>
+          <a:bodyPr anchorCtr="0" anchor="ctr" bIns="91425" lIns="91425" spcFirstLastPara="1" rIns="91425" wrap="square" tIns="91425">
+            <a:noAutofit/>
+          </a:bodyPr>
+          <a:lstStyle/>
+          <a:p>
+            <a:pPr indent="0" lvl="0" marL="0" rtl="0" algn="l">
+              <a:spcBef>
+                <a:spcPts val="0"/>
+              </a:spcBef>
+              <a:spcAft>
+                <a:spcPts val="0"/>
+              </a:spcAft>
+              <a:buNone/>
+            </a:pPr>
+            <a:r>
+              <a:rPr lang="it">
+                <a:solidFill>
+                  <a:srgbClr val="E1F1F4"/>
+                </a:solidFill>
+              </a:rPr>
+              <a:t>src/main/java/VoIP/Response.java</a:t>
+            </a:r>
+            <a:endParaRPr>
+              <a:solidFill>
+                <a:srgbClr val="E1F1F4"/>
+              </a:solidFill>
+            </a:endParaRPr>
+          </a:p>
+        </p:txBody>
+      </p:sp>
+      <p:sp>
+        <p:nvSpPr>
+          <p:cNvPr id="184" name="Google Shape;184;p29"/>
           <p:cNvSpPr txBox="1"/>
           <p:nvPr/>
         </p:nvSpPr>
         <p:spPr>
           <a:xfrm rot="-5400000">
-            <a:off x="-989550" y="2357400"/>
-            <a:ext cx="3024900" cy="428700"/>
+            <a:off x="-713950" y="2357388"/>
+            <a:ext cx="3334800" cy="428700"/>
           </a:xfrm>
           <a:prstGeom prst="rect">
             <a:avLst/>
@@ -9270,26 +10756,14 @@
             <a:r>
               <a:rPr b="1" lang="it" sz="2400">
                 <a:solidFill>
-                  <a:srgbClr val="FFFFFF"/>
+                  <a:srgbClr val="226AA4"/>
                 </a:solidFill>
                 <a:latin typeface="Roboto"/>
                 <a:ea typeface="Roboto"/>
                 <a:cs typeface="Roboto"/>
                 <a:sym typeface="Roboto"/>
               </a:rPr>
-              <a:t>  </a:t>
-            </a:r>
-            <a:r>
-              <a:rPr b="1" lang="it" sz="2400">
-                <a:solidFill>
-                  <a:srgbClr val="226AA4"/>
-                </a:solidFill>
-                <a:latin typeface="Roboto"/>
-                <a:ea typeface="Roboto"/>
-                <a:cs typeface="Roboto"/>
-                <a:sym typeface="Roboto"/>
-              </a:rPr>
-              <a:t>INVITE   REQUEST</a:t>
+              <a:t>RECEIVE  RESPONSE</a:t>
             </a:r>
             <a:endParaRPr b="1" sz="2400">
               <a:solidFill>
@@ -9311,8 +10785,8 @@
 </p:sld>
 </file>
 
-<file path=ppt/slides/slide7.xml><?xml version="1.0" encoding="utf-8"?>
-<p:sld xmlns:a="http://schemas.openxmlformats.org/drawingml/2006/main" xmlns:r="http://schemas.openxmlformats.org/officeDocument/2006/relationships" xmlns:mc="http://schemas.openxmlformats.org/markup-compatibility/2006" xmlns:mv="urn:schemas-microsoft-com:mac:vml" xmlns:p="http://schemas.openxmlformats.org/presentationml/2006/main" xmlns:c="http://schemas.openxmlformats.org/drawingml/2006/chart" xmlns:dgm="http://schemas.openxmlformats.org/drawingml/2006/diagram" xmlns:o="urn:schemas-microsoft-com:office:office" xmlns:v="urn:schemas-microsoft-com:vml" xmlns:pvml="urn:schemas-microsoft-com:office:powerpoint" xmlns:com="http://schemas.openxmlformats.org/drawingml/2006/compatibility" xmlns:p14="http://schemas.microsoft.com/office/powerpoint/2010/main" xmlns:p15="http://schemas.microsoft.com/office/powerpoint/2012/main">
+<file path=ppt/slides/slide18.xml><?xml version="1.0" encoding="utf-8"?>
+<p:sld xmlns:a="http://schemas.openxmlformats.org/drawingml/2006/main" xmlns:r="http://schemas.openxmlformats.org/officeDocument/2006/relationships" xmlns:mc="http://schemas.openxmlformats.org/markup-compatibility/2006" xmlns:mv="urn:schemas-microsoft-com:mac:vml" xmlns:p="http://schemas.openxmlformats.org/presentationml/2006/main" xmlns:c="http://schemas.openxmlformats.org/drawingml/2006/chart" xmlns:dgm="http://schemas.openxmlformats.org/drawingml/2006/diagram" xmlns:o="urn:schemas-microsoft-com:office:office" xmlns:v="urn:schemas-microsoft-com:vml" xmlns:pvml="urn:schemas-microsoft-com:office:powerpoint" xmlns:com="http://schemas.openxmlformats.org/drawingml/2006/compatibility" xmlns:p14="http://schemas.microsoft.com/office/powerpoint/2010/main" xmlns:p15="http://schemas.microsoft.com/office/powerpoint/2012/main" xmlns:ahyp="http://schemas.microsoft.com/office/drawing/2018/hyperlinkcolor">
   <p:cSld>
     <p:bg>
       <p:bgPr>
@@ -9323,67 +10797,7 @@
     </p:bg>
     <p:spTree>
       <p:nvGrpSpPr>
-        <p:cNvPr id="104" name="Shape 104"/>
-        <p:cNvGrpSpPr/>
-        <p:nvPr/>
-      </p:nvGrpSpPr>
-      <p:grpSpPr>
-        <a:xfrm>
-          <a:off x="0" y="0"/>
-          <a:ext cx="0" cy="0"/>
-          <a:chOff x="0" y="0"/>
-          <a:chExt cx="0" cy="0"/>
-        </a:xfrm>
-      </p:grpSpPr>
-      <p:pic>
-        <p:nvPicPr>
-          <p:cNvPr id="105" name="Google Shape;105;p19"/>
-          <p:cNvPicPr preferRelativeResize="0"/>
-          <p:nvPr/>
-        </p:nvPicPr>
-        <p:blipFill>
-          <a:blip r:embed="rId3">
-            <a:alphaModFix/>
-          </a:blip>
-          <a:stretch>
-            <a:fillRect/>
-          </a:stretch>
-        </p:blipFill>
-        <p:spPr>
-          <a:xfrm>
-            <a:off x="152400" y="731750"/>
-            <a:ext cx="8839201" cy="3679994"/>
-          </a:xfrm>
-          <a:prstGeom prst="rect">
-            <a:avLst/>
-          </a:prstGeom>
-          <a:noFill/>
-          <a:ln>
-            <a:noFill/>
-          </a:ln>
-        </p:spPr>
-      </p:pic>
-    </p:spTree>
-  </p:cSld>
-  <p:clrMapOvr>
-    <a:masterClrMapping/>
-  </p:clrMapOvr>
-</p:sld>
-</file>
-
-<file path=ppt/slides/slide8.xml><?xml version="1.0" encoding="utf-8"?>
-<p:sld xmlns:a="http://schemas.openxmlformats.org/drawingml/2006/main" xmlns:r="http://schemas.openxmlformats.org/officeDocument/2006/relationships" xmlns:mc="http://schemas.openxmlformats.org/markup-compatibility/2006" xmlns:mv="urn:schemas-microsoft-com:mac:vml" xmlns:p="http://schemas.openxmlformats.org/presentationml/2006/main" xmlns:c="http://schemas.openxmlformats.org/drawingml/2006/chart" xmlns:dgm="http://schemas.openxmlformats.org/drawingml/2006/diagram" xmlns:o="urn:schemas-microsoft-com:office:office" xmlns:v="urn:schemas-microsoft-com:vml" xmlns:pvml="urn:schemas-microsoft-com:office:powerpoint" xmlns:com="http://schemas.openxmlformats.org/drawingml/2006/compatibility" xmlns:p14="http://schemas.microsoft.com/office/powerpoint/2010/main" xmlns:p15="http://schemas.microsoft.com/office/powerpoint/2012/main">
-  <p:cSld>
-    <p:bg>
-      <p:bgPr>
-        <a:solidFill>
-          <a:srgbClr val="E1F1F4"/>
-        </a:solidFill>
-      </p:bgPr>
-    </p:bg>
-    <p:spTree>
-      <p:nvGrpSpPr>
-        <p:cNvPr id="109" name="Shape 109"/>
+        <p:cNvPr id="188" name="Shape 188"/>
         <p:cNvGrpSpPr/>
         <p:nvPr/>
       </p:nvGrpSpPr>
@@ -9397,22 +10811,20 @@
       </p:grpSpPr>
       <p:sp>
         <p:nvSpPr>
-          <p:cNvPr id="110" name="Google Shape;110;p20"/>
+          <p:cNvPr id="189" name="Google Shape;189;p30"/>
           <p:cNvSpPr txBox="1"/>
-          <p:nvPr/>
+          <p:nvPr>
+            <p:ph type="title"/>
+          </p:nvPr>
         </p:nvSpPr>
         <p:spPr>
-          <a:xfrm rot="5400000">
-            <a:off x="6958550" y="2512350"/>
-            <a:ext cx="3334800" cy="428700"/>
+          <a:xfrm>
+            <a:off x="2456088" y="199625"/>
+            <a:ext cx="4110900" cy="506400"/>
           </a:xfrm>
           <a:prstGeom prst="rect">
             <a:avLst/>
           </a:prstGeom>
-          <a:noFill/>
-          <a:ln>
-            <a:noFill/>
-          </a:ln>
         </p:spPr>
         <p:txBody>
           <a:bodyPr anchorCtr="0" anchor="ctr" bIns="91425" lIns="91425" spcFirstLastPara="1" rIns="91425" wrap="square" tIns="91425">
@@ -9421,9 +10833,6 @@
           <a:lstStyle/>
           <a:p>
             <a:pPr indent="0" lvl="0" marL="0" rtl="0" algn="ctr">
-              <a:lnSpc>
-                <a:spcPct val="150000"/>
-              </a:lnSpc>
               <a:spcBef>
                 <a:spcPts val="0"/>
               </a:spcBef>
@@ -9437,28 +10846,20 @@
                 <a:solidFill>
                   <a:srgbClr val="226AA4"/>
                 </a:solidFill>
-                <a:latin typeface="Roboto"/>
-                <a:ea typeface="Roboto"/>
-                <a:cs typeface="Roboto"/>
-                <a:sym typeface="Roboto"/>
               </a:rPr>
-              <a:t>RECEIVE  RESPONSE</a:t>
+              <a:t>Socket Timeout Exception</a:t>
             </a:r>
             <a:endParaRPr b="1" sz="2400">
               <a:solidFill>
                 <a:srgbClr val="226AA4"/>
               </a:solidFill>
-              <a:latin typeface="Roboto"/>
-              <a:ea typeface="Roboto"/>
-              <a:cs typeface="Roboto"/>
-              <a:sym typeface="Roboto"/>
             </a:endParaRPr>
           </a:p>
         </p:txBody>
       </p:sp>
       <p:pic>
         <p:nvPicPr>
-          <p:cNvPr id="111" name="Google Shape;111;p20"/>
+          <p:cNvPr id="190" name="Google Shape;190;p30"/>
           <p:cNvPicPr preferRelativeResize="0"/>
           <p:nvPr/>
         </p:nvPicPr>
@@ -9472,8 +10873,8 @@
         </p:blipFill>
         <p:spPr>
           <a:xfrm>
-            <a:off x="1030075" y="100825"/>
-            <a:ext cx="6415299" cy="4941850"/>
+            <a:off x="240375" y="849925"/>
+            <a:ext cx="8185243" cy="4039150"/>
           </a:xfrm>
           <a:prstGeom prst="rect">
             <a:avLst/>
@@ -9482,8 +10883,112 @@
           <a:ln>
             <a:noFill/>
           </a:ln>
+          <a:effectLst>
+            <a:outerShdw blurRad="57150" rotWithShape="0" algn="bl" dir="5400000" dist="57150">
+              <a:srgbClr val="000000">
+                <a:alpha val="50000"/>
+              </a:srgbClr>
+            </a:outerShdw>
+          </a:effectLst>
         </p:spPr>
       </p:pic>
+      <p:pic>
+        <p:nvPicPr>
+          <p:cNvPr id="191" name="Google Shape;191;p30"/>
+          <p:cNvPicPr preferRelativeResize="0"/>
+          <p:nvPr/>
+        </p:nvPicPr>
+        <p:blipFill>
+          <a:blip r:embed="rId4">
+            <a:alphaModFix/>
+          </a:blip>
+          <a:stretch>
+            <a:fillRect/>
+          </a:stretch>
+        </p:blipFill>
+        <p:spPr>
+          <a:xfrm>
+            <a:off x="4759850" y="3024050"/>
+            <a:ext cx="4287101" cy="2048900"/>
+          </a:xfrm>
+          <a:prstGeom prst="rect">
+            <a:avLst/>
+          </a:prstGeom>
+          <a:noFill/>
+          <a:ln cap="flat" cmpd="sng" w="9525">
+            <a:solidFill>
+              <a:srgbClr val="FFFFFF"/>
+            </a:solidFill>
+            <a:prstDash val="solid"/>
+            <a:round/>
+            <a:headEnd len="sm" w="sm" type="none"/>
+            <a:tailEnd len="sm" w="sm" type="none"/>
+          </a:ln>
+          <a:effectLst>
+            <a:outerShdw blurRad="57150" rotWithShape="0" algn="bl" dir="840000" dist="57150">
+              <a:srgbClr val="000000">
+                <a:alpha val="18000"/>
+              </a:srgbClr>
+            </a:outerShdw>
+          </a:effectLst>
+        </p:spPr>
+      </p:pic>
+      <p:sp>
+        <p:nvSpPr>
+          <p:cNvPr id="192" name="Google Shape;192;p30"/>
+          <p:cNvSpPr/>
+          <p:nvPr/>
+        </p:nvSpPr>
+        <p:spPr>
+          <a:xfrm>
+            <a:off x="5630100" y="2536950"/>
+            <a:ext cx="2630100" cy="333900"/>
+          </a:xfrm>
+          <a:prstGeom prst="rect">
+            <a:avLst/>
+          </a:prstGeom>
+          <a:noFill/>
+          <a:ln cap="flat" cmpd="sng" w="9525">
+            <a:solidFill>
+              <a:srgbClr val="FFFFFF"/>
+            </a:solidFill>
+            <a:prstDash val="solid"/>
+            <a:round/>
+            <a:headEnd len="sm" w="sm" type="none"/>
+            <a:tailEnd len="sm" w="sm" type="none"/>
+          </a:ln>
+        </p:spPr>
+        <p:txBody>
+          <a:bodyPr anchorCtr="0" anchor="ctr" bIns="91425" lIns="91425" spcFirstLastPara="1" rIns="91425" wrap="square" tIns="91425">
+            <a:noAutofit/>
+          </a:bodyPr>
+          <a:lstStyle/>
+          <a:p>
+            <a:pPr indent="0" lvl="0" marL="0" rtl="0" algn="l">
+              <a:spcBef>
+                <a:spcPts val="0"/>
+              </a:spcBef>
+              <a:spcAft>
+                <a:spcPts val="0"/>
+              </a:spcAft>
+              <a:buNone/>
+            </a:pPr>
+            <a:r>
+              <a:rPr lang="it" sz="1200">
+                <a:solidFill>
+                  <a:srgbClr val="E1F1F4"/>
+                </a:solidFill>
+              </a:rPr>
+              <a:t>src/main/java/VoIP/UserAgent.java</a:t>
+            </a:r>
+            <a:endParaRPr sz="1200">
+              <a:solidFill>
+                <a:srgbClr val="E1F1F4"/>
+              </a:solidFill>
+            </a:endParaRPr>
+          </a:p>
+        </p:txBody>
+      </p:sp>
     </p:spTree>
   </p:cSld>
   <p:clrMapOvr>
@@ -9492,8 +10997,8 @@
 </p:sld>
 </file>
 
-<file path=ppt/slides/slide9.xml><?xml version="1.0" encoding="utf-8"?>
-<p:sld xmlns:a="http://schemas.openxmlformats.org/drawingml/2006/main" xmlns:r="http://schemas.openxmlformats.org/officeDocument/2006/relationships" xmlns:mc="http://schemas.openxmlformats.org/markup-compatibility/2006" xmlns:mv="urn:schemas-microsoft-com:mac:vml" xmlns:p="http://schemas.openxmlformats.org/presentationml/2006/main" xmlns:c="http://schemas.openxmlformats.org/drawingml/2006/chart" xmlns:dgm="http://schemas.openxmlformats.org/drawingml/2006/diagram" xmlns:o="urn:schemas-microsoft-com:office:office" xmlns:v="urn:schemas-microsoft-com:vml" xmlns:pvml="urn:schemas-microsoft-com:office:powerpoint" xmlns:com="http://schemas.openxmlformats.org/drawingml/2006/compatibility" xmlns:p14="http://schemas.microsoft.com/office/powerpoint/2010/main" xmlns:p15="http://schemas.microsoft.com/office/powerpoint/2012/main">
+<file path=ppt/slides/slide19.xml><?xml version="1.0" encoding="utf-8"?>
+<p:sld xmlns:a="http://schemas.openxmlformats.org/drawingml/2006/main" xmlns:r="http://schemas.openxmlformats.org/officeDocument/2006/relationships" xmlns:mc="http://schemas.openxmlformats.org/markup-compatibility/2006" xmlns:mv="urn:schemas-microsoft-com:mac:vml" xmlns:p="http://schemas.openxmlformats.org/presentationml/2006/main" xmlns:c="http://schemas.openxmlformats.org/drawingml/2006/chart" xmlns:dgm="http://schemas.openxmlformats.org/drawingml/2006/diagram" xmlns:o="urn:schemas-microsoft-com:office:office" xmlns:v="urn:schemas-microsoft-com:vml" xmlns:pvml="urn:schemas-microsoft-com:office:powerpoint" xmlns:com="http://schemas.openxmlformats.org/drawingml/2006/compatibility" xmlns:p14="http://schemas.microsoft.com/office/powerpoint/2010/main" xmlns:p15="http://schemas.microsoft.com/office/powerpoint/2012/main" xmlns:ahyp="http://schemas.microsoft.com/office/drawing/2018/hyperlinkcolor">
   <p:cSld>
     <p:bg>
       <p:bgPr>
@@ -9504,7 +11009,7 @@
     </p:bg>
     <p:spTree>
       <p:nvGrpSpPr>
-        <p:cNvPr id="115" name="Shape 115"/>
+        <p:cNvPr id="196" name="Shape 196"/>
         <p:cNvGrpSpPr/>
         <p:nvPr/>
       </p:nvGrpSpPr>
@@ -9516,9 +11021,57 @@
           <a:chExt cx="0" cy="0"/>
         </a:xfrm>
       </p:grpSpPr>
+      <p:sp>
+        <p:nvSpPr>
+          <p:cNvPr id="197" name="Google Shape;197;p31"/>
+          <p:cNvSpPr txBox="1"/>
+          <p:nvPr>
+            <p:ph type="title"/>
+          </p:nvPr>
+        </p:nvSpPr>
+        <p:spPr>
+          <a:xfrm>
+            <a:off x="226063" y="315725"/>
+            <a:ext cx="2808000" cy="547200"/>
+          </a:xfrm>
+          <a:prstGeom prst="rect">
+            <a:avLst/>
+          </a:prstGeom>
+        </p:spPr>
+        <p:txBody>
+          <a:bodyPr anchorCtr="0" anchor="b" bIns="91425" lIns="91425" spcFirstLastPara="1" rIns="91425" wrap="square" tIns="91425">
+            <a:noAutofit/>
+          </a:bodyPr>
+          <a:lstStyle/>
+          <a:p>
+            <a:pPr indent="0" lvl="0" marL="0" rtl="0" algn="ctr">
+              <a:spcBef>
+                <a:spcPts val="0"/>
+              </a:spcBef>
+              <a:spcAft>
+                <a:spcPts val="0"/>
+              </a:spcAft>
+              <a:buNone/>
+            </a:pPr>
+            <a:r>
+              <a:rPr b="1" lang="it">
+                <a:solidFill>
+                  <a:srgbClr val="226AA4"/>
+                </a:solidFill>
+              </a:rPr>
+              <a:t>RTP Packet Class</a:t>
+            </a:r>
+            <a:endParaRPr b="1">
+              <a:solidFill>
+                <a:srgbClr val="226AA4"/>
+              </a:solidFill>
+            </a:endParaRPr>
+          </a:p>
+        </p:txBody>
+      </p:sp>
       <p:pic>
         <p:nvPicPr>
-          <p:cNvPr id="116" name="Google Shape;116;p21"/>
+          <p:cNvPr id="198" name="Google Shape;198;p31"/>
           <p:cNvPicPr preferRelativeResize="0"/>
           <p:nvPr/>
         </p:nvPicPr>
@@ -9532,8 +11085,2257 @@
         </p:blipFill>
         <p:spPr>
           <a:xfrm>
-            <a:off x="152400" y="357413"/>
-            <a:ext cx="8839199" cy="4428674"/>
+            <a:off x="4200175" y="175375"/>
+            <a:ext cx="4042949" cy="4792751"/>
+          </a:xfrm>
+          <a:prstGeom prst="rect">
+            <a:avLst/>
+          </a:prstGeom>
+          <a:noFill/>
+          <a:ln>
+            <a:noFill/>
+          </a:ln>
+          <a:effectLst>
+            <a:outerShdw blurRad="57150" rotWithShape="0" algn="bl" dir="5400000" dist="57150">
+              <a:srgbClr val="000000">
+                <a:alpha val="38000"/>
+              </a:srgbClr>
+            </a:outerShdw>
+          </a:effectLst>
+        </p:spPr>
+      </p:pic>
+      <p:pic>
+        <p:nvPicPr>
+          <p:cNvPr id="199" name="Google Shape;199;p31"/>
+          <p:cNvPicPr preferRelativeResize="0"/>
+          <p:nvPr/>
+        </p:nvPicPr>
+        <p:blipFill>
+          <a:blip r:embed="rId4">
+            <a:alphaModFix/>
+          </a:blip>
+          <a:stretch>
+            <a:fillRect/>
+          </a:stretch>
+        </p:blipFill>
+        <p:spPr>
+          <a:xfrm>
+            <a:off x="226050" y="1840011"/>
+            <a:ext cx="2808025" cy="1971979"/>
+          </a:xfrm>
+          <a:prstGeom prst="rect">
+            <a:avLst/>
+          </a:prstGeom>
+          <a:noFill/>
+          <a:ln>
+            <a:noFill/>
+          </a:ln>
+          <a:effectLst>
+            <a:outerShdw blurRad="57150" rotWithShape="0" algn="bl" dir="5400000" dist="57150">
+              <a:srgbClr val="000000">
+                <a:alpha val="37000"/>
+              </a:srgbClr>
+            </a:outerShdw>
+          </a:effectLst>
+        </p:spPr>
+      </p:pic>
+      <p:sp>
+        <p:nvSpPr>
+          <p:cNvPr id="200" name="Google Shape;200;p31"/>
+          <p:cNvSpPr/>
+          <p:nvPr/>
+        </p:nvSpPr>
+        <p:spPr>
+          <a:xfrm>
+            <a:off x="5530025" y="4577800"/>
+            <a:ext cx="2666100" cy="333900"/>
+          </a:xfrm>
+          <a:prstGeom prst="rect">
+            <a:avLst/>
+          </a:prstGeom>
+          <a:noFill/>
+          <a:ln cap="flat" cmpd="sng" w="9525">
+            <a:solidFill>
+              <a:srgbClr val="FFFFFF"/>
+            </a:solidFill>
+            <a:prstDash val="solid"/>
+            <a:round/>
+            <a:headEnd len="sm" w="sm" type="none"/>
+            <a:tailEnd len="sm" w="sm" type="none"/>
+          </a:ln>
+        </p:spPr>
+        <p:txBody>
+          <a:bodyPr anchorCtr="0" anchor="ctr" bIns="91425" lIns="91425" spcFirstLastPara="1" rIns="91425" wrap="square" tIns="91425">
+            <a:noAutofit/>
+          </a:bodyPr>
+          <a:lstStyle/>
+          <a:p>
+            <a:pPr indent="0" lvl="0" marL="0" rtl="0" algn="l">
+              <a:spcBef>
+                <a:spcPts val="0"/>
+              </a:spcBef>
+              <a:spcAft>
+                <a:spcPts val="0"/>
+              </a:spcAft>
+              <a:buNone/>
+            </a:pPr>
+            <a:r>
+              <a:rPr lang="it" sz="1200">
+                <a:solidFill>
+                  <a:srgbClr val="E1F1F4"/>
+                </a:solidFill>
+              </a:rPr>
+              <a:t>src/main/java/Audio/RTPPacket.java</a:t>
+            </a:r>
+            <a:endParaRPr sz="1200">
+              <a:solidFill>
+                <a:srgbClr val="E1F1F4"/>
+              </a:solidFill>
+            </a:endParaRPr>
+          </a:p>
+        </p:txBody>
+      </p:sp>
+    </p:spTree>
+  </p:cSld>
+  <p:clrMapOvr>
+    <a:masterClrMapping/>
+  </p:clrMapOvr>
+</p:sld>
+</file>
+
+<file path=ppt/slides/slide2.xml><?xml version="1.0" encoding="utf-8"?>
+<p:sld xmlns:a="http://schemas.openxmlformats.org/drawingml/2006/main" xmlns:r="http://schemas.openxmlformats.org/officeDocument/2006/relationships" xmlns:mc="http://schemas.openxmlformats.org/markup-compatibility/2006" xmlns:mv="urn:schemas-microsoft-com:mac:vml" xmlns:p="http://schemas.openxmlformats.org/presentationml/2006/main" xmlns:c="http://schemas.openxmlformats.org/drawingml/2006/chart" xmlns:dgm="http://schemas.openxmlformats.org/drawingml/2006/diagram" xmlns:o="urn:schemas-microsoft-com:office:office" xmlns:v="urn:schemas-microsoft-com:vml" xmlns:pvml="urn:schemas-microsoft-com:office:powerpoint" xmlns:com="http://schemas.openxmlformats.org/drawingml/2006/compatibility" xmlns:p14="http://schemas.microsoft.com/office/powerpoint/2010/main" xmlns:p15="http://schemas.microsoft.com/office/powerpoint/2012/main" xmlns:ahyp="http://schemas.microsoft.com/office/drawing/2018/hyperlinkcolor">
+  <p:cSld>
+    <p:spTree>
+      <p:nvGrpSpPr>
+        <p:cNvPr id="74" name="Shape 74"/>
+        <p:cNvGrpSpPr/>
+        <p:nvPr/>
+      </p:nvGrpSpPr>
+      <p:grpSpPr>
+        <a:xfrm>
+          <a:off x="0" y="0"/>
+          <a:ext cx="0" cy="0"/>
+          <a:chOff x="0" y="0"/>
+          <a:chExt cx="0" cy="0"/>
+        </a:xfrm>
+      </p:grpSpPr>
+      <p:sp>
+        <p:nvSpPr>
+          <p:cNvPr id="75" name="Google Shape;75;p14"/>
+          <p:cNvSpPr txBox="1"/>
+          <p:nvPr>
+            <p:ph type="ctrTitle"/>
+          </p:nvPr>
+        </p:nvSpPr>
+        <p:spPr>
+          <a:xfrm>
+            <a:off x="460950" y="204875"/>
+            <a:ext cx="8222100" cy="933600"/>
+          </a:xfrm>
+          <a:prstGeom prst="rect">
+            <a:avLst/>
+          </a:prstGeom>
+        </p:spPr>
+        <p:txBody>
+          <a:bodyPr anchorCtr="0" anchor="b" bIns="91425" lIns="91425" spcFirstLastPara="1" rIns="91425" wrap="square" tIns="91425">
+            <a:noAutofit/>
+          </a:bodyPr>
+          <a:lstStyle/>
+          <a:p>
+            <a:pPr indent="0" lvl="0" marL="0" rtl="0" algn="l">
+              <a:spcBef>
+                <a:spcPts val="0"/>
+              </a:spcBef>
+              <a:spcAft>
+                <a:spcPts val="0"/>
+              </a:spcAft>
+              <a:buNone/>
+            </a:pPr>
+            <a:r>
+              <a:rPr lang="it"/>
+              <a:t>Di cosa si tratta?</a:t>
+            </a:r>
+            <a:endParaRPr/>
+          </a:p>
+        </p:txBody>
+      </p:sp>
+      <p:sp>
+        <p:nvSpPr>
+          <p:cNvPr id="76" name="Google Shape;76;p14"/>
+          <p:cNvSpPr txBox="1"/>
+          <p:nvPr>
+            <p:ph idx="1" type="subTitle"/>
+          </p:nvPr>
+        </p:nvSpPr>
+        <p:spPr>
+          <a:xfrm>
+            <a:off x="460950" y="1306150"/>
+            <a:ext cx="3720900" cy="3462000"/>
+          </a:xfrm>
+          <a:prstGeom prst="rect">
+            <a:avLst/>
+          </a:prstGeom>
+        </p:spPr>
+        <p:txBody>
+          <a:bodyPr anchorCtr="0" anchor="t" bIns="91425" lIns="91425" spcFirstLastPara="1" rIns="91425" wrap="square" tIns="91425">
+            <a:noAutofit/>
+          </a:bodyPr>
+          <a:lstStyle/>
+          <a:p>
+            <a:pPr indent="0" lvl="0" marL="0" rtl="0" algn="l">
+              <a:lnSpc>
+                <a:spcPct val="150000"/>
+              </a:lnSpc>
+              <a:spcBef>
+                <a:spcPts val="0"/>
+              </a:spcBef>
+              <a:spcAft>
+                <a:spcPts val="0"/>
+              </a:spcAft>
+              <a:buNone/>
+            </a:pPr>
+            <a:r>
+              <a:rPr b="1" lang="it"/>
+              <a:t>User Agent VoIP</a:t>
+            </a:r>
+            <a:endParaRPr b="1"/>
+          </a:p>
+          <a:p>
+            <a:pPr indent="0" lvl="0" marL="0" rtl="0" algn="l">
+              <a:lnSpc>
+                <a:spcPct val="150000"/>
+              </a:lnSpc>
+              <a:spcBef>
+                <a:spcPts val="0"/>
+              </a:spcBef>
+              <a:spcAft>
+                <a:spcPts val="0"/>
+              </a:spcAft>
+              <a:buNone/>
+            </a:pPr>
+            <a:r>
+              <a:rPr lang="it" sz="1400"/>
+              <a:t>Un User Agent è l’elemento fondamentale del protocollo SIP e permette all’utente di effettuare chiamate sfruttando il protocollo IP senza connessione per il trasporto dati.</a:t>
+            </a:r>
+            <a:endParaRPr sz="1400"/>
+          </a:p>
+        </p:txBody>
+      </p:sp>
+      <p:sp>
+        <p:nvSpPr>
+          <p:cNvPr id="77" name="Google Shape;77;p14"/>
+          <p:cNvSpPr txBox="1"/>
+          <p:nvPr/>
+        </p:nvSpPr>
+        <p:spPr>
+          <a:xfrm>
+            <a:off x="4726350" y="1306150"/>
+            <a:ext cx="3795900" cy="3000000"/>
+          </a:xfrm>
+          <a:prstGeom prst="rect">
+            <a:avLst/>
+          </a:prstGeom>
+          <a:noFill/>
+          <a:ln>
+            <a:noFill/>
+          </a:ln>
+        </p:spPr>
+        <p:txBody>
+          <a:bodyPr anchorCtr="0" anchor="t" bIns="91425" lIns="91425" spcFirstLastPara="1" rIns="91425" wrap="square" tIns="91425">
+            <a:noAutofit/>
+          </a:bodyPr>
+          <a:lstStyle/>
+          <a:p>
+            <a:pPr indent="0" lvl="0" marL="0" rtl="0" algn="just">
+              <a:lnSpc>
+                <a:spcPct val="150000"/>
+              </a:lnSpc>
+              <a:spcBef>
+                <a:spcPts val="0"/>
+              </a:spcBef>
+              <a:spcAft>
+                <a:spcPts val="0"/>
+              </a:spcAft>
+              <a:buNone/>
+            </a:pPr>
+            <a:r>
+              <a:rPr b="1" lang="it" sz="1800">
+                <a:solidFill>
+                  <a:schemeClr val="lt1"/>
+                </a:solidFill>
+                <a:latin typeface="Roboto"/>
+                <a:ea typeface="Roboto"/>
+                <a:cs typeface="Roboto"/>
+                <a:sym typeface="Roboto"/>
+              </a:rPr>
+              <a:t>SIP - Session Initiation Protocol</a:t>
+            </a:r>
+            <a:endParaRPr b="1" sz="1800">
+              <a:solidFill>
+                <a:schemeClr val="lt1"/>
+              </a:solidFill>
+              <a:latin typeface="Roboto"/>
+              <a:ea typeface="Roboto"/>
+              <a:cs typeface="Roboto"/>
+              <a:sym typeface="Roboto"/>
+            </a:endParaRPr>
+          </a:p>
+          <a:p>
+            <a:pPr indent="0" lvl="0" marL="0" rtl="0" algn="l">
+              <a:lnSpc>
+                <a:spcPct val="150000"/>
+              </a:lnSpc>
+              <a:spcBef>
+                <a:spcPts val="0"/>
+              </a:spcBef>
+              <a:spcAft>
+                <a:spcPts val="0"/>
+              </a:spcAft>
+              <a:buNone/>
+            </a:pPr>
+            <a:r>
+              <a:rPr lang="it">
+                <a:solidFill>
+                  <a:schemeClr val="lt1"/>
+                </a:solidFill>
+                <a:latin typeface="Roboto"/>
+                <a:ea typeface="Roboto"/>
+                <a:cs typeface="Roboto"/>
+                <a:sym typeface="Roboto"/>
+              </a:rPr>
+              <a:t>Si tratta di un protocollo testuale di livello applicativo utilizzato per creare, modificare o eliminare sessioni (come ad esempio quelle VoIP) tra più partecipanti. Di default viene utilizzato su protocollo UDP.</a:t>
+            </a:r>
+            <a:endParaRPr>
+              <a:solidFill>
+                <a:schemeClr val="lt1"/>
+              </a:solidFill>
+              <a:latin typeface="Roboto"/>
+              <a:ea typeface="Roboto"/>
+              <a:cs typeface="Roboto"/>
+              <a:sym typeface="Roboto"/>
+            </a:endParaRPr>
+          </a:p>
+        </p:txBody>
+      </p:sp>
+    </p:spTree>
+  </p:cSld>
+  <p:clrMapOvr>
+    <a:masterClrMapping/>
+  </p:clrMapOvr>
+</p:sld>
+</file>
+
+<file path=ppt/slides/slide20.xml><?xml version="1.0" encoding="utf-8"?>
+<p:sld xmlns:a="http://schemas.openxmlformats.org/drawingml/2006/main" xmlns:r="http://schemas.openxmlformats.org/officeDocument/2006/relationships" xmlns:mc="http://schemas.openxmlformats.org/markup-compatibility/2006" xmlns:mv="urn:schemas-microsoft-com:mac:vml" xmlns:p="http://schemas.openxmlformats.org/presentationml/2006/main" xmlns:c="http://schemas.openxmlformats.org/drawingml/2006/chart" xmlns:dgm="http://schemas.openxmlformats.org/drawingml/2006/diagram" xmlns:o="urn:schemas-microsoft-com:office:office" xmlns:v="urn:schemas-microsoft-com:vml" xmlns:pvml="urn:schemas-microsoft-com:office:powerpoint" xmlns:com="http://schemas.openxmlformats.org/drawingml/2006/compatibility" xmlns:p14="http://schemas.microsoft.com/office/powerpoint/2010/main" xmlns:p15="http://schemas.microsoft.com/office/powerpoint/2012/main" xmlns:ahyp="http://schemas.microsoft.com/office/drawing/2018/hyperlinkcolor">
+  <p:cSld>
+    <p:bg>
+      <p:bgPr>
+        <a:solidFill>
+          <a:srgbClr val="E1F1F4"/>
+        </a:solidFill>
+      </p:bgPr>
+    </p:bg>
+    <p:spTree>
+      <p:nvGrpSpPr>
+        <p:cNvPr id="204" name="Shape 204"/>
+        <p:cNvGrpSpPr/>
+        <p:nvPr/>
+      </p:nvGrpSpPr>
+      <p:grpSpPr>
+        <a:xfrm>
+          <a:off x="0" y="0"/>
+          <a:ext cx="0" cy="0"/>
+          <a:chOff x="0" y="0"/>
+          <a:chExt cx="0" cy="0"/>
+        </a:xfrm>
+      </p:grpSpPr>
+      <p:sp>
+        <p:nvSpPr>
+          <p:cNvPr id="205" name="Google Shape;205;p32"/>
+          <p:cNvSpPr txBox="1"/>
+          <p:nvPr>
+            <p:ph type="title"/>
+          </p:nvPr>
+        </p:nvSpPr>
+        <p:spPr>
+          <a:xfrm>
+            <a:off x="0" y="16350"/>
+            <a:ext cx="4357500" cy="602700"/>
+          </a:xfrm>
+          <a:prstGeom prst="rect">
+            <a:avLst/>
+          </a:prstGeom>
+        </p:spPr>
+        <p:txBody>
+          <a:bodyPr anchorCtr="0" anchor="ctr" bIns="91425" lIns="91425" spcFirstLastPara="1" rIns="91425" wrap="square" tIns="91425">
+            <a:noAutofit/>
+          </a:bodyPr>
+          <a:lstStyle/>
+          <a:p>
+            <a:pPr indent="0" lvl="0" marL="0" rtl="0" algn="l">
+              <a:spcBef>
+                <a:spcPts val="0"/>
+              </a:spcBef>
+              <a:spcAft>
+                <a:spcPts val="0"/>
+              </a:spcAft>
+              <a:buNone/>
+            </a:pPr>
+            <a:r>
+              <a:rPr b="1" lang="it">
+                <a:solidFill>
+                  <a:srgbClr val="226AA4"/>
+                </a:solidFill>
+              </a:rPr>
+              <a:t>AudioThread Class - Send Spoiled Audio</a:t>
+            </a:r>
+            <a:endParaRPr b="1">
+              <a:solidFill>
+                <a:srgbClr val="226AA4"/>
+              </a:solidFill>
+            </a:endParaRPr>
+          </a:p>
+        </p:txBody>
+      </p:sp>
+      <p:pic>
+        <p:nvPicPr>
+          <p:cNvPr id="206" name="Google Shape;206;p32"/>
+          <p:cNvPicPr preferRelativeResize="0"/>
+          <p:nvPr/>
+        </p:nvPicPr>
+        <p:blipFill>
+          <a:blip r:embed="rId3">
+            <a:alphaModFix/>
+          </a:blip>
+          <a:stretch>
+            <a:fillRect/>
+          </a:stretch>
+        </p:blipFill>
+        <p:spPr>
+          <a:xfrm>
+            <a:off x="168638" y="998075"/>
+            <a:ext cx="8806725" cy="3908950"/>
+          </a:xfrm>
+          <a:prstGeom prst="rect">
+            <a:avLst/>
+          </a:prstGeom>
+          <a:noFill/>
+          <a:ln>
+            <a:noFill/>
+          </a:ln>
+        </p:spPr>
+      </p:pic>
+      <p:sp>
+        <p:nvSpPr>
+          <p:cNvPr id="207" name="Google Shape;207;p32"/>
+          <p:cNvSpPr/>
+          <p:nvPr/>
+        </p:nvSpPr>
+        <p:spPr>
+          <a:xfrm>
+            <a:off x="5325550" y="4189925"/>
+            <a:ext cx="2770200" cy="333900"/>
+          </a:xfrm>
+          <a:prstGeom prst="rect">
+            <a:avLst/>
+          </a:prstGeom>
+          <a:noFill/>
+          <a:ln cap="flat" cmpd="sng" w="9525">
+            <a:solidFill>
+              <a:srgbClr val="FFFFFF"/>
+            </a:solidFill>
+            <a:prstDash val="solid"/>
+            <a:round/>
+            <a:headEnd len="sm" w="sm" type="none"/>
+            <a:tailEnd len="sm" w="sm" type="none"/>
+          </a:ln>
+        </p:spPr>
+        <p:txBody>
+          <a:bodyPr anchorCtr="0" anchor="ctr" bIns="91425" lIns="91425" spcFirstLastPara="1" rIns="91425" wrap="square" tIns="91425">
+            <a:noAutofit/>
+          </a:bodyPr>
+          <a:lstStyle/>
+          <a:p>
+            <a:pPr indent="0" lvl="0" marL="0" rtl="0" algn="l">
+              <a:spcBef>
+                <a:spcPts val="0"/>
+              </a:spcBef>
+              <a:spcAft>
+                <a:spcPts val="0"/>
+              </a:spcAft>
+              <a:buNone/>
+            </a:pPr>
+            <a:r>
+              <a:rPr lang="it" sz="1200">
+                <a:solidFill>
+                  <a:srgbClr val="E1F1F4"/>
+                </a:solidFill>
+              </a:rPr>
+              <a:t>src/main/java/Audio/AudioThread.java</a:t>
+            </a:r>
+            <a:endParaRPr sz="1200">
+              <a:solidFill>
+                <a:srgbClr val="E1F1F4"/>
+              </a:solidFill>
+            </a:endParaRPr>
+          </a:p>
+        </p:txBody>
+      </p:sp>
+    </p:spTree>
+  </p:cSld>
+  <p:clrMapOvr>
+    <a:masterClrMapping/>
+  </p:clrMapOvr>
+</p:sld>
+</file>
+
+<file path=ppt/slides/slide21.xml><?xml version="1.0" encoding="utf-8"?>
+<p:sld xmlns:a="http://schemas.openxmlformats.org/drawingml/2006/main" xmlns:r="http://schemas.openxmlformats.org/officeDocument/2006/relationships" xmlns:mc="http://schemas.openxmlformats.org/markup-compatibility/2006" xmlns:mv="urn:schemas-microsoft-com:mac:vml" xmlns:p="http://schemas.openxmlformats.org/presentationml/2006/main" xmlns:c="http://schemas.openxmlformats.org/drawingml/2006/chart" xmlns:dgm="http://schemas.openxmlformats.org/drawingml/2006/diagram" xmlns:o="urn:schemas-microsoft-com:office:office" xmlns:v="urn:schemas-microsoft-com:vml" xmlns:pvml="urn:schemas-microsoft-com:office:powerpoint" xmlns:com="http://schemas.openxmlformats.org/drawingml/2006/compatibility" xmlns:p14="http://schemas.microsoft.com/office/powerpoint/2010/main" xmlns:p15="http://schemas.microsoft.com/office/powerpoint/2012/main" xmlns:ahyp="http://schemas.microsoft.com/office/drawing/2018/hyperlinkcolor">
+  <p:cSld>
+    <p:bg>
+      <p:bgPr>
+        <a:solidFill>
+          <a:srgbClr val="E1F1F4"/>
+        </a:solidFill>
+      </p:bgPr>
+    </p:bg>
+    <p:spTree>
+      <p:nvGrpSpPr>
+        <p:cNvPr id="211" name="Shape 211"/>
+        <p:cNvGrpSpPr/>
+        <p:nvPr/>
+      </p:nvGrpSpPr>
+      <p:grpSpPr>
+        <a:xfrm>
+          <a:off x="0" y="0"/>
+          <a:ext cx="0" cy="0"/>
+          <a:chOff x="0" y="0"/>
+          <a:chExt cx="0" cy="0"/>
+        </a:xfrm>
+      </p:grpSpPr>
+      <p:sp>
+        <p:nvSpPr>
+          <p:cNvPr id="212" name="Google Shape;212;p33"/>
+          <p:cNvSpPr txBox="1"/>
+          <p:nvPr>
+            <p:ph type="title"/>
+          </p:nvPr>
+        </p:nvSpPr>
+        <p:spPr>
+          <a:xfrm>
+            <a:off x="0" y="16350"/>
+            <a:ext cx="6087300" cy="602700"/>
+          </a:xfrm>
+          <a:prstGeom prst="rect">
+            <a:avLst/>
+          </a:prstGeom>
+        </p:spPr>
+        <p:txBody>
+          <a:bodyPr anchorCtr="0" anchor="ctr" bIns="91425" lIns="91425" spcFirstLastPara="1" rIns="91425" wrap="square" tIns="91425">
+            <a:noAutofit/>
+          </a:bodyPr>
+          <a:lstStyle/>
+          <a:p>
+            <a:pPr indent="0" lvl="0" marL="0" rtl="0" algn="l">
+              <a:spcBef>
+                <a:spcPts val="0"/>
+              </a:spcBef>
+              <a:spcAft>
+                <a:spcPts val="0"/>
+              </a:spcAft>
+              <a:buNone/>
+            </a:pPr>
+            <a:r>
+              <a:rPr b="1" lang="it">
+                <a:solidFill>
+                  <a:srgbClr val="226AA4"/>
+                </a:solidFill>
+              </a:rPr>
+              <a:t>AudioSinusoidalThread </a:t>
+            </a:r>
+            <a:r>
+              <a:rPr b="1" lang="it">
+                <a:solidFill>
+                  <a:srgbClr val="226AA4"/>
+                </a:solidFill>
+              </a:rPr>
+              <a:t>Class - Send Sinusoidal Audio</a:t>
+            </a:r>
+            <a:endParaRPr b="1">
+              <a:solidFill>
+                <a:srgbClr val="226AA4"/>
+              </a:solidFill>
+            </a:endParaRPr>
+          </a:p>
+        </p:txBody>
+      </p:sp>
+      <p:pic>
+        <p:nvPicPr>
+          <p:cNvPr id="213" name="Google Shape;213;p33"/>
+          <p:cNvPicPr preferRelativeResize="0"/>
+          <p:nvPr/>
+        </p:nvPicPr>
+        <p:blipFill>
+          <a:blip r:embed="rId3">
+            <a:alphaModFix/>
+          </a:blip>
+          <a:stretch>
+            <a:fillRect/>
+          </a:stretch>
+        </p:blipFill>
+        <p:spPr>
+          <a:xfrm>
+            <a:off x="1280613" y="748554"/>
+            <a:ext cx="6582775" cy="4325122"/>
+          </a:xfrm>
+          <a:prstGeom prst="rect">
+            <a:avLst/>
+          </a:prstGeom>
+          <a:noFill/>
+          <a:ln>
+            <a:noFill/>
+          </a:ln>
+        </p:spPr>
+      </p:pic>
+      <p:sp>
+        <p:nvSpPr>
+          <p:cNvPr id="214" name="Google Shape;214;p33"/>
+          <p:cNvSpPr/>
+          <p:nvPr/>
+        </p:nvSpPr>
+        <p:spPr>
+          <a:xfrm>
+            <a:off x="4266425" y="869425"/>
+            <a:ext cx="3482100" cy="333900"/>
+          </a:xfrm>
+          <a:prstGeom prst="rect">
+            <a:avLst/>
+          </a:prstGeom>
+          <a:noFill/>
+          <a:ln cap="flat" cmpd="sng" w="9525">
+            <a:solidFill>
+              <a:srgbClr val="FFFFFF"/>
+            </a:solidFill>
+            <a:prstDash val="solid"/>
+            <a:round/>
+            <a:headEnd len="sm" w="sm" type="none"/>
+            <a:tailEnd len="sm" w="sm" type="none"/>
+          </a:ln>
+        </p:spPr>
+        <p:txBody>
+          <a:bodyPr anchorCtr="0" anchor="ctr" bIns="91425" lIns="91425" spcFirstLastPara="1" rIns="91425" wrap="square" tIns="91425">
+            <a:noAutofit/>
+          </a:bodyPr>
+          <a:lstStyle/>
+          <a:p>
+            <a:pPr indent="0" lvl="0" marL="0" rtl="0" algn="l">
+              <a:spcBef>
+                <a:spcPts val="0"/>
+              </a:spcBef>
+              <a:spcAft>
+                <a:spcPts val="0"/>
+              </a:spcAft>
+              <a:buNone/>
+            </a:pPr>
+            <a:r>
+              <a:rPr lang="it" sz="1200">
+                <a:solidFill>
+                  <a:srgbClr val="E1F1F4"/>
+                </a:solidFill>
+              </a:rPr>
+              <a:t>src/main/java/Audio/AudioSinusoidalThread.java</a:t>
+            </a:r>
+            <a:endParaRPr sz="1200">
+              <a:solidFill>
+                <a:srgbClr val="E1F1F4"/>
+              </a:solidFill>
+            </a:endParaRPr>
+          </a:p>
+        </p:txBody>
+      </p:sp>
+    </p:spTree>
+  </p:cSld>
+  <p:clrMapOvr>
+    <a:masterClrMapping/>
+  </p:clrMapOvr>
+</p:sld>
+</file>
+
+<file path=ppt/slides/slide22.xml><?xml version="1.0" encoding="utf-8"?>
+<p:sld xmlns:a="http://schemas.openxmlformats.org/drawingml/2006/main" xmlns:r="http://schemas.openxmlformats.org/officeDocument/2006/relationships" xmlns:mc="http://schemas.openxmlformats.org/markup-compatibility/2006" xmlns:mv="urn:schemas-microsoft-com:mac:vml" xmlns:p="http://schemas.openxmlformats.org/presentationml/2006/main" xmlns:c="http://schemas.openxmlformats.org/drawingml/2006/chart" xmlns:dgm="http://schemas.openxmlformats.org/drawingml/2006/diagram" xmlns:o="urn:schemas-microsoft-com:office:office" xmlns:v="urn:schemas-microsoft-com:vml" xmlns:pvml="urn:schemas-microsoft-com:office:powerpoint" xmlns:com="http://schemas.openxmlformats.org/drawingml/2006/compatibility" xmlns:p14="http://schemas.microsoft.com/office/powerpoint/2010/main" xmlns:p15="http://schemas.microsoft.com/office/powerpoint/2012/main" xmlns:ahyp="http://schemas.microsoft.com/office/drawing/2018/hyperlinkcolor">
+  <p:cSld>
+    <p:bg>
+      <p:bgPr>
+        <a:solidFill>
+          <a:srgbClr val="E1F1F4"/>
+        </a:solidFill>
+      </p:bgPr>
+    </p:bg>
+    <p:spTree>
+      <p:nvGrpSpPr>
+        <p:cNvPr id="218" name="Shape 218"/>
+        <p:cNvGrpSpPr/>
+        <p:nvPr/>
+      </p:nvGrpSpPr>
+      <p:grpSpPr>
+        <a:xfrm>
+          <a:off x="0" y="0"/>
+          <a:ext cx="0" cy="0"/>
+          <a:chOff x="0" y="0"/>
+          <a:chExt cx="0" cy="0"/>
+        </a:xfrm>
+      </p:grpSpPr>
+      <p:sp>
+        <p:nvSpPr>
+          <p:cNvPr id="219" name="Google Shape;219;p34"/>
+          <p:cNvSpPr txBox="1"/>
+          <p:nvPr>
+            <p:ph type="title"/>
+          </p:nvPr>
+        </p:nvSpPr>
+        <p:spPr>
+          <a:xfrm>
+            <a:off x="0" y="16350"/>
+            <a:ext cx="4848300" cy="602700"/>
+          </a:xfrm>
+          <a:prstGeom prst="rect">
+            <a:avLst/>
+          </a:prstGeom>
+        </p:spPr>
+        <p:txBody>
+          <a:bodyPr anchorCtr="0" anchor="ctr" bIns="91425" lIns="91425" spcFirstLastPara="1" rIns="91425" wrap="square" tIns="91425">
+            <a:noAutofit/>
+          </a:bodyPr>
+          <a:lstStyle/>
+          <a:p>
+            <a:pPr indent="0" lvl="0" marL="0" rtl="0" algn="l">
+              <a:spcBef>
+                <a:spcPts val="0"/>
+              </a:spcBef>
+              <a:spcAft>
+                <a:spcPts val="0"/>
+              </a:spcAft>
+              <a:buNone/>
+            </a:pPr>
+            <a:r>
+              <a:rPr b="1" lang="it">
+                <a:solidFill>
+                  <a:srgbClr val="226AA4"/>
+                </a:solidFill>
+              </a:rPr>
+              <a:t>AudioFileThread </a:t>
+            </a:r>
+            <a:r>
+              <a:rPr b="1" lang="it">
+                <a:solidFill>
+                  <a:srgbClr val="226AA4"/>
+                </a:solidFill>
+              </a:rPr>
+              <a:t>Class - Send File Audio</a:t>
+            </a:r>
+            <a:endParaRPr b="1">
+              <a:solidFill>
+                <a:srgbClr val="226AA4"/>
+              </a:solidFill>
+            </a:endParaRPr>
+          </a:p>
+        </p:txBody>
+      </p:sp>
+      <p:pic>
+        <p:nvPicPr>
+          <p:cNvPr id="220" name="Google Shape;220;p34"/>
+          <p:cNvPicPr preferRelativeResize="0"/>
+          <p:nvPr/>
+        </p:nvPicPr>
+        <p:blipFill>
+          <a:blip r:embed="rId3">
+            <a:alphaModFix/>
+          </a:blip>
+          <a:stretch>
+            <a:fillRect/>
+          </a:stretch>
+        </p:blipFill>
+        <p:spPr>
+          <a:xfrm>
+            <a:off x="439563" y="743300"/>
+            <a:ext cx="8264866" cy="4219650"/>
+          </a:xfrm>
+          <a:prstGeom prst="rect">
+            <a:avLst/>
+          </a:prstGeom>
+          <a:noFill/>
+          <a:ln>
+            <a:noFill/>
+          </a:ln>
+        </p:spPr>
+      </p:pic>
+      <p:sp>
+        <p:nvSpPr>
+          <p:cNvPr id="221" name="Google Shape;221;p34"/>
+          <p:cNvSpPr/>
+          <p:nvPr/>
+        </p:nvSpPr>
+        <p:spPr>
+          <a:xfrm>
+            <a:off x="5451225" y="3977475"/>
+            <a:ext cx="3082500" cy="333900"/>
+          </a:xfrm>
+          <a:prstGeom prst="rect">
+            <a:avLst/>
+          </a:prstGeom>
+          <a:noFill/>
+          <a:ln cap="flat" cmpd="sng" w="9525">
+            <a:solidFill>
+              <a:srgbClr val="FFFFFF"/>
+            </a:solidFill>
+            <a:prstDash val="solid"/>
+            <a:round/>
+            <a:headEnd len="sm" w="sm" type="none"/>
+            <a:tailEnd len="sm" w="sm" type="none"/>
+          </a:ln>
+        </p:spPr>
+        <p:txBody>
+          <a:bodyPr anchorCtr="0" anchor="ctr" bIns="91425" lIns="91425" spcFirstLastPara="1" rIns="91425" wrap="square" tIns="91425">
+            <a:noAutofit/>
+          </a:bodyPr>
+          <a:lstStyle/>
+          <a:p>
+            <a:pPr indent="0" lvl="0" marL="0" rtl="0" algn="l">
+              <a:spcBef>
+                <a:spcPts val="0"/>
+              </a:spcBef>
+              <a:spcAft>
+                <a:spcPts val="0"/>
+              </a:spcAft>
+              <a:buNone/>
+            </a:pPr>
+            <a:r>
+              <a:rPr lang="it" sz="1200">
+                <a:solidFill>
+                  <a:srgbClr val="E1F1F4"/>
+                </a:solidFill>
+              </a:rPr>
+              <a:t>src/main/java/Audio/AudioFileThread.java</a:t>
+            </a:r>
+            <a:endParaRPr sz="1200">
+              <a:solidFill>
+                <a:srgbClr val="E1F1F4"/>
+              </a:solidFill>
+            </a:endParaRPr>
+          </a:p>
+        </p:txBody>
+      </p:sp>
+    </p:spTree>
+  </p:cSld>
+  <p:clrMapOvr>
+    <a:masterClrMapping/>
+  </p:clrMapOvr>
+</p:sld>
+</file>
+
+<file path=ppt/slides/slide3.xml><?xml version="1.0" encoding="utf-8"?>
+<p:sld xmlns:a="http://schemas.openxmlformats.org/drawingml/2006/main" xmlns:r="http://schemas.openxmlformats.org/officeDocument/2006/relationships" xmlns:mc="http://schemas.openxmlformats.org/markup-compatibility/2006" xmlns:mv="urn:schemas-microsoft-com:mac:vml" xmlns:p="http://schemas.openxmlformats.org/presentationml/2006/main" xmlns:c="http://schemas.openxmlformats.org/drawingml/2006/chart" xmlns:dgm="http://schemas.openxmlformats.org/drawingml/2006/diagram" xmlns:o="urn:schemas-microsoft-com:office:office" xmlns:v="urn:schemas-microsoft-com:vml" xmlns:pvml="urn:schemas-microsoft-com:office:powerpoint" xmlns:com="http://schemas.openxmlformats.org/drawingml/2006/compatibility" xmlns:p14="http://schemas.microsoft.com/office/powerpoint/2010/main" xmlns:p15="http://schemas.microsoft.com/office/powerpoint/2012/main" xmlns:ahyp="http://schemas.microsoft.com/office/drawing/2018/hyperlinkcolor">
+  <p:cSld>
+    <p:spTree>
+      <p:nvGrpSpPr>
+        <p:cNvPr id="81" name="Shape 81"/>
+        <p:cNvGrpSpPr/>
+        <p:nvPr/>
+      </p:nvGrpSpPr>
+      <p:grpSpPr>
+        <a:xfrm>
+          <a:off x="0" y="0"/>
+          <a:ext cx="0" cy="0"/>
+          <a:chOff x="0" y="0"/>
+          <a:chExt cx="0" cy="0"/>
+        </a:xfrm>
+      </p:grpSpPr>
+      <p:sp>
+        <p:nvSpPr>
+          <p:cNvPr id="82" name="Google Shape;82;p15"/>
+          <p:cNvSpPr txBox="1"/>
+          <p:nvPr>
+            <p:ph type="title"/>
+          </p:nvPr>
+        </p:nvSpPr>
+        <p:spPr>
+          <a:xfrm>
+            <a:off x="239575" y="379850"/>
+            <a:ext cx="2808000" cy="465600"/>
+          </a:xfrm>
+          <a:prstGeom prst="rect">
+            <a:avLst/>
+          </a:prstGeom>
+        </p:spPr>
+        <p:txBody>
+          <a:bodyPr anchorCtr="0" anchor="b" bIns="91425" lIns="91425" spcFirstLastPara="1" rIns="91425" wrap="square" tIns="91425">
+            <a:noAutofit/>
+          </a:bodyPr>
+          <a:lstStyle/>
+          <a:p>
+            <a:pPr indent="0" lvl="0" marL="0" rtl="0" algn="ctr">
+              <a:spcBef>
+                <a:spcPts val="0"/>
+              </a:spcBef>
+              <a:spcAft>
+                <a:spcPts val="0"/>
+              </a:spcAft>
+              <a:buNone/>
+            </a:pPr>
+            <a:r>
+              <a:rPr lang="it"/>
+              <a:t>SIP Session</a:t>
+            </a:r>
+            <a:endParaRPr/>
+          </a:p>
+        </p:txBody>
+      </p:sp>
+      <p:pic>
+        <p:nvPicPr>
+          <p:cNvPr id="83" name="Google Shape;83;p15"/>
+          <p:cNvPicPr preferRelativeResize="0"/>
+          <p:nvPr/>
+        </p:nvPicPr>
+        <p:blipFill>
+          <a:blip r:embed="rId3">
+            <a:alphaModFix/>
+          </a:blip>
+          <a:stretch>
+            <a:fillRect/>
+          </a:stretch>
+        </p:blipFill>
+        <p:spPr>
+          <a:xfrm>
+            <a:off x="3762788" y="845450"/>
+            <a:ext cx="4898068" cy="3952125"/>
+          </a:xfrm>
+          <a:prstGeom prst="rect">
+            <a:avLst/>
+          </a:prstGeom>
+          <a:noFill/>
+          <a:ln>
+            <a:noFill/>
+          </a:ln>
+        </p:spPr>
+      </p:pic>
+      <p:sp>
+        <p:nvSpPr>
+          <p:cNvPr id="84" name="Google Shape;84;p15"/>
+          <p:cNvSpPr txBox="1"/>
+          <p:nvPr>
+            <p:ph idx="1" type="body"/>
+          </p:nvPr>
+        </p:nvSpPr>
+        <p:spPr>
+          <a:xfrm>
+            <a:off x="128125" y="1054675"/>
+            <a:ext cx="3030900" cy="3533700"/>
+          </a:xfrm>
+          <a:prstGeom prst="rect">
+            <a:avLst/>
+          </a:prstGeom>
+        </p:spPr>
+        <p:txBody>
+          <a:bodyPr anchorCtr="0" anchor="t" bIns="91425" lIns="91425" spcFirstLastPara="1" rIns="91425" wrap="square" tIns="91425">
+            <a:noAutofit/>
+          </a:bodyPr>
+          <a:lstStyle/>
+          <a:p>
+            <a:pPr indent="0" lvl="0" marL="0" rtl="0" algn="l">
+              <a:spcBef>
+                <a:spcPts val="0"/>
+              </a:spcBef>
+              <a:spcAft>
+                <a:spcPts val="0"/>
+              </a:spcAft>
+              <a:buNone/>
+            </a:pPr>
+            <a:r>
+              <a:rPr b="1" lang="it" sz="1400"/>
+              <a:t>Richieste SIP</a:t>
+            </a:r>
+            <a:endParaRPr b="1" sz="1400"/>
+          </a:p>
+          <a:p>
+            <a:pPr indent="-304800" lvl="0" marL="457200" rtl="0" algn="l">
+              <a:spcBef>
+                <a:spcPts val="1600"/>
+              </a:spcBef>
+              <a:spcAft>
+                <a:spcPts val="0"/>
+              </a:spcAft>
+              <a:buSzPts val="1200"/>
+              <a:buChar char="●"/>
+            </a:pPr>
+            <a:r>
+              <a:rPr b="1" lang="it"/>
+              <a:t>INVITE</a:t>
+            </a:r>
+            <a:endParaRPr b="1"/>
+          </a:p>
+          <a:p>
+            <a:pPr indent="-304800" lvl="1" marL="914400" rtl="0" algn="l">
+              <a:spcBef>
+                <a:spcPts val="0"/>
+              </a:spcBef>
+              <a:spcAft>
+                <a:spcPts val="0"/>
+              </a:spcAft>
+              <a:buSzPts val="1200"/>
+              <a:buChar char="○"/>
+            </a:pPr>
+            <a:r>
+              <a:rPr lang="it"/>
+              <a:t>utilizzato per iniziare una sessione VoIP con l’altra parte (il chiamato)</a:t>
+            </a:r>
+            <a:endParaRPr/>
+          </a:p>
+          <a:p>
+            <a:pPr indent="-304800" lvl="1" marL="914400" rtl="0" algn="l">
+              <a:spcBef>
+                <a:spcPts val="0"/>
+              </a:spcBef>
+              <a:spcAft>
+                <a:spcPts val="0"/>
+              </a:spcAft>
+              <a:buSzPts val="1200"/>
+              <a:buChar char="○"/>
+            </a:pPr>
+            <a:r>
+              <a:rPr lang="it"/>
+              <a:t>può includere descrizione del media tramite SDP</a:t>
+            </a:r>
+            <a:endParaRPr/>
+          </a:p>
+          <a:p>
+            <a:pPr indent="-304800" lvl="0" marL="457200" rtl="0" algn="l">
+              <a:spcBef>
+                <a:spcPts val="0"/>
+              </a:spcBef>
+              <a:spcAft>
+                <a:spcPts val="0"/>
+              </a:spcAft>
+              <a:buSzPts val="1200"/>
+              <a:buChar char="●"/>
+            </a:pPr>
+            <a:r>
+              <a:rPr b="1" lang="it"/>
+              <a:t>ACK</a:t>
+            </a:r>
+            <a:endParaRPr b="1"/>
+          </a:p>
+          <a:p>
+            <a:pPr indent="-304800" lvl="1" marL="914400" rtl="0" algn="l">
+              <a:spcBef>
+                <a:spcPts val="0"/>
+              </a:spcBef>
+              <a:spcAft>
+                <a:spcPts val="0"/>
+              </a:spcAft>
+              <a:buSzPts val="1200"/>
+              <a:buChar char="○"/>
+            </a:pPr>
+            <a:r>
+              <a:rPr lang="it"/>
+              <a:t>conferma la ricezione di una risposta definitiva ad una precedente richiesta di INVITE </a:t>
+            </a:r>
+            <a:endParaRPr/>
+          </a:p>
+          <a:p>
+            <a:pPr indent="-304800" lvl="0" marL="457200" rtl="0" algn="l">
+              <a:spcBef>
+                <a:spcPts val="0"/>
+              </a:spcBef>
+              <a:spcAft>
+                <a:spcPts val="0"/>
+              </a:spcAft>
+              <a:buSzPts val="1200"/>
+              <a:buChar char="●"/>
+            </a:pPr>
+            <a:r>
+              <a:rPr b="1" lang="it"/>
+              <a:t>BYE</a:t>
+            </a:r>
+            <a:endParaRPr b="1"/>
+          </a:p>
+          <a:p>
+            <a:pPr indent="-304800" lvl="1" marL="914400" rtl="0" algn="l">
+              <a:spcBef>
+                <a:spcPts val="0"/>
+              </a:spcBef>
+              <a:spcAft>
+                <a:spcPts val="0"/>
+              </a:spcAft>
+              <a:buSzPts val="1200"/>
+              <a:buChar char="○"/>
+            </a:pPr>
+            <a:r>
+              <a:rPr lang="it"/>
+              <a:t>abbatte una connessione</a:t>
+            </a:r>
+            <a:endParaRPr/>
+          </a:p>
+        </p:txBody>
+      </p:sp>
+    </p:spTree>
+  </p:cSld>
+  <p:clrMapOvr>
+    <a:masterClrMapping/>
+  </p:clrMapOvr>
+</p:sld>
+</file>
+
+<file path=ppt/slides/slide4.xml><?xml version="1.0" encoding="utf-8"?>
+<p:sld xmlns:a="http://schemas.openxmlformats.org/drawingml/2006/main" xmlns:r="http://schemas.openxmlformats.org/officeDocument/2006/relationships" xmlns:mc="http://schemas.openxmlformats.org/markup-compatibility/2006" xmlns:mv="urn:schemas-microsoft-com:mac:vml" xmlns:p="http://schemas.openxmlformats.org/presentationml/2006/main" xmlns:c="http://schemas.openxmlformats.org/drawingml/2006/chart" xmlns:dgm="http://schemas.openxmlformats.org/drawingml/2006/diagram" xmlns:o="urn:schemas-microsoft-com:office:office" xmlns:v="urn:schemas-microsoft-com:vml" xmlns:pvml="urn:schemas-microsoft-com:office:powerpoint" xmlns:com="http://schemas.openxmlformats.org/drawingml/2006/compatibility" xmlns:p14="http://schemas.microsoft.com/office/powerpoint/2010/main" xmlns:p15="http://schemas.microsoft.com/office/powerpoint/2012/main" xmlns:ahyp="http://schemas.microsoft.com/office/drawing/2018/hyperlinkcolor" show="0">
+  <p:cSld>
+    <p:spTree>
+      <p:nvGrpSpPr>
+        <p:cNvPr id="88" name="Shape 88"/>
+        <p:cNvGrpSpPr/>
+        <p:nvPr/>
+      </p:nvGrpSpPr>
+      <p:grpSpPr>
+        <a:xfrm>
+          <a:off x="0" y="0"/>
+          <a:ext cx="0" cy="0"/>
+          <a:chOff x="0" y="0"/>
+          <a:chExt cx="0" cy="0"/>
+        </a:xfrm>
+      </p:grpSpPr>
+      <p:sp>
+        <p:nvSpPr>
+          <p:cNvPr id="89" name="Google Shape;89;p16"/>
+          <p:cNvSpPr txBox="1"/>
+          <p:nvPr>
+            <p:ph type="title"/>
+          </p:nvPr>
+        </p:nvSpPr>
+        <p:spPr>
+          <a:xfrm>
+            <a:off x="239575" y="379850"/>
+            <a:ext cx="2808000" cy="465600"/>
+          </a:xfrm>
+          <a:prstGeom prst="rect">
+            <a:avLst/>
+          </a:prstGeom>
+        </p:spPr>
+        <p:txBody>
+          <a:bodyPr anchorCtr="0" anchor="b" bIns="91425" lIns="91425" spcFirstLastPara="1" rIns="91425" wrap="square" tIns="91425">
+            <a:noAutofit/>
+          </a:bodyPr>
+          <a:lstStyle/>
+          <a:p>
+            <a:pPr indent="0" lvl="0" marL="0" rtl="0" algn="ctr">
+              <a:spcBef>
+                <a:spcPts val="0"/>
+              </a:spcBef>
+              <a:spcAft>
+                <a:spcPts val="0"/>
+              </a:spcAft>
+              <a:buNone/>
+            </a:pPr>
+            <a:r>
+              <a:rPr lang="it"/>
+              <a:t>RTP </a:t>
+            </a:r>
+            <a:r>
+              <a:rPr lang="it"/>
+              <a:t>Session</a:t>
+            </a:r>
+            <a:endParaRPr/>
+          </a:p>
+        </p:txBody>
+      </p:sp>
+      <p:sp>
+        <p:nvSpPr>
+          <p:cNvPr id="90" name="Google Shape;90;p16"/>
+          <p:cNvSpPr txBox="1"/>
+          <p:nvPr>
+            <p:ph idx="1" type="body"/>
+          </p:nvPr>
+        </p:nvSpPr>
+        <p:spPr>
+          <a:xfrm>
+            <a:off x="128125" y="1054675"/>
+            <a:ext cx="3030900" cy="3533700"/>
+          </a:xfrm>
+          <a:prstGeom prst="rect">
+            <a:avLst/>
+          </a:prstGeom>
+        </p:spPr>
+        <p:txBody>
+          <a:bodyPr anchorCtr="0" anchor="t" bIns="91425" lIns="91425" spcFirstLastPara="1" rIns="91425" wrap="square" tIns="91425">
+            <a:noAutofit/>
+          </a:bodyPr>
+          <a:lstStyle/>
+          <a:p>
+            <a:pPr indent="0" lvl="0" marL="0" rtl="0" algn="l">
+              <a:spcBef>
+                <a:spcPts val="0"/>
+              </a:spcBef>
+              <a:spcAft>
+                <a:spcPts val="0"/>
+              </a:spcAft>
+              <a:buNone/>
+            </a:pPr>
+            <a:r>
+              <a:rPr b="1" lang="it" sz="1400"/>
+              <a:t>Real-time Transmission Protocol </a:t>
+            </a:r>
+            <a:endParaRPr b="1" sz="1400"/>
+          </a:p>
+          <a:p>
+            <a:pPr indent="0" lvl="0" marL="0" rtl="0" algn="l">
+              <a:spcBef>
+                <a:spcPts val="1600"/>
+              </a:spcBef>
+              <a:spcAft>
+                <a:spcPts val="0"/>
+              </a:spcAft>
+              <a:buNone/>
+            </a:pPr>
+            <a:r>
+              <a:rPr lang="it"/>
+              <a:t>Protocollo di trasporto end-to-end per applicazioni real-time, solitamente usato sopra UDP. Non instaura sessioni e può essere utilizzato per trasportare qualsiasi media o compressore.</a:t>
+            </a:r>
+            <a:endParaRPr/>
+          </a:p>
+          <a:p>
+            <a:pPr indent="0" lvl="0" marL="0" rtl="0" algn="l">
+              <a:spcBef>
+                <a:spcPts val="1600"/>
+              </a:spcBef>
+              <a:spcAft>
+                <a:spcPts val="0"/>
+              </a:spcAft>
+              <a:buNone/>
+            </a:pPr>
+            <a:r>
+              <a:t/>
+            </a:r>
+            <a:endParaRPr/>
+          </a:p>
+          <a:p>
+            <a:pPr indent="0" lvl="0" marL="0" rtl="0" algn="l">
+              <a:spcBef>
+                <a:spcPts val="1600"/>
+              </a:spcBef>
+              <a:spcAft>
+                <a:spcPts val="1600"/>
+              </a:spcAft>
+              <a:buNone/>
+            </a:pPr>
+            <a:r>
+              <a:t/>
+            </a:r>
+            <a:endParaRPr/>
+          </a:p>
+        </p:txBody>
+      </p:sp>
+      <p:pic>
+        <p:nvPicPr>
+          <p:cNvPr id="91" name="Google Shape;91;p16"/>
+          <p:cNvPicPr preferRelativeResize="0"/>
+          <p:nvPr/>
+        </p:nvPicPr>
+        <p:blipFill rotWithShape="1">
+          <a:blip r:embed="rId3">
+            <a:alphaModFix/>
+          </a:blip>
+          <a:srcRect b="9820" l="0" r="0" t="0"/>
+          <a:stretch/>
+        </p:blipFill>
+        <p:spPr>
+          <a:xfrm>
+            <a:off x="3909750" y="180550"/>
+            <a:ext cx="4481150" cy="2108475"/>
+          </a:xfrm>
+          <a:prstGeom prst="rect">
+            <a:avLst/>
+          </a:prstGeom>
+          <a:noFill/>
+          <a:ln>
+            <a:noFill/>
+          </a:ln>
+        </p:spPr>
+      </p:pic>
+      <p:pic>
+        <p:nvPicPr>
+          <p:cNvPr id="92" name="Google Shape;92;p16"/>
+          <p:cNvPicPr preferRelativeResize="0"/>
+          <p:nvPr/>
+        </p:nvPicPr>
+        <p:blipFill>
+          <a:blip r:embed="rId4">
+            <a:alphaModFix/>
+          </a:blip>
+          <a:stretch>
+            <a:fillRect/>
+          </a:stretch>
+        </p:blipFill>
+        <p:spPr>
+          <a:xfrm>
+            <a:off x="3595025" y="2453700"/>
+            <a:ext cx="3520094" cy="2567775"/>
+          </a:xfrm>
+          <a:prstGeom prst="rect">
+            <a:avLst/>
+          </a:prstGeom>
+          <a:noFill/>
+          <a:ln>
+            <a:noFill/>
+          </a:ln>
+        </p:spPr>
+      </p:pic>
+      <p:sp>
+        <p:nvSpPr>
+          <p:cNvPr id="93" name="Google Shape;93;p16"/>
+          <p:cNvSpPr/>
+          <p:nvPr/>
+        </p:nvSpPr>
+        <p:spPr>
+          <a:xfrm>
+            <a:off x="7551125" y="3082400"/>
+            <a:ext cx="761700" cy="333900"/>
+          </a:xfrm>
+          <a:prstGeom prst="rect">
+            <a:avLst/>
+          </a:prstGeom>
+          <a:noFill/>
+          <a:ln cap="flat" cmpd="sng" w="9525">
+            <a:solidFill>
+              <a:srgbClr val="E1F1F4"/>
+            </a:solidFill>
+            <a:prstDash val="solid"/>
+            <a:round/>
+            <a:headEnd len="sm" w="sm" type="none"/>
+            <a:tailEnd len="sm" w="sm" type="none"/>
+          </a:ln>
+        </p:spPr>
+        <p:txBody>
+          <a:bodyPr anchorCtr="0" anchor="ctr" bIns="91425" lIns="91425" spcFirstLastPara="1" rIns="91425" wrap="square" tIns="91425">
+            <a:noAutofit/>
+          </a:bodyPr>
+          <a:lstStyle/>
+          <a:p>
+            <a:pPr indent="0" lvl="0" marL="0" rtl="0" algn="l">
+              <a:spcBef>
+                <a:spcPts val="0"/>
+              </a:spcBef>
+              <a:spcAft>
+                <a:spcPts val="0"/>
+              </a:spcAft>
+              <a:buNone/>
+            </a:pPr>
+            <a:r>
+              <a:rPr lang="it" sz="1200">
+                <a:solidFill>
+                  <a:srgbClr val="226AA4"/>
+                </a:solidFill>
+              </a:rPr>
+              <a:t>Header</a:t>
+            </a:r>
+            <a:endParaRPr sz="1200">
+              <a:solidFill>
+                <a:srgbClr val="226AA4"/>
+              </a:solidFill>
+            </a:endParaRPr>
+          </a:p>
+        </p:txBody>
+      </p:sp>
+    </p:spTree>
+  </p:cSld>
+  <p:clrMapOvr>
+    <a:masterClrMapping/>
+  </p:clrMapOvr>
+</p:sld>
+</file>
+
+<file path=ppt/slides/slide5.xml><?xml version="1.0" encoding="utf-8"?>
+<p:sld xmlns:a="http://schemas.openxmlformats.org/drawingml/2006/main" xmlns:r="http://schemas.openxmlformats.org/officeDocument/2006/relationships" xmlns:mc="http://schemas.openxmlformats.org/markup-compatibility/2006" xmlns:mv="urn:schemas-microsoft-com:mac:vml" xmlns:p="http://schemas.openxmlformats.org/presentationml/2006/main" xmlns:c="http://schemas.openxmlformats.org/drawingml/2006/chart" xmlns:dgm="http://schemas.openxmlformats.org/drawingml/2006/diagram" xmlns:o="urn:schemas-microsoft-com:office:office" xmlns:v="urn:schemas-microsoft-com:vml" xmlns:pvml="urn:schemas-microsoft-com:office:powerpoint" xmlns:com="http://schemas.openxmlformats.org/drawingml/2006/compatibility" xmlns:p14="http://schemas.microsoft.com/office/powerpoint/2010/main" xmlns:p15="http://schemas.microsoft.com/office/powerpoint/2012/main" xmlns:ahyp="http://schemas.microsoft.com/office/drawing/2018/hyperlinkcolor">
+  <p:cSld>
+    <p:spTree>
+      <p:nvGrpSpPr>
+        <p:cNvPr id="97" name="Shape 97"/>
+        <p:cNvGrpSpPr/>
+        <p:nvPr/>
+      </p:nvGrpSpPr>
+      <p:grpSpPr>
+        <a:xfrm>
+          <a:off x="0" y="0"/>
+          <a:ext cx="0" cy="0"/>
+          <a:chOff x="0" y="0"/>
+          <a:chExt cx="0" cy="0"/>
+        </a:xfrm>
+      </p:grpSpPr>
+      <p:sp>
+        <p:nvSpPr>
+          <p:cNvPr id="98" name="Google Shape;98;p17"/>
+          <p:cNvSpPr txBox="1"/>
+          <p:nvPr>
+            <p:ph type="title"/>
+          </p:nvPr>
+        </p:nvSpPr>
+        <p:spPr>
+          <a:xfrm>
+            <a:off x="239575" y="379850"/>
+            <a:ext cx="2808000" cy="465600"/>
+          </a:xfrm>
+          <a:prstGeom prst="rect">
+            <a:avLst/>
+          </a:prstGeom>
+        </p:spPr>
+        <p:txBody>
+          <a:bodyPr anchorCtr="0" anchor="b" bIns="91425" lIns="91425" spcFirstLastPara="1" rIns="91425" wrap="square" tIns="91425">
+            <a:noAutofit/>
+          </a:bodyPr>
+          <a:lstStyle/>
+          <a:p>
+            <a:pPr indent="0" lvl="0" marL="0" rtl="0" algn="ctr">
+              <a:spcBef>
+                <a:spcPts val="0"/>
+              </a:spcBef>
+              <a:spcAft>
+                <a:spcPts val="0"/>
+              </a:spcAft>
+              <a:buNone/>
+            </a:pPr>
+            <a:r>
+              <a:rPr lang="it"/>
+              <a:t>RTP Session</a:t>
+            </a:r>
+            <a:endParaRPr/>
+          </a:p>
+        </p:txBody>
+      </p:sp>
+      <p:sp>
+        <p:nvSpPr>
+          <p:cNvPr id="99" name="Google Shape;99;p17"/>
+          <p:cNvSpPr txBox="1"/>
+          <p:nvPr>
+            <p:ph idx="1" type="body"/>
+          </p:nvPr>
+        </p:nvSpPr>
+        <p:spPr>
+          <a:xfrm>
+            <a:off x="128125" y="1054675"/>
+            <a:ext cx="3030900" cy="3533700"/>
+          </a:xfrm>
+          <a:prstGeom prst="rect">
+            <a:avLst/>
+          </a:prstGeom>
+        </p:spPr>
+        <p:txBody>
+          <a:bodyPr anchorCtr="0" anchor="t" bIns="91425" lIns="91425" spcFirstLastPara="1" rIns="91425" wrap="square" tIns="91425">
+            <a:noAutofit/>
+          </a:bodyPr>
+          <a:lstStyle/>
+          <a:p>
+            <a:pPr indent="0" lvl="0" marL="0" rtl="0" algn="l">
+              <a:spcBef>
+                <a:spcPts val="0"/>
+              </a:spcBef>
+              <a:spcAft>
+                <a:spcPts val="0"/>
+              </a:spcAft>
+              <a:buNone/>
+            </a:pPr>
+            <a:r>
+              <a:rPr b="1" lang="it" sz="1400"/>
+              <a:t>Real-time Transmission Protocol </a:t>
+            </a:r>
+            <a:endParaRPr b="1" sz="1400"/>
+          </a:p>
+          <a:p>
+            <a:pPr indent="0" lvl="0" marL="0" rtl="0" algn="l">
+              <a:spcBef>
+                <a:spcPts val="1600"/>
+              </a:spcBef>
+              <a:spcAft>
+                <a:spcPts val="0"/>
+              </a:spcAft>
+              <a:buNone/>
+            </a:pPr>
+            <a:r>
+              <a:rPr lang="it"/>
+              <a:t>Protocollo di trasporto end-to-end per applicazioni real-time, solitamente usato sopra UDP. Non instaura sessioni e può essere utilizzato per trasportare qualsiasi media o compressore.</a:t>
+            </a:r>
+            <a:endParaRPr/>
+          </a:p>
+          <a:p>
+            <a:pPr indent="0" lvl="0" marL="0" rtl="0" algn="l">
+              <a:spcBef>
+                <a:spcPts val="1600"/>
+              </a:spcBef>
+              <a:spcAft>
+                <a:spcPts val="0"/>
+              </a:spcAft>
+              <a:buNone/>
+            </a:pPr>
+            <a:r>
+              <a:t/>
+            </a:r>
+            <a:endParaRPr/>
+          </a:p>
+          <a:p>
+            <a:pPr indent="0" lvl="0" marL="0" rtl="0" algn="l">
+              <a:spcBef>
+                <a:spcPts val="1600"/>
+              </a:spcBef>
+              <a:spcAft>
+                <a:spcPts val="1600"/>
+              </a:spcAft>
+              <a:buNone/>
+            </a:pPr>
+            <a:r>
+              <a:t/>
+            </a:r>
+            <a:endParaRPr/>
+          </a:p>
+        </p:txBody>
+      </p:sp>
+      <p:pic>
+        <p:nvPicPr>
+          <p:cNvPr id="100" name="Google Shape;100;p17"/>
+          <p:cNvPicPr preferRelativeResize="0"/>
+          <p:nvPr/>
+        </p:nvPicPr>
+        <p:blipFill rotWithShape="1">
+          <a:blip r:embed="rId3">
+            <a:alphaModFix/>
+          </a:blip>
+          <a:srcRect b="9820" l="0" r="0" t="0"/>
+          <a:stretch/>
+        </p:blipFill>
+        <p:spPr>
+          <a:xfrm>
+            <a:off x="3975450" y="379850"/>
+            <a:ext cx="4481150" cy="2108475"/>
+          </a:xfrm>
+          <a:prstGeom prst="rect">
+            <a:avLst/>
+          </a:prstGeom>
+          <a:noFill/>
+          <a:ln>
+            <a:noFill/>
+          </a:ln>
+        </p:spPr>
+      </p:pic>
+      <p:sp>
+        <p:nvSpPr>
+          <p:cNvPr id="101" name="Google Shape;101;p17"/>
+          <p:cNvSpPr txBox="1"/>
+          <p:nvPr>
+            <p:ph idx="1" type="body"/>
+          </p:nvPr>
+        </p:nvSpPr>
+        <p:spPr>
+          <a:xfrm>
+            <a:off x="3571850" y="2744825"/>
+            <a:ext cx="2374800" cy="2108400"/>
+          </a:xfrm>
+          <a:prstGeom prst="rect">
+            <a:avLst/>
+          </a:prstGeom>
+        </p:spPr>
+        <p:txBody>
+          <a:bodyPr anchorCtr="0" anchor="t" bIns="91425" lIns="91425" spcFirstLastPara="1" rIns="91425" wrap="square" tIns="91425">
+            <a:noAutofit/>
+          </a:bodyPr>
+          <a:lstStyle/>
+          <a:p>
+            <a:pPr indent="0" lvl="0" marL="0" rtl="0" algn="l">
+              <a:lnSpc>
+                <a:spcPct val="100000"/>
+              </a:lnSpc>
+              <a:spcBef>
+                <a:spcPts val="0"/>
+              </a:spcBef>
+              <a:spcAft>
+                <a:spcPts val="0"/>
+              </a:spcAft>
+              <a:buNone/>
+            </a:pPr>
+            <a:r>
+              <a:rPr b="1" lang="it" sz="1400">
+                <a:solidFill>
+                  <a:srgbClr val="226AA4"/>
+                </a:solidFill>
+              </a:rPr>
+              <a:t>Formato Audio</a:t>
+            </a:r>
+            <a:endParaRPr b="1" sz="1400">
+              <a:solidFill>
+                <a:srgbClr val="226AA4"/>
+              </a:solidFill>
+            </a:endParaRPr>
+          </a:p>
+          <a:p>
+            <a:pPr indent="0" lvl="0" marL="0" rtl="0" algn="l">
+              <a:lnSpc>
+                <a:spcPct val="100000"/>
+              </a:lnSpc>
+              <a:spcBef>
+                <a:spcPts val="1600"/>
+              </a:spcBef>
+              <a:spcAft>
+                <a:spcPts val="0"/>
+              </a:spcAft>
+              <a:buNone/>
+            </a:pPr>
+            <a:r>
+              <a:rPr lang="it">
+                <a:solidFill>
+                  <a:srgbClr val="226AA4"/>
+                </a:solidFill>
+              </a:rPr>
+              <a:t>Sample Rate: </a:t>
+            </a:r>
+            <a:r>
+              <a:rPr i="1" lang="it">
+                <a:solidFill>
+                  <a:srgbClr val="226AA4"/>
+                </a:solidFill>
+              </a:rPr>
+              <a:t>8000 Hz</a:t>
+            </a:r>
+            <a:endParaRPr i="1">
+              <a:solidFill>
+                <a:srgbClr val="226AA4"/>
+              </a:solidFill>
+            </a:endParaRPr>
+          </a:p>
+          <a:p>
+            <a:pPr indent="0" lvl="0" marL="0" rtl="0" algn="l">
+              <a:lnSpc>
+                <a:spcPct val="100000"/>
+              </a:lnSpc>
+              <a:spcBef>
+                <a:spcPts val="1600"/>
+              </a:spcBef>
+              <a:spcAft>
+                <a:spcPts val="0"/>
+              </a:spcAft>
+              <a:buNone/>
+            </a:pPr>
+            <a:r>
+              <a:rPr i="1" lang="it">
+                <a:solidFill>
+                  <a:srgbClr val="226AA4"/>
+                </a:solidFill>
+              </a:rPr>
+              <a:t>Sample Size: 8 bit</a:t>
+            </a:r>
+            <a:endParaRPr i="1">
+              <a:solidFill>
+                <a:srgbClr val="226AA4"/>
+              </a:solidFill>
+            </a:endParaRPr>
+          </a:p>
+          <a:p>
+            <a:pPr indent="0" lvl="0" marL="0" rtl="0" algn="l">
+              <a:lnSpc>
+                <a:spcPct val="100000"/>
+              </a:lnSpc>
+              <a:spcBef>
+                <a:spcPts val="1600"/>
+              </a:spcBef>
+              <a:spcAft>
+                <a:spcPts val="0"/>
+              </a:spcAft>
+              <a:buNone/>
+            </a:pPr>
+            <a:r>
+              <a:rPr i="1" lang="it">
+                <a:solidFill>
+                  <a:srgbClr val="226AA4"/>
+                </a:solidFill>
+              </a:rPr>
+              <a:t>Channel: 1</a:t>
+            </a:r>
+            <a:endParaRPr i="1">
+              <a:solidFill>
+                <a:srgbClr val="226AA4"/>
+              </a:solidFill>
+            </a:endParaRPr>
+          </a:p>
+          <a:p>
+            <a:pPr indent="0" lvl="0" marL="0" rtl="0" algn="l">
+              <a:lnSpc>
+                <a:spcPct val="100000"/>
+              </a:lnSpc>
+              <a:spcBef>
+                <a:spcPts val="1600"/>
+              </a:spcBef>
+              <a:spcAft>
+                <a:spcPts val="0"/>
+              </a:spcAft>
+              <a:buNone/>
+            </a:pPr>
+            <a:r>
+              <a:t/>
+            </a:r>
+            <a:endParaRPr>
+              <a:solidFill>
+                <a:srgbClr val="226AA4"/>
+              </a:solidFill>
+            </a:endParaRPr>
+          </a:p>
+          <a:p>
+            <a:pPr indent="0" lvl="0" marL="0" rtl="0" algn="l">
+              <a:lnSpc>
+                <a:spcPct val="100000"/>
+              </a:lnSpc>
+              <a:spcBef>
+                <a:spcPts val="1600"/>
+              </a:spcBef>
+              <a:spcAft>
+                <a:spcPts val="0"/>
+              </a:spcAft>
+              <a:buNone/>
+            </a:pPr>
+            <a:r>
+              <a:t/>
+            </a:r>
+            <a:endParaRPr>
+              <a:solidFill>
+                <a:srgbClr val="226AA4"/>
+              </a:solidFill>
+            </a:endParaRPr>
+          </a:p>
+          <a:p>
+            <a:pPr indent="0" lvl="0" marL="0" rtl="0" algn="l">
+              <a:lnSpc>
+                <a:spcPct val="100000"/>
+              </a:lnSpc>
+              <a:spcBef>
+                <a:spcPts val="1600"/>
+              </a:spcBef>
+              <a:spcAft>
+                <a:spcPts val="1600"/>
+              </a:spcAft>
+              <a:buNone/>
+            </a:pPr>
+            <a:r>
+              <a:t/>
+            </a:r>
+            <a:endParaRPr>
+              <a:solidFill>
+                <a:srgbClr val="226AA4"/>
+              </a:solidFill>
+            </a:endParaRPr>
+          </a:p>
+        </p:txBody>
+      </p:sp>
+      <p:sp>
+        <p:nvSpPr>
+          <p:cNvPr id="102" name="Google Shape;102;p17"/>
+          <p:cNvSpPr txBox="1"/>
+          <p:nvPr>
+            <p:ph idx="1" type="body"/>
+          </p:nvPr>
+        </p:nvSpPr>
+        <p:spPr>
+          <a:xfrm>
+            <a:off x="5890200" y="2744825"/>
+            <a:ext cx="2970000" cy="2108400"/>
+          </a:xfrm>
+          <a:prstGeom prst="rect">
+            <a:avLst/>
+          </a:prstGeom>
+        </p:spPr>
+        <p:txBody>
+          <a:bodyPr anchorCtr="0" anchor="t" bIns="91425" lIns="91425" spcFirstLastPara="1" rIns="91425" wrap="square" tIns="91425">
+            <a:noAutofit/>
+          </a:bodyPr>
+          <a:lstStyle/>
+          <a:p>
+            <a:pPr indent="0" lvl="0" marL="0" rtl="0" algn="l">
+              <a:lnSpc>
+                <a:spcPct val="100000"/>
+              </a:lnSpc>
+              <a:spcBef>
+                <a:spcPts val="0"/>
+              </a:spcBef>
+              <a:spcAft>
+                <a:spcPts val="0"/>
+              </a:spcAft>
+              <a:buNone/>
+            </a:pPr>
+            <a:r>
+              <a:t/>
+            </a:r>
+            <a:endParaRPr i="1">
+              <a:solidFill>
+                <a:srgbClr val="226AA4"/>
+              </a:solidFill>
+            </a:endParaRPr>
+          </a:p>
+          <a:p>
+            <a:pPr indent="0" lvl="0" marL="0" rtl="0" algn="l">
+              <a:lnSpc>
+                <a:spcPct val="100000"/>
+              </a:lnSpc>
+              <a:spcBef>
+                <a:spcPts val="1600"/>
+              </a:spcBef>
+              <a:spcAft>
+                <a:spcPts val="0"/>
+              </a:spcAft>
+              <a:buNone/>
+            </a:pPr>
+            <a:r>
+              <a:rPr i="1" lang="it">
+                <a:solidFill>
+                  <a:srgbClr val="226AA4"/>
+                </a:solidFill>
+              </a:rPr>
+              <a:t>Packet Size: 8000 * 20 / 1000 = 160 bytes</a:t>
+            </a:r>
+            <a:endParaRPr i="1">
+              <a:solidFill>
+                <a:srgbClr val="226AA4"/>
+              </a:solidFill>
+            </a:endParaRPr>
+          </a:p>
+          <a:p>
+            <a:pPr indent="0" lvl="0" marL="0" rtl="0" algn="l">
+              <a:lnSpc>
+                <a:spcPct val="100000"/>
+              </a:lnSpc>
+              <a:spcBef>
+                <a:spcPts val="1600"/>
+              </a:spcBef>
+              <a:spcAft>
+                <a:spcPts val="0"/>
+              </a:spcAft>
+              <a:buNone/>
+            </a:pPr>
+            <a:r>
+              <a:rPr i="1" lang="it">
+                <a:solidFill>
+                  <a:srgbClr val="226AA4"/>
+                </a:solidFill>
+              </a:rPr>
+              <a:t>Packet time: 20ms</a:t>
+            </a:r>
+            <a:endParaRPr i="1">
+              <a:solidFill>
+                <a:srgbClr val="226AA4"/>
+              </a:solidFill>
+            </a:endParaRPr>
+          </a:p>
+          <a:p>
+            <a:pPr indent="0" lvl="0" marL="0" rtl="0" algn="l">
+              <a:lnSpc>
+                <a:spcPct val="100000"/>
+              </a:lnSpc>
+              <a:spcBef>
+                <a:spcPts val="1600"/>
+              </a:spcBef>
+              <a:spcAft>
+                <a:spcPts val="1600"/>
+              </a:spcAft>
+              <a:buNone/>
+            </a:pPr>
+            <a:r>
+              <a:rPr lang="it">
+                <a:solidFill>
+                  <a:srgbClr val="226AA4"/>
+                </a:solidFill>
+              </a:rPr>
+              <a:t>Encoding: ULAW</a:t>
+            </a:r>
+            <a:endParaRPr>
+              <a:solidFill>
+                <a:srgbClr val="226AA4"/>
+              </a:solidFill>
+            </a:endParaRPr>
+          </a:p>
+        </p:txBody>
+      </p:sp>
+    </p:spTree>
+  </p:cSld>
+  <p:clrMapOvr>
+    <a:masterClrMapping/>
+  </p:clrMapOvr>
+</p:sld>
+</file>
+
+<file path=ppt/slides/slide6.xml><?xml version="1.0" encoding="utf-8"?>
+<p:sld xmlns:a="http://schemas.openxmlformats.org/drawingml/2006/main" xmlns:r="http://schemas.openxmlformats.org/officeDocument/2006/relationships" xmlns:mc="http://schemas.openxmlformats.org/markup-compatibility/2006" xmlns:mv="urn:schemas-microsoft-com:mac:vml" xmlns:p="http://schemas.openxmlformats.org/presentationml/2006/main" xmlns:c="http://schemas.openxmlformats.org/drawingml/2006/chart" xmlns:dgm="http://schemas.openxmlformats.org/drawingml/2006/diagram" xmlns:o="urn:schemas-microsoft-com:office:office" xmlns:v="urn:schemas-microsoft-com:vml" xmlns:pvml="urn:schemas-microsoft-com:office:powerpoint" xmlns:com="http://schemas.openxmlformats.org/drawingml/2006/compatibility" xmlns:p14="http://schemas.microsoft.com/office/powerpoint/2010/main" xmlns:p15="http://schemas.microsoft.com/office/powerpoint/2012/main" xmlns:ahyp="http://schemas.microsoft.com/office/drawing/2018/hyperlinkcolor">
+  <p:cSld>
+    <p:spTree>
+      <p:nvGrpSpPr>
+        <p:cNvPr id="106" name="Shape 106"/>
+        <p:cNvGrpSpPr/>
+        <p:nvPr/>
+      </p:nvGrpSpPr>
+      <p:grpSpPr>
+        <a:xfrm>
+          <a:off x="0" y="0"/>
+          <a:ext cx="0" cy="0"/>
+          <a:chOff x="0" y="0"/>
+          <a:chExt cx="0" cy="0"/>
+        </a:xfrm>
+      </p:grpSpPr>
+      <p:sp>
+        <p:nvSpPr>
+          <p:cNvPr id="107" name="Google Shape;107;p18"/>
+          <p:cNvSpPr txBox="1"/>
+          <p:nvPr>
+            <p:ph type="ctrTitle"/>
+          </p:nvPr>
+        </p:nvSpPr>
+        <p:spPr>
+          <a:xfrm>
+            <a:off x="390525" y="1819275"/>
+            <a:ext cx="8222100" cy="933600"/>
+          </a:xfrm>
+          <a:prstGeom prst="rect">
+            <a:avLst/>
+          </a:prstGeom>
+        </p:spPr>
+        <p:txBody>
+          <a:bodyPr anchorCtr="0" anchor="b" bIns="91425" lIns="91425" spcFirstLastPara="1" rIns="91425" wrap="square" tIns="91425">
+            <a:noAutofit/>
+          </a:bodyPr>
+          <a:lstStyle/>
+          <a:p>
+            <a:pPr indent="0" lvl="0" marL="0" rtl="0" algn="ctr">
+              <a:spcBef>
+                <a:spcPts val="0"/>
+              </a:spcBef>
+              <a:spcAft>
+                <a:spcPts val="0"/>
+              </a:spcAft>
+              <a:buNone/>
+            </a:pPr>
+            <a:r>
+              <a:rPr lang="it"/>
+              <a:t>Diagrammi</a:t>
+            </a:r>
+            <a:endParaRPr/>
+          </a:p>
+        </p:txBody>
+      </p:sp>
+      <p:sp>
+        <p:nvSpPr>
+          <p:cNvPr id="108" name="Google Shape;108;p18"/>
+          <p:cNvSpPr txBox="1"/>
+          <p:nvPr>
+            <p:ph idx="1" type="subTitle"/>
+          </p:nvPr>
+        </p:nvSpPr>
+        <p:spPr>
+          <a:xfrm>
+            <a:off x="390525" y="2789130"/>
+            <a:ext cx="8222100" cy="432900"/>
+          </a:xfrm>
+          <a:prstGeom prst="rect">
+            <a:avLst/>
+          </a:prstGeom>
+        </p:spPr>
+        <p:txBody>
+          <a:bodyPr anchorCtr="0" anchor="t" bIns="91425" lIns="91425" spcFirstLastPara="1" rIns="91425" wrap="square" tIns="91425">
+            <a:noAutofit/>
+          </a:bodyPr>
+          <a:lstStyle/>
+          <a:p>
+            <a:pPr indent="0" lvl="0" marL="0" rtl="0" algn="ctr">
+              <a:spcBef>
+                <a:spcPts val="0"/>
+              </a:spcBef>
+              <a:spcAft>
+                <a:spcPts val="0"/>
+              </a:spcAft>
+              <a:buNone/>
+            </a:pPr>
+            <a:r>
+              <a:rPr lang="it"/>
+              <a:t>Una vista dall’alto sul progetto svolto</a:t>
+            </a:r>
+            <a:endParaRPr/>
+          </a:p>
+        </p:txBody>
+      </p:sp>
+    </p:spTree>
+  </p:cSld>
+  <p:clrMapOvr>
+    <a:masterClrMapping/>
+  </p:clrMapOvr>
+</p:sld>
+</file>
+
+<file path=ppt/slides/slide7.xml><?xml version="1.0" encoding="utf-8"?>
+<p:sld xmlns:a="http://schemas.openxmlformats.org/drawingml/2006/main" xmlns:r="http://schemas.openxmlformats.org/officeDocument/2006/relationships" xmlns:mc="http://schemas.openxmlformats.org/markup-compatibility/2006" xmlns:mv="urn:schemas-microsoft-com:mac:vml" xmlns:p="http://schemas.openxmlformats.org/presentationml/2006/main" xmlns:c="http://schemas.openxmlformats.org/drawingml/2006/chart" xmlns:dgm="http://schemas.openxmlformats.org/drawingml/2006/diagram" xmlns:o="urn:schemas-microsoft-com:office:office" xmlns:v="urn:schemas-microsoft-com:vml" xmlns:pvml="urn:schemas-microsoft-com:office:powerpoint" xmlns:com="http://schemas.openxmlformats.org/drawingml/2006/compatibility" xmlns:p14="http://schemas.microsoft.com/office/powerpoint/2010/main" xmlns:p15="http://schemas.microsoft.com/office/powerpoint/2012/main" xmlns:ahyp="http://schemas.microsoft.com/office/drawing/2018/hyperlinkcolor">
+  <p:cSld>
+    <p:spTree>
+      <p:nvGrpSpPr>
+        <p:cNvPr id="112" name="Shape 112"/>
+        <p:cNvGrpSpPr/>
+        <p:nvPr/>
+      </p:nvGrpSpPr>
+      <p:grpSpPr>
+        <a:xfrm>
+          <a:off x="0" y="0"/>
+          <a:ext cx="0" cy="0"/>
+          <a:chOff x="0" y="0"/>
+          <a:chExt cx="0" cy="0"/>
+        </a:xfrm>
+      </p:grpSpPr>
+      <p:sp>
+        <p:nvSpPr>
+          <p:cNvPr id="113" name="Google Shape;113;p19"/>
+          <p:cNvSpPr txBox="1"/>
+          <p:nvPr>
+            <p:ph type="title"/>
+          </p:nvPr>
+        </p:nvSpPr>
+        <p:spPr>
+          <a:xfrm>
+            <a:off x="98250" y="16350"/>
+            <a:ext cx="3614400" cy="602700"/>
+          </a:xfrm>
+          <a:prstGeom prst="rect">
+            <a:avLst/>
+          </a:prstGeom>
+        </p:spPr>
+        <p:txBody>
+          <a:bodyPr anchorCtr="0" anchor="ctr" bIns="91425" lIns="91425" spcFirstLastPara="1" rIns="91425" wrap="square" tIns="91425">
+            <a:noAutofit/>
+          </a:bodyPr>
+          <a:lstStyle/>
+          <a:p>
+            <a:pPr indent="0" lvl="0" marL="0" rtl="0" algn="l">
+              <a:spcBef>
+                <a:spcPts val="0"/>
+              </a:spcBef>
+              <a:spcAft>
+                <a:spcPts val="0"/>
+              </a:spcAft>
+              <a:buNone/>
+            </a:pPr>
+            <a:r>
+              <a:rPr lang="it"/>
+              <a:t>Application - Use Case Diagram</a:t>
+            </a:r>
+            <a:endParaRPr/>
+          </a:p>
+        </p:txBody>
+      </p:sp>
+      <p:pic>
+        <p:nvPicPr>
+          <p:cNvPr id="114" name="Google Shape;114;p19"/>
+          <p:cNvPicPr preferRelativeResize="0"/>
+          <p:nvPr/>
+        </p:nvPicPr>
+        <p:blipFill>
+          <a:blip r:embed="rId3">
+            <a:alphaModFix/>
+          </a:blip>
+          <a:stretch>
+            <a:fillRect/>
+          </a:stretch>
+        </p:blipFill>
+        <p:spPr>
+          <a:xfrm>
+            <a:off x="152400" y="771450"/>
+            <a:ext cx="8839198" cy="4213278"/>
+          </a:xfrm>
+          <a:prstGeom prst="rect">
+            <a:avLst/>
+          </a:prstGeom>
+          <a:noFill/>
+          <a:ln>
+            <a:noFill/>
+          </a:ln>
+        </p:spPr>
+      </p:pic>
+    </p:spTree>
+  </p:cSld>
+  <p:clrMapOvr>
+    <a:masterClrMapping/>
+  </p:clrMapOvr>
+</p:sld>
+</file>
+
+<file path=ppt/slides/slide8.xml><?xml version="1.0" encoding="utf-8"?>
+<p:sld xmlns:a="http://schemas.openxmlformats.org/drawingml/2006/main" xmlns:r="http://schemas.openxmlformats.org/officeDocument/2006/relationships" xmlns:mc="http://schemas.openxmlformats.org/markup-compatibility/2006" xmlns:mv="urn:schemas-microsoft-com:mac:vml" xmlns:p="http://schemas.openxmlformats.org/presentationml/2006/main" xmlns:c="http://schemas.openxmlformats.org/drawingml/2006/chart" xmlns:dgm="http://schemas.openxmlformats.org/drawingml/2006/diagram" xmlns:o="urn:schemas-microsoft-com:office:office" xmlns:v="urn:schemas-microsoft-com:vml" xmlns:pvml="urn:schemas-microsoft-com:office:powerpoint" xmlns:com="http://schemas.openxmlformats.org/drawingml/2006/compatibility" xmlns:p14="http://schemas.microsoft.com/office/powerpoint/2010/main" xmlns:p15="http://schemas.microsoft.com/office/powerpoint/2012/main" xmlns:ahyp="http://schemas.microsoft.com/office/drawing/2018/hyperlinkcolor">
+  <p:cSld>
+    <p:bg>
+      <p:bgPr>
+        <a:solidFill>
+          <a:srgbClr val="226AA4"/>
+        </a:solidFill>
+      </p:bgPr>
+    </p:bg>
+    <p:spTree>
+      <p:nvGrpSpPr>
+        <p:cNvPr id="118" name="Shape 118"/>
+        <p:cNvGrpSpPr/>
+        <p:nvPr/>
+      </p:nvGrpSpPr>
+      <p:grpSpPr>
+        <a:xfrm>
+          <a:off x="0" y="0"/>
+          <a:ext cx="0" cy="0"/>
+          <a:chOff x="0" y="0"/>
+          <a:chExt cx="0" cy="0"/>
+        </a:xfrm>
+      </p:grpSpPr>
+      <p:sp>
+        <p:nvSpPr>
+          <p:cNvPr id="119" name="Google Shape;119;p20"/>
+          <p:cNvSpPr txBox="1"/>
+          <p:nvPr>
+            <p:ph type="title"/>
+          </p:nvPr>
+        </p:nvSpPr>
+        <p:spPr>
+          <a:xfrm>
+            <a:off x="98250" y="16350"/>
+            <a:ext cx="2652600" cy="602700"/>
+          </a:xfrm>
+          <a:prstGeom prst="rect">
+            <a:avLst/>
+          </a:prstGeom>
+        </p:spPr>
+        <p:txBody>
+          <a:bodyPr anchorCtr="0" anchor="ctr" bIns="91425" lIns="91425" spcFirstLastPara="1" rIns="91425" wrap="square" tIns="91425">
+            <a:noAutofit/>
+          </a:bodyPr>
+          <a:lstStyle/>
+          <a:p>
+            <a:pPr indent="0" lvl="0" marL="0" rtl="0" algn="l">
+              <a:spcBef>
+                <a:spcPts val="0"/>
+              </a:spcBef>
+              <a:spcAft>
+                <a:spcPts val="0"/>
+              </a:spcAft>
+              <a:buNone/>
+            </a:pPr>
+            <a:r>
+              <a:rPr lang="it"/>
+              <a:t>SIP - Class Diagram</a:t>
+            </a:r>
+            <a:endParaRPr/>
+          </a:p>
+        </p:txBody>
+      </p:sp>
+      <p:pic>
+        <p:nvPicPr>
+          <p:cNvPr id="120" name="Google Shape;120;p20"/>
+          <p:cNvPicPr preferRelativeResize="0"/>
+          <p:nvPr/>
+        </p:nvPicPr>
+        <p:blipFill>
+          <a:blip r:embed="rId3">
+            <a:alphaModFix/>
+          </a:blip>
+          <a:stretch>
+            <a:fillRect/>
+          </a:stretch>
+        </p:blipFill>
+        <p:spPr>
+          <a:xfrm>
+            <a:off x="0" y="838936"/>
+            <a:ext cx="9144000" cy="4103877"/>
+          </a:xfrm>
+          <a:prstGeom prst="rect">
+            <a:avLst/>
+          </a:prstGeom>
+          <a:noFill/>
+          <a:ln>
+            <a:noFill/>
+          </a:ln>
+        </p:spPr>
+      </p:pic>
+    </p:spTree>
+  </p:cSld>
+  <p:clrMapOvr>
+    <a:masterClrMapping/>
+  </p:clrMapOvr>
+</p:sld>
+</file>
+
+<file path=ppt/slides/slide9.xml><?xml version="1.0" encoding="utf-8"?>
+<p:sld xmlns:a="http://schemas.openxmlformats.org/drawingml/2006/main" xmlns:r="http://schemas.openxmlformats.org/officeDocument/2006/relationships" xmlns:mc="http://schemas.openxmlformats.org/markup-compatibility/2006" xmlns:mv="urn:schemas-microsoft-com:mac:vml" xmlns:p="http://schemas.openxmlformats.org/presentationml/2006/main" xmlns:c="http://schemas.openxmlformats.org/drawingml/2006/chart" xmlns:dgm="http://schemas.openxmlformats.org/drawingml/2006/diagram" xmlns:o="urn:schemas-microsoft-com:office:office" xmlns:v="urn:schemas-microsoft-com:vml" xmlns:pvml="urn:schemas-microsoft-com:office:powerpoint" xmlns:com="http://schemas.openxmlformats.org/drawingml/2006/compatibility" xmlns:p14="http://schemas.microsoft.com/office/powerpoint/2010/main" xmlns:p15="http://schemas.microsoft.com/office/powerpoint/2012/main" xmlns:ahyp="http://schemas.microsoft.com/office/drawing/2018/hyperlinkcolor">
+  <p:cSld>
+    <p:spTree>
+      <p:nvGrpSpPr>
+        <p:cNvPr id="124" name="Shape 124"/>
+        <p:cNvGrpSpPr/>
+        <p:nvPr/>
+      </p:nvGrpSpPr>
+      <p:grpSpPr>
+        <a:xfrm>
+          <a:off x="0" y="0"/>
+          <a:ext cx="0" cy="0"/>
+          <a:chOff x="0" y="0"/>
+          <a:chExt cx="0" cy="0"/>
+        </a:xfrm>
+      </p:grpSpPr>
+      <p:sp>
+        <p:nvSpPr>
+          <p:cNvPr id="125" name="Google Shape;125;p21"/>
+          <p:cNvSpPr txBox="1"/>
+          <p:nvPr>
+            <p:ph type="title"/>
+          </p:nvPr>
+        </p:nvSpPr>
+        <p:spPr>
+          <a:xfrm>
+            <a:off x="0" y="16350"/>
+            <a:ext cx="9144000" cy="602700"/>
+          </a:xfrm>
+          <a:prstGeom prst="rect">
+            <a:avLst/>
+          </a:prstGeom>
+        </p:spPr>
+        <p:txBody>
+          <a:bodyPr anchorCtr="0" anchor="ctr" bIns="91425" lIns="91425" spcFirstLastPara="1" rIns="91425" wrap="square" tIns="91425">
+            <a:noAutofit/>
+          </a:bodyPr>
+          <a:lstStyle/>
+          <a:p>
+            <a:pPr indent="0" lvl="0" marL="0" rtl="0" algn="l">
+              <a:spcBef>
+                <a:spcPts val="0"/>
+              </a:spcBef>
+              <a:spcAft>
+                <a:spcPts val="0"/>
+              </a:spcAft>
+              <a:buNone/>
+            </a:pPr>
+            <a:r>
+              <a:rPr lang="it"/>
+              <a:t> RTP - Class Diagram</a:t>
+            </a:r>
+            <a:endParaRPr/>
+          </a:p>
+        </p:txBody>
+      </p:sp>
+      <p:pic>
+        <p:nvPicPr>
+          <p:cNvPr id="126" name="Google Shape;126;p21"/>
+          <p:cNvPicPr preferRelativeResize="0"/>
+          <p:nvPr/>
+        </p:nvPicPr>
+        <p:blipFill>
+          <a:blip r:embed="rId3">
+            <a:alphaModFix/>
+          </a:blip>
+          <a:stretch>
+            <a:fillRect/>
+          </a:stretch>
+        </p:blipFill>
+        <p:spPr>
+          <a:xfrm>
+            <a:off x="1329875" y="771450"/>
+            <a:ext cx="6484250" cy="4219650"/>
           </a:xfrm>
           <a:prstGeom prst="rect">
             <a:avLst/>
